--- a/BackgroundInfo/Selective export of microRNA via extracellular vesicles (2).pptx
+++ b/BackgroundInfo/Selective export of microRNA via extracellular vesicles (2).pptx
@@ -212,7 +212,7 @@
           <a:p>
             <a:fld id="{0B21FBDF-C287-422C-92BB-131BF3E59FE0}" type="datetimeFigureOut">
               <a:rPr lang="en-AU" smtClean="0"/>
-              <a:t>18/03/2016</a:t>
+              <a:t>19/03/2016</a:t>
             </a:fld>
             <a:endParaRPr lang="en-AU"/>
           </a:p>
@@ -1350,7 +1350,7 @@
           <a:p>
             <a:fld id="{D006A5F5-722B-4365-93E1-21E835194C29}" type="datetimeFigureOut">
               <a:rPr lang="en-AU" smtClean="0"/>
-              <a:t>18/03/2016</a:t>
+              <a:t>19/03/2016</a:t>
             </a:fld>
             <a:endParaRPr lang="en-AU"/>
           </a:p>
@@ -1520,7 +1520,7 @@
           <a:p>
             <a:fld id="{D006A5F5-722B-4365-93E1-21E835194C29}" type="datetimeFigureOut">
               <a:rPr lang="en-AU" smtClean="0"/>
-              <a:t>18/03/2016</a:t>
+              <a:t>19/03/2016</a:t>
             </a:fld>
             <a:endParaRPr lang="en-AU"/>
           </a:p>
@@ -1700,7 +1700,7 @@
           <a:p>
             <a:fld id="{D006A5F5-722B-4365-93E1-21E835194C29}" type="datetimeFigureOut">
               <a:rPr lang="en-AU" smtClean="0"/>
-              <a:t>18/03/2016</a:t>
+              <a:t>19/03/2016</a:t>
             </a:fld>
             <a:endParaRPr lang="en-AU"/>
           </a:p>
@@ -1870,7 +1870,7 @@
           <a:p>
             <a:fld id="{D006A5F5-722B-4365-93E1-21E835194C29}" type="datetimeFigureOut">
               <a:rPr lang="en-AU" smtClean="0"/>
-              <a:t>18/03/2016</a:t>
+              <a:t>19/03/2016</a:t>
             </a:fld>
             <a:endParaRPr lang="en-AU"/>
           </a:p>
@@ -2116,7 +2116,7 @@
           <a:p>
             <a:fld id="{D006A5F5-722B-4365-93E1-21E835194C29}" type="datetimeFigureOut">
               <a:rPr lang="en-AU" smtClean="0"/>
-              <a:t>18/03/2016</a:t>
+              <a:t>19/03/2016</a:t>
             </a:fld>
             <a:endParaRPr lang="en-AU"/>
           </a:p>
@@ -2348,7 +2348,7 @@
           <a:p>
             <a:fld id="{D006A5F5-722B-4365-93E1-21E835194C29}" type="datetimeFigureOut">
               <a:rPr lang="en-AU" smtClean="0"/>
-              <a:t>18/03/2016</a:t>
+              <a:t>19/03/2016</a:t>
             </a:fld>
             <a:endParaRPr lang="en-AU"/>
           </a:p>
@@ -2715,7 +2715,7 @@
           <a:p>
             <a:fld id="{D006A5F5-722B-4365-93E1-21E835194C29}" type="datetimeFigureOut">
               <a:rPr lang="en-AU" smtClean="0"/>
-              <a:t>18/03/2016</a:t>
+              <a:t>19/03/2016</a:t>
             </a:fld>
             <a:endParaRPr lang="en-AU"/>
           </a:p>
@@ -2833,7 +2833,7 @@
           <a:p>
             <a:fld id="{D006A5F5-722B-4365-93E1-21E835194C29}" type="datetimeFigureOut">
               <a:rPr lang="en-AU" smtClean="0"/>
-              <a:t>18/03/2016</a:t>
+              <a:t>19/03/2016</a:t>
             </a:fld>
             <a:endParaRPr lang="en-AU"/>
           </a:p>
@@ -2928,7 +2928,7 @@
           <a:p>
             <a:fld id="{D006A5F5-722B-4365-93E1-21E835194C29}" type="datetimeFigureOut">
               <a:rPr lang="en-AU" smtClean="0"/>
-              <a:t>18/03/2016</a:t>
+              <a:t>19/03/2016</a:t>
             </a:fld>
             <a:endParaRPr lang="en-AU"/>
           </a:p>
@@ -3205,7 +3205,7 @@
           <a:p>
             <a:fld id="{D006A5F5-722B-4365-93E1-21E835194C29}" type="datetimeFigureOut">
               <a:rPr lang="en-AU" smtClean="0"/>
-              <a:t>18/03/2016</a:t>
+              <a:t>19/03/2016</a:t>
             </a:fld>
             <a:endParaRPr lang="en-AU"/>
           </a:p>
@@ -3462,7 +3462,7 @@
           <a:p>
             <a:fld id="{D006A5F5-722B-4365-93E1-21E835194C29}" type="datetimeFigureOut">
               <a:rPr lang="en-AU" smtClean="0"/>
-              <a:t>18/03/2016</a:t>
+              <a:t>19/03/2016</a:t>
             </a:fld>
             <a:endParaRPr lang="en-AU"/>
           </a:p>
@@ -3684,7 +3684,7 @@
           <a:p>
             <a:fld id="{D006A5F5-722B-4365-93E1-21E835194C29}" type="datetimeFigureOut">
               <a:rPr lang="en-AU" smtClean="0"/>
-              <a:t>18/03/2016</a:t>
+              <a:t>19/03/2016</a:t>
             </a:fld>
             <a:endParaRPr lang="en-AU"/>
           </a:p>
@@ -5717,8 +5717,8 @@
         </p:nvSpPr>
         <p:spPr>
           <a:xfrm>
-            <a:off x="660946" y="1998186"/>
-            <a:ext cx="6597610" cy="3308598"/>
+            <a:off x="692876" y="1959562"/>
+            <a:ext cx="6597610" cy="3754874"/>
           </a:xfrm>
           <a:prstGeom prst="rect">
             <a:avLst/>
@@ -5739,7 +5739,7 @@
               <a:buChar char="•"/>
             </a:pPr>
             <a:r>
-              <a:rPr lang="en-US" sz="2200" dirty="0" smtClean="0"/>
+              <a:rPr lang="en-US" sz="2800" dirty="0" smtClean="0"/>
               <a:t>Important regulatory function</a:t>
             </a:r>
           </a:p>
@@ -5748,58 +5748,55 @@
               <a:buFontTx/>
               <a:buChar char="-"/>
             </a:pPr>
-            <a:endParaRPr lang="en-US" sz="2200" dirty="0" smtClean="0"/>
+            <a:endParaRPr lang="en-US" sz="2800" dirty="0" smtClean="0"/>
           </a:p>
           <a:p>
             <a:pPr marL="342900" indent="-342900">
-              <a:lnSpc>
-                <a:spcPct val="150000"/>
-              </a:lnSpc>
               <a:buFont typeface="Arial" panose="020B0604020202020204" pitchFamily="34" charset="0"/>
               <a:buChar char="•"/>
             </a:pPr>
             <a:r>
-              <a:rPr lang="en-US" sz="2200" dirty="0" smtClean="0"/>
+              <a:rPr lang="en-US" sz="2800" dirty="0" smtClean="0"/>
               <a:t>Binding to target mRNA decreases protein function by RISC inhibition and degradation </a:t>
             </a:r>
             <a:r>
-              <a:rPr lang="en-US" sz="1200" dirty="0" smtClean="0"/>
+              <a:rPr lang="en-US" sz="2000" dirty="0" smtClean="0"/>
               <a:t>(Gregory </a:t>
             </a:r>
             <a:r>
-              <a:rPr lang="en-US" sz="1200" i="1" dirty="0" smtClean="0"/>
+              <a:rPr lang="en-US" sz="2000" i="1" dirty="0" smtClean="0"/>
               <a:t>et al. </a:t>
             </a:r>
             <a:r>
-              <a:rPr lang="en-US" sz="1200" dirty="0" smtClean="0"/>
+              <a:rPr lang="en-US" sz="2000" dirty="0" smtClean="0"/>
               <a:t>2005)</a:t>
             </a:r>
-            <a:endParaRPr lang="en-US" sz="2200" dirty="0" smtClean="0"/>
-          </a:p>
-          <a:p>
-            <a:endParaRPr lang="en-US" sz="2200" dirty="0" smtClean="0"/>
+          </a:p>
+          <a:p>
+            <a:endParaRPr lang="en-US" sz="2800" dirty="0" smtClean="0"/>
           </a:p>
           <a:p>
             <a:pPr marL="342900" indent="-342900">
-              <a:lnSpc>
-                <a:spcPct val="150000"/>
-              </a:lnSpc>
               <a:buFont typeface="Arial" panose="020B0604020202020204" pitchFamily="34" charset="0"/>
               <a:buChar char="•"/>
             </a:pPr>
             <a:r>
-              <a:rPr lang="en-US" sz="2200" dirty="0" smtClean="0"/>
+              <a:rPr lang="en-US" sz="2800" dirty="0" smtClean="0"/>
               <a:t>Export of microRNAs (</a:t>
             </a:r>
             <a:r>
-              <a:rPr lang="en-US" sz="2200" dirty="0" err="1" smtClean="0"/>
+              <a:rPr lang="en-US" sz="2800" dirty="0" err="1" smtClean="0"/>
               <a:t>miRs</a:t>
             </a:r>
             <a:r>
-              <a:rPr lang="en-US" sz="2200" dirty="0" smtClean="0"/>
-              <a:t>, miRNAs) regulates pathways in the recipient cells.</a:t>
-            </a:r>
-            <a:endParaRPr lang="en-AU" sz="2200" dirty="0"/>
+              <a:rPr lang="en-US" sz="2800" dirty="0" smtClean="0"/>
+              <a:t>, miRNAs) regulates pathways in the recipient </a:t>
+            </a:r>
+            <a:r>
+              <a:rPr lang="en-US" sz="2800" dirty="0" smtClean="0"/>
+              <a:t>cells</a:t>
+            </a:r>
+            <a:endParaRPr lang="en-AU" sz="2800" dirty="0"/>
           </a:p>
         </p:txBody>
       </p:sp>
@@ -5821,8 +5818,8 @@
         </p:blipFill>
         <p:spPr>
           <a:xfrm>
-            <a:off x="8377603" y="2155716"/>
-            <a:ext cx="2695280" cy="3640745"/>
+            <a:off x="7661189" y="1266535"/>
+            <a:ext cx="3805881" cy="5140928"/>
           </a:xfrm>
           <a:prstGeom prst="rect">
             <a:avLst/>
@@ -5915,7 +5912,7 @@
         </p:nvSpPr>
         <p:spPr>
           <a:xfrm>
-            <a:off x="5884012" y="1820094"/>
+            <a:off x="5859299" y="1820094"/>
             <a:ext cx="6038850" cy="4351338"/>
           </a:xfrm>
         </p:spPr>
@@ -5926,74 +5923,48 @@
           <a:lstStyle/>
           <a:p>
             <a:r>
-              <a:rPr lang="en-US" sz="2400" dirty="0" smtClean="0"/>
-              <a:t>Composed of </a:t>
-            </a:r>
-            <a:r>
-              <a:rPr lang="en-US" sz="2400" dirty="0" err="1"/>
+              <a:rPr lang="en-US" dirty="0" smtClean="0"/>
+              <a:t>Comprised </a:t>
+            </a:r>
+            <a:r>
+              <a:rPr lang="en-US" dirty="0" smtClean="0"/>
+              <a:t>of </a:t>
+            </a:r>
+            <a:r>
+              <a:rPr lang="en-US" dirty="0" err="1"/>
               <a:t>m</a:t>
             </a:r>
             <a:r>
-              <a:rPr lang="en-US" sz="2400" dirty="0" err="1" smtClean="0"/>
+              <a:rPr lang="en-US" dirty="0" err="1" smtClean="0"/>
               <a:t>icrovesicles</a:t>
             </a:r>
             <a:r>
-              <a:rPr lang="en-US" sz="2400" dirty="0" smtClean="0"/>
+              <a:rPr lang="en-US" dirty="0" smtClean="0"/>
               <a:t> and exosomes.     </a:t>
             </a:r>
           </a:p>
           <a:p>
-            <a:pPr>
-              <a:lnSpc>
-                <a:spcPct val="100000"/>
-              </a:lnSpc>
-              <a:buFontTx/>
-              <a:buChar char="-"/>
+            <a:pPr marL="0" indent="0">
+              <a:buNone/>
             </a:pPr>
-            <a:endParaRPr lang="en-US" sz="2400" dirty="0"/>
-          </a:p>
-          <a:p>
-            <a:r>
-              <a:rPr lang="en-US" sz="2400" dirty="0" smtClean="0"/>
-              <a:t>Content regulate </a:t>
-            </a:r>
-            <a:r>
-              <a:rPr lang="en-US" sz="2400" dirty="0"/>
-              <a:t>processes in </a:t>
-            </a:r>
-            <a:r>
-              <a:rPr lang="en-US" sz="2400" dirty="0" smtClean="0"/>
-              <a:t>recipient </a:t>
-            </a:r>
-            <a:r>
-              <a:rPr lang="en-US" sz="2400" dirty="0"/>
-              <a:t>cells. </a:t>
-            </a:r>
-            <a:endParaRPr lang="en-US" sz="2400" dirty="0" smtClean="0"/>
+            <a:endParaRPr lang="en-US" dirty="0"/>
+          </a:p>
+          <a:p>
+            <a:r>
+              <a:rPr lang="en-US" dirty="0" smtClean="0"/>
+              <a:t>Increased stability of contents compared to unbound secretion into extracellular serum</a:t>
+            </a:r>
           </a:p>
           <a:p>
             <a:pPr>
               <a:buFontTx/>
               <a:buChar char="-"/>
             </a:pPr>
-            <a:endParaRPr lang="en-US" sz="2400" dirty="0"/>
-          </a:p>
-          <a:p>
-            <a:r>
-              <a:rPr lang="en-US" sz="2400" dirty="0" smtClean="0"/>
-              <a:t>Increased stability of contents compared to unbound secretion into extracellular serum</a:t>
-            </a:r>
-          </a:p>
-          <a:p>
-            <a:pPr>
-              <a:buFontTx/>
-              <a:buChar char="-"/>
-            </a:pPr>
-            <a:endParaRPr lang="en-US" sz="2400" dirty="0"/>
-          </a:p>
-          <a:p>
-            <a:r>
-              <a:rPr lang="en-US" sz="2400" dirty="0" smtClean="0"/>
+            <a:endParaRPr lang="en-US" dirty="0"/>
+          </a:p>
+          <a:p>
+            <a:r>
+              <a:rPr lang="en-US" dirty="0" smtClean="0"/>
               <a:t>Important for intercellular communication. </a:t>
             </a:r>
           </a:p>

--- a/BackgroundInfo/Selective export of microRNA via extracellular vesicles (2).pptx
+++ b/BackgroundInfo/Selective export of microRNA via extracellular vesicles (2).pptx
@@ -212,7 +212,7 @@
           <a:p>
             <a:fld id="{0B21FBDF-C287-422C-92BB-131BF3E59FE0}" type="datetimeFigureOut">
               <a:rPr lang="en-AU" smtClean="0"/>
-              <a:t>19/03/2016</a:t>
+              <a:t>21/03/2016</a:t>
             </a:fld>
             <a:endParaRPr lang="en-AU"/>
           </a:p>
@@ -1350,7 +1350,7 @@
           <a:p>
             <a:fld id="{D006A5F5-722B-4365-93E1-21E835194C29}" type="datetimeFigureOut">
               <a:rPr lang="en-AU" smtClean="0"/>
-              <a:t>19/03/2016</a:t>
+              <a:t>21/03/2016</a:t>
             </a:fld>
             <a:endParaRPr lang="en-AU"/>
           </a:p>
@@ -1520,7 +1520,7 @@
           <a:p>
             <a:fld id="{D006A5F5-722B-4365-93E1-21E835194C29}" type="datetimeFigureOut">
               <a:rPr lang="en-AU" smtClean="0"/>
-              <a:t>19/03/2016</a:t>
+              <a:t>21/03/2016</a:t>
             </a:fld>
             <a:endParaRPr lang="en-AU"/>
           </a:p>
@@ -1700,7 +1700,7 @@
           <a:p>
             <a:fld id="{D006A5F5-722B-4365-93E1-21E835194C29}" type="datetimeFigureOut">
               <a:rPr lang="en-AU" smtClean="0"/>
-              <a:t>19/03/2016</a:t>
+              <a:t>21/03/2016</a:t>
             </a:fld>
             <a:endParaRPr lang="en-AU"/>
           </a:p>
@@ -1870,7 +1870,7 @@
           <a:p>
             <a:fld id="{D006A5F5-722B-4365-93E1-21E835194C29}" type="datetimeFigureOut">
               <a:rPr lang="en-AU" smtClean="0"/>
-              <a:t>19/03/2016</a:t>
+              <a:t>21/03/2016</a:t>
             </a:fld>
             <a:endParaRPr lang="en-AU"/>
           </a:p>
@@ -2116,7 +2116,7 @@
           <a:p>
             <a:fld id="{D006A5F5-722B-4365-93E1-21E835194C29}" type="datetimeFigureOut">
               <a:rPr lang="en-AU" smtClean="0"/>
-              <a:t>19/03/2016</a:t>
+              <a:t>21/03/2016</a:t>
             </a:fld>
             <a:endParaRPr lang="en-AU"/>
           </a:p>
@@ -2348,7 +2348,7 @@
           <a:p>
             <a:fld id="{D006A5F5-722B-4365-93E1-21E835194C29}" type="datetimeFigureOut">
               <a:rPr lang="en-AU" smtClean="0"/>
-              <a:t>19/03/2016</a:t>
+              <a:t>21/03/2016</a:t>
             </a:fld>
             <a:endParaRPr lang="en-AU"/>
           </a:p>
@@ -2715,7 +2715,7 @@
           <a:p>
             <a:fld id="{D006A5F5-722B-4365-93E1-21E835194C29}" type="datetimeFigureOut">
               <a:rPr lang="en-AU" smtClean="0"/>
-              <a:t>19/03/2016</a:t>
+              <a:t>21/03/2016</a:t>
             </a:fld>
             <a:endParaRPr lang="en-AU"/>
           </a:p>
@@ -2833,7 +2833,7 @@
           <a:p>
             <a:fld id="{D006A5F5-722B-4365-93E1-21E835194C29}" type="datetimeFigureOut">
               <a:rPr lang="en-AU" smtClean="0"/>
-              <a:t>19/03/2016</a:t>
+              <a:t>21/03/2016</a:t>
             </a:fld>
             <a:endParaRPr lang="en-AU"/>
           </a:p>
@@ -2928,7 +2928,7 @@
           <a:p>
             <a:fld id="{D006A5F5-722B-4365-93E1-21E835194C29}" type="datetimeFigureOut">
               <a:rPr lang="en-AU" smtClean="0"/>
-              <a:t>19/03/2016</a:t>
+              <a:t>21/03/2016</a:t>
             </a:fld>
             <a:endParaRPr lang="en-AU"/>
           </a:p>
@@ -3205,7 +3205,7 @@
           <a:p>
             <a:fld id="{D006A5F5-722B-4365-93E1-21E835194C29}" type="datetimeFigureOut">
               <a:rPr lang="en-AU" smtClean="0"/>
-              <a:t>19/03/2016</a:t>
+              <a:t>21/03/2016</a:t>
             </a:fld>
             <a:endParaRPr lang="en-AU"/>
           </a:p>
@@ -3462,7 +3462,7 @@
           <a:p>
             <a:fld id="{D006A5F5-722B-4365-93E1-21E835194C29}" type="datetimeFigureOut">
               <a:rPr lang="en-AU" smtClean="0"/>
-              <a:t>19/03/2016</a:t>
+              <a:t>21/03/2016</a:t>
             </a:fld>
             <a:endParaRPr lang="en-AU"/>
           </a:p>
@@ -3684,7 +3684,7 @@
           <a:p>
             <a:fld id="{D006A5F5-722B-4365-93E1-21E835194C29}" type="datetimeFigureOut">
               <a:rPr lang="en-AU" smtClean="0"/>
-              <a:t>19/03/2016</a:t>
+              <a:t>21/03/2016</a:t>
             </a:fld>
             <a:endParaRPr lang="en-AU"/>
           </a:p>
@@ -4168,12 +4168,16 @@
               <a:t>Supervisor: </a:t>
             </a:r>
             <a:r>
-              <a:rPr lang="en-US" dirty="0" err="1" smtClean="0"/>
-              <a:t>Dr</a:t>
-            </a:r>
-            <a:r>
               <a:rPr lang="en-US" dirty="0" smtClean="0"/>
-              <a:t> Michelle Hill</a:t>
+              <a:t>A/Prof</a:t>
+            </a:r>
+            <a:r>
+              <a:rPr lang="en-US" dirty="0" smtClean="0"/>
+              <a:t> </a:t>
+            </a:r>
+            <a:r>
+              <a:rPr lang="en-US" dirty="0" smtClean="0"/>
+              <a:t>Michelle Hill</a:t>
             </a:r>
           </a:p>
           <a:p>
@@ -4245,7 +4249,12 @@
             <p:ph type="title"/>
           </p:nvPr>
         </p:nvSpPr>
-        <p:spPr/>
+        <p:spPr>
+          <a:xfrm>
+            <a:off x="838200" y="262574"/>
+            <a:ext cx="10515600" cy="1325563"/>
+          </a:xfrm>
+        </p:spPr>
         <p:txBody>
           <a:bodyPr/>
           <a:lstStyle/>
@@ -4256,23 +4265,7 @@
                   <a:schemeClr val="bg1"/>
                 </a:solidFill>
               </a:rPr>
-              <a:t>Aim 1: Analysis of </a:t>
-            </a:r>
-            <a:r>
-              <a:rPr lang="en-US" b="1" dirty="0" err="1" smtClean="0">
-                <a:solidFill>
-                  <a:schemeClr val="bg1"/>
-                </a:solidFill>
-              </a:rPr>
-              <a:t>miRNA</a:t>
-            </a:r>
-            <a:r>
-              <a:rPr lang="en-US" b="1" dirty="0" smtClean="0">
-                <a:solidFill>
-                  <a:schemeClr val="bg1"/>
-                </a:solidFill>
-              </a:rPr>
-              <a:t> export. Cont. </a:t>
+              <a:t>Aim 1: Expected Results</a:t>
             </a:r>
             <a:endParaRPr lang="en-AU" b="1" dirty="0">
               <a:solidFill>
@@ -4284,164 +4277,84 @@
       </p:sp>
       <p:sp>
         <p:nvSpPr>
-          <p:cNvPr id="3" name="Content Placeholder 2"/>
-          <p:cNvSpPr>
-            <a:spLocks noGrp="1"/>
-          </p:cNvSpPr>
-          <p:nvPr>
-            <p:ph idx="1"/>
-          </p:nvPr>
-        </p:nvSpPr>
-        <p:spPr/>
-        <p:txBody>
-          <a:bodyPr/>
-          <a:lstStyle/>
-          <a:p>
-            <a:pPr marL="0" indent="0">
-              <a:buNone/>
-            </a:pPr>
-            <a:r>
-              <a:rPr lang="en-AU" dirty="0" smtClean="0"/>
-              <a:t>Method 2: RT-</a:t>
-            </a:r>
-            <a:r>
-              <a:rPr lang="en-AU" dirty="0" err="1" smtClean="0"/>
-              <a:t>qPCR</a:t>
-            </a:r>
-            <a:endParaRPr lang="en-AU" dirty="0" smtClean="0"/>
-          </a:p>
-          <a:p>
-            <a:pPr marL="0" indent="0">
-              <a:buNone/>
-            </a:pPr>
-            <a:endParaRPr lang="en-AU" dirty="0" smtClean="0"/>
-          </a:p>
-          <a:p>
-            <a:pPr marL="0" indent="0">
-              <a:buNone/>
-            </a:pPr>
-            <a:endParaRPr lang="en-AU" dirty="0"/>
+          <p:cNvPr id="4" name="TextBox 3"/>
+          <p:cNvSpPr txBox="1"/>
+          <p:nvPr/>
+        </p:nvSpPr>
+        <p:spPr>
+          <a:xfrm>
+            <a:off x="1058333" y="1959522"/>
+            <a:ext cx="9700683" cy="523220"/>
+          </a:xfrm>
+          <a:prstGeom prst="rect">
+            <a:avLst/>
+          </a:prstGeom>
+          <a:noFill/>
+        </p:spPr>
+        <p:txBody>
+          <a:bodyPr wrap="square" rtlCol="0">
+            <a:spAutoFit/>
+          </a:bodyPr>
+          <a:lstStyle/>
+          <a:p>
+            <a:r>
+              <a:rPr lang="en-US" sz="2800" dirty="0" smtClean="0"/>
+              <a:t>Combination </a:t>
+            </a:r>
+            <a:r>
+              <a:rPr lang="en-US" sz="2800" dirty="0" smtClean="0"/>
+              <a:t>of selective and non-selectively exported miRNAs</a:t>
+            </a:r>
+            <a:endParaRPr lang="en-AU" sz="2800" dirty="0"/>
           </a:p>
         </p:txBody>
       </p:sp>
       <p:pic>
         <p:nvPicPr>
-          <p:cNvPr id="15" name="Picture 14"/>
+          <p:cNvPr id="6" name="Picture 5"/>
           <p:cNvPicPr>
             <a:picLocks noChangeAspect="1"/>
           </p:cNvPicPr>
           <p:nvPr/>
         </p:nvPicPr>
-        <p:blipFill>
-          <a:blip r:embed="rId2">
-            <a:extLst>
-              <a:ext uri="{28A0092B-C50C-407E-A947-70E740481C1C}">
-                <a14:useLocalDpi xmlns:a14="http://schemas.microsoft.com/office/drawing/2010/main" val="0"/>
-              </a:ext>
-            </a:extLst>
-          </a:blip>
-          <a:stretch>
-            <a:fillRect/>
-          </a:stretch>
+        <p:blipFill rotWithShape="1">
+          <a:blip r:embed="rId2"/>
+          <a:srcRect b="46780"/>
+          <a:stretch/>
         </p:blipFill>
         <p:spPr>
           <a:xfrm>
-            <a:off x="1153593" y="2528479"/>
-            <a:ext cx="9507185" cy="1543051"/>
+            <a:off x="1058333" y="3064519"/>
+            <a:ext cx="4258733" cy="3217748"/>
           </a:xfrm>
           <a:prstGeom prst="rect">
             <a:avLst/>
           </a:prstGeom>
         </p:spPr>
       </p:pic>
-      <p:sp>
-        <p:nvSpPr>
-          <p:cNvPr id="10" name="TextBox 9"/>
-          <p:cNvSpPr txBox="1"/>
+      <p:pic>
+        <p:nvPicPr>
+          <p:cNvPr id="7" name="Picture 6"/>
+          <p:cNvPicPr>
+            <a:picLocks noChangeAspect="1"/>
+          </p:cNvPicPr>
           <p:nvPr/>
-        </p:nvSpPr>
+        </p:nvPicPr>
+        <p:blipFill rotWithShape="1">
+          <a:blip r:embed="rId2"/>
+          <a:srcRect t="51878"/>
+          <a:stretch/>
+        </p:blipFill>
         <p:spPr>
           <a:xfrm>
-            <a:off x="4772942" y="4391859"/>
-            <a:ext cx="2268485" cy="1323439"/>
+            <a:off x="6096000" y="3064519"/>
+            <a:ext cx="4663016" cy="3217748"/>
           </a:xfrm>
           <a:prstGeom prst="rect">
             <a:avLst/>
           </a:prstGeom>
-          <a:noFill/>
         </p:spPr>
-        <p:txBody>
-          <a:bodyPr wrap="square" rtlCol="0">
-            <a:spAutoFit/>
-          </a:bodyPr>
-          <a:lstStyle/>
-          <a:p>
-            <a:pPr marL="285750" indent="-285750">
-              <a:buFont typeface="Arial" panose="020B0604020202020204" pitchFamily="34" charset="0"/>
-              <a:buChar char="•"/>
-            </a:pPr>
-            <a:r>
-              <a:rPr lang="en-US" sz="1600" dirty="0" smtClean="0"/>
-              <a:t>Average triplicates</a:t>
-            </a:r>
-          </a:p>
-          <a:p>
-            <a:pPr marL="285750" indent="-285750">
-              <a:buFont typeface="Arial" panose="020B0604020202020204" pitchFamily="34" charset="0"/>
-              <a:buChar char="•"/>
-            </a:pPr>
-            <a:r>
-              <a:rPr lang="en-US" sz="1600" dirty="0"/>
-              <a:t>C</a:t>
-            </a:r>
-            <a:r>
-              <a:rPr lang="en-US" sz="1600" dirty="0" smtClean="0"/>
-              <a:t>ompare GFP to Cavin-1 to find Fold Change  </a:t>
-            </a:r>
-          </a:p>
-          <a:p>
-            <a:pPr marL="285750" indent="-285750">
-              <a:buFont typeface="Arial" panose="020B0604020202020204" pitchFamily="34" charset="0"/>
-              <a:buChar char="•"/>
-            </a:pPr>
-            <a:r>
-              <a:rPr lang="en-US" sz="1600" dirty="0" smtClean="0"/>
-              <a:t>T-Test</a:t>
-            </a:r>
-            <a:endParaRPr lang="en-AU" sz="1600" dirty="0"/>
-          </a:p>
-        </p:txBody>
-      </p:sp>
-      <p:sp>
-        <p:nvSpPr>
-          <p:cNvPr id="4" name="TextBox 3"/>
-          <p:cNvSpPr txBox="1"/>
-          <p:nvPr/>
-        </p:nvSpPr>
-        <p:spPr>
-          <a:xfrm>
-            <a:off x="625562" y="5959425"/>
-            <a:ext cx="10211193" cy="461665"/>
-          </a:xfrm>
-          <a:prstGeom prst="rect">
-            <a:avLst/>
-          </a:prstGeom>
-          <a:noFill/>
-        </p:spPr>
-        <p:txBody>
-          <a:bodyPr wrap="none" rtlCol="0">
-            <a:spAutoFit/>
-          </a:bodyPr>
-          <a:lstStyle/>
-          <a:p>
-            <a:r>
-              <a:rPr lang="en-US" sz="2400" dirty="0" smtClean="0"/>
-              <a:t>Expected results: Combination of selective and non-selectively exported miRNAs</a:t>
-            </a:r>
-            <a:endParaRPr lang="en-AU" sz="2400" dirty="0"/>
-          </a:p>
-        </p:txBody>
-      </p:sp>
+      </p:pic>
     </p:spTree>
     <p:extLst>
       <p:ext uri="{BB962C8B-B14F-4D97-AF65-F5344CB8AC3E}">
@@ -4546,7 +4459,7 @@
         </p:spPr>
         <p:txBody>
           <a:bodyPr>
-            <a:normAutofit lnSpcReduction="10000"/>
+            <a:normAutofit/>
           </a:bodyPr>
           <a:lstStyle/>
           <a:p>
@@ -4554,7 +4467,7 @@
               <a:buNone/>
             </a:pPr>
             <a:r>
-              <a:rPr lang="en-AU" sz="2200" dirty="0" smtClean="0"/>
+              <a:rPr lang="en-AU" b="1" dirty="0" smtClean="0"/>
               <a:t>Method 1: Computational analysis. </a:t>
             </a:r>
           </a:p>
@@ -4571,8 +4484,24 @@
               </a:lnSpc>
             </a:pPr>
             <a:r>
+              <a:rPr lang="en-AU" sz="2200" dirty="0"/>
+              <a:t>P</a:t>
+            </a:r>
+            <a:r>
               <a:rPr lang="en-AU" sz="2200" dirty="0" smtClean="0"/>
-              <a:t>Previous proteomics data collected for the lipid raft, total membrane and EVs using tandem mass spectrometry for PC3 GFP and PC3 cavin-1 cells. </a:t>
+              <a:t>roteomics </a:t>
+            </a:r>
+            <a:r>
+              <a:rPr lang="en-AU" sz="2200" dirty="0" smtClean="0"/>
+              <a:t>data collected for the lipid raft, total membrane and EVs </a:t>
+            </a:r>
+            <a:r>
+              <a:rPr lang="en-AU" sz="2200" dirty="0" smtClean="0"/>
+              <a:t>for PC3 </a:t>
+            </a:r>
+            <a:r>
+              <a:rPr lang="en-AU" sz="2200" dirty="0" smtClean="0"/>
+              <a:t>GFP and PC3 cavin-1 cells. </a:t>
             </a:r>
           </a:p>
           <a:p>
@@ -4592,7 +4521,11 @@
             </a:pPr>
             <a:r>
               <a:rPr lang="en-US" sz="2200" dirty="0" smtClean="0"/>
-              <a:t>Identifying proteins enriched in the EV fraction correlating to an increase of </a:t>
+              <a:t>Identify </a:t>
+            </a:r>
+            <a:r>
+              <a:rPr lang="en-US" sz="2200" dirty="0" smtClean="0"/>
+              <a:t>proteins enriched in the EV fraction correlating to an increase of </a:t>
             </a:r>
             <a:r>
               <a:rPr lang="en-US" sz="2200" dirty="0" err="1" smtClean="0"/>
@@ -4702,7 +4635,12 @@
             <p:ph type="title"/>
           </p:nvPr>
         </p:nvSpPr>
-        <p:spPr/>
+        <p:spPr>
+          <a:xfrm>
+            <a:off x="296333" y="344556"/>
+            <a:ext cx="10515600" cy="1325563"/>
+          </a:xfrm>
+        </p:spPr>
         <p:txBody>
           <a:bodyPr>
             <a:normAutofit/>
@@ -4770,11 +4708,11 @@
         <p:spPr>
           <a:xfrm>
             <a:off x="838200" y="1485760"/>
-            <a:ext cx="10515600" cy="4351338"/>
+            <a:ext cx="10515600" cy="4915040"/>
           </a:xfrm>
         </p:spPr>
         <p:txBody>
-          <a:bodyPr numCol="2">
+          <a:bodyPr numCol="1">
             <a:normAutofit/>
           </a:bodyPr>
           <a:lstStyle/>
@@ -4783,25 +4721,32 @@
               <a:buNone/>
             </a:pPr>
             <a:r>
-              <a:rPr lang="en-AU" sz="2400" dirty="0" smtClean="0"/>
+              <a:rPr lang="en-AU" b="1" dirty="0" smtClean="0"/>
               <a:t>Method 2: Motif discovery. </a:t>
             </a:r>
-          </a:p>
-          <a:p>
-            <a:pPr marL="0" indent="0">
+            <a:endParaRPr lang="en-AU" dirty="0" smtClean="0"/>
+          </a:p>
+          <a:p>
+            <a:pPr marL="0" indent="0" algn="ctr">
               <a:buNone/>
             </a:pPr>
-            <a:endParaRPr lang="en-AU" sz="2400" dirty="0" smtClean="0"/>
-          </a:p>
-          <a:p>
-            <a:r>
-              <a:rPr lang="en-US" sz="2400" dirty="0"/>
+            <a:r>
+              <a:rPr lang="en-AU" dirty="0" smtClean="0"/>
+              <a:t>Compare</a:t>
+            </a:r>
+            <a:r>
+              <a:rPr lang="en-US" dirty="0" smtClean="0"/>
+              <a:t> known RNA-binding motif of </a:t>
+            </a:r>
+            <a:r>
+              <a:rPr lang="en-AU" dirty="0" smtClean="0"/>
+              <a:t>candidate protein to miRNA. </a:t>
+            </a:r>
+            <a:r>
+              <a:rPr lang="en-US" dirty="0" smtClean="0"/>
               <a:t> </a:t>
             </a:r>
-            <a:r>
-              <a:rPr lang="en-US" sz="2400" dirty="0" smtClean="0"/>
-              <a:t> Literature search for known binding 	motif of candidate protein. </a:t>
-            </a:r>
+            <a:endParaRPr lang="en-US" dirty="0" smtClean="0"/>
           </a:p>
           <a:p>
             <a:pPr marL="0" indent="0">
@@ -4832,63 +4777,6 @@
               <a:buNone/>
             </a:pPr>
             <a:endParaRPr lang="en-US" sz="2400" dirty="0" smtClean="0"/>
-          </a:p>
-          <a:p>
-            <a:pPr marL="0" indent="0">
-              <a:buNone/>
-            </a:pPr>
-            <a:endParaRPr lang="en-US" sz="2400" dirty="0"/>
-          </a:p>
-          <a:p>
-            <a:pPr marL="0" indent="0">
-              <a:buNone/>
-            </a:pPr>
-            <a:endParaRPr lang="en-US" sz="2400" dirty="0" smtClean="0"/>
-          </a:p>
-          <a:p>
-            <a:pPr marL="0" indent="0">
-              <a:buNone/>
-            </a:pPr>
-            <a:r>
-              <a:rPr lang="en-US" sz="2400" dirty="0" smtClean="0"/>
-              <a:t>Alternatively…</a:t>
-            </a:r>
-          </a:p>
-          <a:p>
-            <a:r>
-              <a:rPr lang="en-US" sz="2400" dirty="0" smtClean="0"/>
-              <a:t>Gibbs sampling to find shared motif in exported miRNAs</a:t>
-            </a:r>
-          </a:p>
-          <a:p>
-            <a:pPr marL="627063" indent="0"/>
-            <a:r>
-              <a:rPr lang="en-US" sz="2400" dirty="0"/>
-              <a:t>	</a:t>
-            </a:r>
-            <a:r>
-              <a:rPr lang="en-US" sz="2400" dirty="0" smtClean="0"/>
-              <a:t>Probability based algorithm.</a:t>
-            </a:r>
-          </a:p>
-          <a:p>
-            <a:pPr marL="0" indent="0">
-              <a:buNone/>
-            </a:pPr>
-            <a:r>
-              <a:rPr lang="en-US" sz="2400" dirty="0"/>
-              <a:t>	</a:t>
-            </a:r>
-          </a:p>
-          <a:p>
-            <a:pPr marL="0" indent="0">
-              <a:buNone/>
-            </a:pPr>
-            <a:r>
-              <a:rPr lang="en-US" sz="2400" dirty="0" smtClean="0"/>
-              <a:t>Expect a motif shared between all the exported miRNAs. </a:t>
-            </a:r>
-            <a:endParaRPr lang="en-AU" sz="2400" dirty="0"/>
           </a:p>
         </p:txBody>
       </p:sp>
@@ -4908,8 +4796,8 @@
         </p:blipFill>
         <p:spPr>
           <a:xfrm>
-            <a:off x="2389415" y="3276430"/>
-            <a:ext cx="1474722" cy="1449727"/>
+            <a:off x="1549744" y="2873059"/>
+            <a:ext cx="2089631" cy="2054214"/>
           </a:xfrm>
           <a:prstGeom prst="rect">
             <a:avLst/>
@@ -4924,8 +4812,8 @@
         </p:nvSpPr>
         <p:spPr>
           <a:xfrm>
-            <a:off x="933139" y="5128394"/>
-            <a:ext cx="4387274" cy="646331"/>
+            <a:off x="5004702" y="2973784"/>
+            <a:ext cx="5366061" cy="1938992"/>
           </a:xfrm>
           <a:prstGeom prst="rect">
             <a:avLst/>
@@ -4940,83 +4828,98 @@
           <a:p>
             <a:pPr lvl="0"/>
             <a:r>
-              <a:rPr lang="en-US" altLang="en-US" dirty="0" smtClean="0">
-                <a:latin typeface="+mj-lt"/>
-              </a:rPr>
-              <a:t>miR-198; GGUCCAGAGG</a:t>
-            </a:r>
-            <a:r>
-              <a:rPr lang="en-US" altLang="en-US" dirty="0" smtClean="0">
+              <a:rPr lang="en-US" altLang="en-US" sz="2000" dirty="0" smtClean="0"/>
+              <a:t>Known binding miRNAs:</a:t>
+            </a:r>
+            <a:endParaRPr lang="en-US" altLang="en-US" sz="2000" dirty="0" smtClean="0"/>
+          </a:p>
+          <a:p>
+            <a:pPr lvl="0"/>
+            <a:r>
+              <a:rPr lang="en-US" altLang="en-US" sz="2000" dirty="0" smtClean="0"/>
+              <a:t>miR-198</a:t>
+            </a:r>
+            <a:r>
+              <a:rPr lang="en-US" altLang="en-US" sz="2000" dirty="0" smtClean="0"/>
+              <a:t>; GGUCCAGAGG</a:t>
+            </a:r>
+            <a:r>
+              <a:rPr lang="en-US" altLang="en-US" sz="2000" dirty="0" smtClean="0">
                 <a:solidFill>
                   <a:srgbClr val="FF0000"/>
                 </a:solidFill>
-                <a:latin typeface="+mj-lt"/>
               </a:rPr>
               <a:t>GGAG</a:t>
             </a:r>
             <a:r>
-              <a:rPr lang="en-US" altLang="en-US" dirty="0" smtClean="0">
-                <a:latin typeface="+mj-lt"/>
-              </a:rPr>
+              <a:rPr lang="en-US" altLang="en-US" sz="2000" dirty="0" smtClean="0"/>
               <a:t>AUAGGUUC</a:t>
             </a:r>
-            <a:endParaRPr lang="en-AU" altLang="en-US" dirty="0" smtClean="0"/>
-          </a:p>
-          <a:p>
-            <a:r>
-              <a:rPr lang="en-US" altLang="en-US" dirty="0" smtClean="0">
-                <a:latin typeface="+mj-lt"/>
-              </a:rPr>
-              <a:t>miR-887; CUUG</a:t>
-            </a:r>
-            <a:r>
-              <a:rPr lang="en-US" altLang="en-US" dirty="0" smtClean="0">
+            <a:endParaRPr lang="en-AU" altLang="en-US" sz="2000" dirty="0" smtClean="0"/>
+          </a:p>
+          <a:p>
+            <a:r>
+              <a:rPr lang="en-US" altLang="en-US" sz="2000" dirty="0" smtClean="0"/>
+              <a:t>miR-887; </a:t>
+            </a:r>
+            <a:r>
+              <a:rPr lang="en-US" altLang="en-US" sz="2000" dirty="0" smtClean="0"/>
+              <a:t>CUUG</a:t>
+            </a:r>
+            <a:r>
+              <a:rPr lang="en-US" altLang="en-US" sz="2000" dirty="0" smtClean="0">
                 <a:solidFill>
                   <a:srgbClr val="FF0000"/>
                 </a:solidFill>
-                <a:latin typeface="+mj-lt"/>
               </a:rPr>
               <a:t>GGAG</a:t>
             </a:r>
             <a:r>
-              <a:rPr lang="en-US" altLang="en-US" dirty="0" smtClean="0">
-                <a:latin typeface="+mj-lt"/>
-              </a:rPr>
+              <a:rPr lang="en-US" altLang="en-US" sz="2000" dirty="0" smtClean="0"/>
               <a:t>CCCUGUUAGACUC</a:t>
             </a:r>
-            <a:r>
-              <a:rPr lang="en-US" altLang="en-US" sz="1400" dirty="0" smtClean="0">
-                <a:latin typeface="+mj-lt"/>
-              </a:rPr>
+          </a:p>
+          <a:p>
+            <a:endParaRPr lang="en-US" altLang="en-US" sz="2000" dirty="0"/>
+          </a:p>
+          <a:p>
+            <a:r>
+              <a:rPr lang="en-US" altLang="en-US" sz="2000" dirty="0" smtClean="0"/>
+              <a:t>Non-binding miRNAs:</a:t>
+            </a:r>
+          </a:p>
+          <a:p>
+            <a:r>
+              <a:rPr lang="en-US" altLang="en-US" sz="2000" dirty="0" smtClean="0"/>
               <a:t> </a:t>
             </a:r>
             <a:r>
-              <a:rPr lang="en-US" altLang="en-US" dirty="0" smtClean="0">
-                <a:latin typeface="+mj-lt"/>
-              </a:rPr>
-              <a:t>                     </a:t>
-            </a:r>
+              <a:rPr lang="en-US" altLang="en-US" sz="2000" dirty="0" smtClean="0"/>
+              <a:t>miR-20b; CAAAGUGCUCAUAGUGCAGGUAG </a:t>
+            </a:r>
+            <a:endParaRPr lang="en-US" altLang="en-US" sz="2000" dirty="0" smtClean="0"/>
           </a:p>
         </p:txBody>
       </p:sp>
       <p:cxnSp>
         <p:nvCxnSpPr>
-          <p:cNvPr id="12" name="Straight Connector 11"/>
+          <p:cNvPr id="6" name="Straight Arrow Connector 5"/>
           <p:cNvCxnSpPr/>
           <p:nvPr/>
         </p:nvCxnSpPr>
         <p:spPr>
-          <a:xfrm flipH="1">
-            <a:off x="2041071" y="4726157"/>
-            <a:ext cx="348344" cy="402237"/>
+          <a:xfrm>
+            <a:off x="4093053" y="3958027"/>
+            <a:ext cx="694266" cy="16933"/>
           </a:xfrm>
-          <a:prstGeom prst="line">
+          <a:prstGeom prst="straightConnector1">
             <a:avLst/>
           </a:prstGeom>
-          <a:ln>
+          <a:ln w="76200">
             <a:solidFill>
-              <a:srgbClr val="FF0000"/>
+              <a:schemeClr val="tx1"/>
             </a:solidFill>
+            <a:tailEnd type="triangle"/>
           </a:ln>
         </p:spPr>
         <p:style>
@@ -5034,41 +4937,128 @@
           </a:fontRef>
         </p:style>
       </p:cxnSp>
-      <p:cxnSp>
-        <p:nvCxnSpPr>
-          <p:cNvPr id="14" name="Straight Connector 13"/>
-          <p:cNvCxnSpPr/>
+      <p:sp>
+        <p:nvSpPr>
+          <p:cNvPr id="7" name="Rectangle 1"/>
+          <p:cNvSpPr>
+            <a:spLocks noChangeArrowheads="1"/>
+          </p:cNvSpPr>
           <p:nvPr/>
-        </p:nvCxnSpPr>
+        </p:nvSpPr>
+        <p:spPr bwMode="auto">
+          <a:xfrm>
+            <a:off x="0" y="43934"/>
+            <a:ext cx="184731" cy="369332"/>
+          </a:xfrm>
+          <a:prstGeom prst="rect">
+            <a:avLst/>
+          </a:prstGeom>
+          <a:noFill/>
+          <a:ln>
+            <a:noFill/>
+          </a:ln>
+          <a:effectLst/>
+          <a:extLst>
+            <a:ext uri="{909E8E84-426E-40DD-AFC4-6F175D3DCCD1}">
+              <a14:hiddenFill xmlns:a14="http://schemas.microsoft.com/office/drawing/2010/main">
+                <a:solidFill>
+                  <a:schemeClr val="accent1"/>
+                </a:solidFill>
+              </a14:hiddenFill>
+            </a:ext>
+            <a:ext uri="{91240B29-F687-4F45-9708-019B960494DF}">
+              <a14:hiddenLine xmlns:a14="http://schemas.microsoft.com/office/drawing/2010/main" w="9525">
+                <a:solidFill>
+                  <a:schemeClr val="tx1"/>
+                </a:solidFill>
+                <a:miter lim="800000"/>
+                <a:headEnd/>
+                <a:tailEnd/>
+              </a14:hiddenLine>
+            </a:ext>
+            <a:ext uri="{AF507438-7753-43E0-B8FC-AC1667EBCBE1}">
+              <a14:hiddenEffects xmlns:a14="http://schemas.microsoft.com/office/drawing/2010/main">
+                <a:effectLst>
+                  <a:outerShdw dist="35921" dir="2700000" algn="ctr" rotWithShape="0">
+                    <a:schemeClr val="bg2"/>
+                  </a:outerShdw>
+                </a:effectLst>
+              </a14:hiddenEffects>
+            </a:ext>
+          </a:extLst>
+        </p:spPr>
+        <p:txBody>
+          <a:bodyPr vert="horz" wrap="none" lIns="91440" tIns="45720" rIns="91440" bIns="45720" numCol="1" anchor="ctr" anchorCtr="0" compatLnSpc="1">
+            <a:prstTxWarp prst="textNoShape">
+              <a:avLst/>
+            </a:prstTxWarp>
+            <a:spAutoFit/>
+          </a:bodyPr>
+          <a:lstStyle/>
+          <a:p>
+            <a:pPr marL="0" marR="0" lvl="0" indent="0" algn="l" defTabSz="914400" rtl="0" eaLnBrk="0" fontAlgn="base" latinLnBrk="0" hangingPunct="0">
+              <a:lnSpc>
+                <a:spcPct val="100000"/>
+              </a:lnSpc>
+              <a:spcBef>
+                <a:spcPct val="0"/>
+              </a:spcBef>
+              <a:spcAft>
+                <a:spcPct val="0"/>
+              </a:spcAft>
+              <a:buClrTx/>
+              <a:buSzTx/>
+              <a:buFontTx/>
+              <a:buNone/>
+              <a:tabLst/>
+            </a:pPr>
+            <a:endParaRPr kumimoji="0" lang="en-US" altLang="en-US" sz="1800" b="0" i="0" u="none" strike="noStrike" cap="none" normalizeH="0" baseline="0" dirty="0" smtClean="0">
+              <a:ln>
+                <a:noFill/>
+              </a:ln>
+              <a:solidFill>
+                <a:schemeClr val="tx1"/>
+              </a:solidFill>
+              <a:effectLst/>
+              <a:latin typeface="Arial" panose="020B0604020202020204" pitchFamily="34" charset="0"/>
+            </a:endParaRPr>
+          </a:p>
+        </p:txBody>
+      </p:sp>
+      <p:sp>
+        <p:nvSpPr>
+          <p:cNvPr id="8" name="TextBox 7"/>
+          <p:cNvSpPr txBox="1"/>
+          <p:nvPr/>
+        </p:nvSpPr>
         <p:spPr>
           <a:xfrm>
-            <a:off x="3864137" y="4726157"/>
-            <a:ext cx="348344" cy="402237"/>
+            <a:off x="551768" y="5508248"/>
+            <a:ext cx="11088463" cy="892552"/>
           </a:xfrm>
-          <a:prstGeom prst="line">
+          <a:prstGeom prst="rect">
             <a:avLst/>
           </a:prstGeom>
-          <a:ln>
-            <a:solidFill>
-              <a:srgbClr val="FF0000"/>
-            </a:solidFill>
-          </a:ln>
+          <a:noFill/>
         </p:spPr>
-        <p:style>
-          <a:lnRef idx="1">
-            <a:schemeClr val="accent1"/>
-          </a:lnRef>
-          <a:fillRef idx="0">
-            <a:schemeClr val="accent1"/>
-          </a:fillRef>
-          <a:effectRef idx="0">
-            <a:schemeClr val="accent1"/>
-          </a:effectRef>
-          <a:fontRef idx="minor">
-            <a:schemeClr val="tx1"/>
-          </a:fontRef>
-        </p:style>
-      </p:cxnSp>
+        <p:txBody>
+          <a:bodyPr wrap="square" rtlCol="0">
+            <a:spAutoFit/>
+          </a:bodyPr>
+          <a:lstStyle/>
+          <a:p>
+            <a:r>
+              <a:rPr lang="en-US" sz="2800" b="1" dirty="0" smtClean="0"/>
+              <a:t>Expected Results: </a:t>
+            </a:r>
+            <a:r>
+              <a:rPr lang="en-US" sz="2400" dirty="0" smtClean="0"/>
+              <a:t>Selectively exported miRNA should contain the candidate’s RNA-binding motif, where non-selective will not. </a:t>
+            </a:r>
+            <a:endParaRPr lang="en-AU" sz="2400" b="1" dirty="0"/>
+          </a:p>
+        </p:txBody>
+      </p:sp>
     </p:spTree>
     <p:extLst>
       <p:ext uri="{BB962C8B-B14F-4D97-AF65-F5344CB8AC3E}">
@@ -5323,7 +5313,12 @@
             <p:ph idx="1"/>
           </p:nvPr>
         </p:nvSpPr>
-        <p:spPr/>
+        <p:spPr>
+          <a:xfrm>
+            <a:off x="838200" y="1825625"/>
+            <a:ext cx="10744200" cy="4351338"/>
+          </a:xfrm>
+        </p:spPr>
         <p:txBody>
           <a:bodyPr>
             <a:normAutofit/>
@@ -5334,98 +5329,97 @@
               <a:buNone/>
             </a:pPr>
             <a:r>
-              <a:rPr lang="en-AU" sz="2400" dirty="0" smtClean="0"/>
+              <a:rPr lang="en-AU" dirty="0" smtClean="0"/>
               <a:t>Method 2: Co-localisation by Immunofluorescence Confocal Microscopy</a:t>
             </a:r>
-            <a:endParaRPr lang="en-AU" sz="2400" dirty="0"/>
+            <a:endParaRPr lang="en-AU" dirty="0"/>
+          </a:p>
+        </p:txBody>
+      </p:sp>
+      <p:sp>
+        <p:nvSpPr>
+          <p:cNvPr id="5" name="TextBox 4"/>
+          <p:cNvSpPr txBox="1"/>
+          <p:nvPr/>
+        </p:nvSpPr>
+        <p:spPr>
+          <a:xfrm>
+            <a:off x="8276836" y="3074801"/>
+            <a:ext cx="3633784" cy="2954655"/>
+          </a:xfrm>
+          <a:prstGeom prst="rect">
+            <a:avLst/>
+          </a:prstGeom>
+          <a:noFill/>
+        </p:spPr>
+        <p:txBody>
+          <a:bodyPr wrap="square" rtlCol="0">
+            <a:spAutoFit/>
+          </a:bodyPr>
+          <a:lstStyle/>
+          <a:p>
+            <a:pPr marL="285750" indent="-285750">
+              <a:buFont typeface="Arial" panose="020B0604020202020204" pitchFamily="34" charset="0"/>
+              <a:buChar char="•"/>
+            </a:pPr>
+            <a:r>
+              <a:rPr lang="en-US" sz="2800" dirty="0" smtClean="0"/>
+              <a:t>Cells transfected with biotinylated</a:t>
+            </a:r>
+            <a:r>
+              <a:rPr lang="en-AU" sz="2800" dirty="0" smtClean="0"/>
+              <a:t> miRNAs</a:t>
+            </a:r>
+          </a:p>
+          <a:p>
+            <a:pPr marL="285750" indent="-285750">
+              <a:buFont typeface="Arial" panose="020B0604020202020204" pitchFamily="34" charset="0"/>
+              <a:buChar char="•"/>
+            </a:pPr>
+            <a:endParaRPr lang="en-US" sz="2800" dirty="0"/>
+          </a:p>
+          <a:p>
+            <a:pPr marL="285750" indent="-285750">
+              <a:buFont typeface="Arial" panose="020B0604020202020204" pitchFamily="34" charset="0"/>
+              <a:buChar char="•"/>
+            </a:pPr>
+            <a:r>
+              <a:rPr lang="en-US" sz="2800" dirty="0" smtClean="0"/>
+              <a:t>Co-localized miRNA + protein will be visualized as yellow. </a:t>
+            </a:r>
+          </a:p>
+          <a:p>
+            <a:pPr marL="285750" indent="-285750">
+              <a:buFont typeface="Arial" panose="020B0604020202020204" pitchFamily="34" charset="0"/>
+              <a:buChar char="•"/>
+            </a:pPr>
+            <a:endParaRPr lang="en-US" dirty="0"/>
           </a:p>
         </p:txBody>
       </p:sp>
       <p:pic>
         <p:nvPicPr>
-          <p:cNvPr id="4" name="Picture 3"/>
+          <p:cNvPr id="6" name="Picture 5"/>
           <p:cNvPicPr>
             <a:picLocks noChangeAspect="1"/>
           </p:cNvPicPr>
           <p:nvPr/>
         </p:nvPicPr>
-        <p:blipFill>
+        <p:blipFill rotWithShape="1">
           <a:blip r:embed="rId2"/>
-          <a:stretch>
-            <a:fillRect/>
-          </a:stretch>
+          <a:srcRect l="1074"/>
+          <a:stretch/>
         </p:blipFill>
         <p:spPr>
           <a:xfrm>
-            <a:off x="479338" y="2719637"/>
-            <a:ext cx="7674062" cy="3457325"/>
+            <a:off x="509980" y="2709333"/>
+            <a:ext cx="7619836" cy="3467630"/>
           </a:xfrm>
           <a:prstGeom prst="rect">
             <a:avLst/>
           </a:prstGeom>
         </p:spPr>
       </p:pic>
-      <p:sp>
-        <p:nvSpPr>
-          <p:cNvPr id="5" name="TextBox 4"/>
-          <p:cNvSpPr txBox="1"/>
-          <p:nvPr/>
-        </p:nvSpPr>
-        <p:spPr>
-          <a:xfrm>
-            <a:off x="8276836" y="3074801"/>
-            <a:ext cx="3633784" cy="2585323"/>
-          </a:xfrm>
-          <a:prstGeom prst="rect">
-            <a:avLst/>
-          </a:prstGeom>
-          <a:noFill/>
-        </p:spPr>
-        <p:txBody>
-          <a:bodyPr wrap="square" rtlCol="0">
-            <a:spAutoFit/>
-          </a:bodyPr>
-          <a:lstStyle/>
-          <a:p>
-            <a:pPr marL="285750" indent="-285750">
-              <a:buFont typeface="Arial" panose="020B0604020202020204" pitchFamily="34" charset="0"/>
-              <a:buChar char="•"/>
-            </a:pPr>
-            <a:r>
-              <a:rPr lang="en-US" sz="2400" dirty="0" smtClean="0"/>
-              <a:t>Cells transfected with biotinylated</a:t>
-            </a:r>
-            <a:r>
-              <a:rPr lang="en-AU" sz="2400" dirty="0" smtClean="0"/>
-              <a:t> miRNAs</a:t>
-            </a:r>
-          </a:p>
-          <a:p>
-            <a:pPr marL="285750" indent="-285750">
-              <a:buFont typeface="Arial" panose="020B0604020202020204" pitchFamily="34" charset="0"/>
-              <a:buChar char="•"/>
-            </a:pPr>
-            <a:endParaRPr lang="en-US" sz="2400" dirty="0"/>
-          </a:p>
-          <a:p>
-            <a:pPr marL="285750" indent="-285750">
-              <a:buFont typeface="Arial" panose="020B0604020202020204" pitchFamily="34" charset="0"/>
-              <a:buChar char="•"/>
-            </a:pPr>
-            <a:r>
-              <a:rPr lang="en-US" sz="2400" dirty="0" smtClean="0"/>
-              <a:t>Co-localized miRNA + protein will be visualized as yellow. </a:t>
-            </a:r>
-          </a:p>
-          <a:p>
-            <a:pPr marL="285750" indent="-285750">
-              <a:buFont typeface="Arial" panose="020B0604020202020204" pitchFamily="34" charset="0"/>
-              <a:buChar char="•"/>
-            </a:pPr>
-            <a:endParaRPr lang="en-US" dirty="0"/>
-          </a:p>
-        </p:txBody>
-      </p:sp>
     </p:spTree>
     <p:extLst>
       <p:ext uri="{BB962C8B-B14F-4D97-AF65-F5344CB8AC3E}">
@@ -5517,15 +5511,15 @@
           <a:lstStyle/>
           <a:p>
             <a:r>
-              <a:rPr lang="en-US" sz="2400" dirty="0" smtClean="0"/>
+              <a:rPr lang="en-US" dirty="0" smtClean="0"/>
               <a:t>Novel mechanism of </a:t>
             </a:r>
             <a:r>
-              <a:rPr lang="en-US" sz="2400" dirty="0" err="1" smtClean="0"/>
+              <a:rPr lang="en-US" dirty="0" err="1" smtClean="0"/>
               <a:t>miRNA</a:t>
             </a:r>
             <a:r>
-              <a:rPr lang="en-US" sz="2400" dirty="0" smtClean="0"/>
+              <a:rPr lang="en-US" dirty="0" smtClean="0"/>
               <a:t> function</a:t>
             </a:r>
           </a:p>
@@ -5533,34 +5527,16 @@
             <a:pPr marL="0" indent="0">
               <a:buNone/>
             </a:pPr>
-            <a:endParaRPr lang="en-US" sz="2400" dirty="0" smtClean="0"/>
-          </a:p>
-          <a:p>
-            <a:r>
-              <a:rPr lang="en-US" sz="2400" dirty="0" smtClean="0"/>
-              <a:t>Regulates ~60% of mammalian genes </a:t>
-            </a:r>
-          </a:p>
-          <a:p>
-            <a:endParaRPr lang="en-US" sz="2400" dirty="0" smtClean="0"/>
-          </a:p>
-          <a:p>
-            <a:r>
-              <a:rPr lang="en-US" sz="2400" dirty="0" smtClean="0"/>
+            <a:endParaRPr lang="en-US" dirty="0" smtClean="0"/>
+          </a:p>
+          <a:p>
+            <a:r>
+              <a:rPr lang="en-US" dirty="0" smtClean="0"/>
               <a:t>MicroRNAs exported within EVs have been linked to cancer metastasis </a:t>
             </a:r>
           </a:p>
           <a:p>
             <a:endParaRPr lang="en-US" sz="2400" dirty="0"/>
-          </a:p>
-          <a:p>
-            <a:pPr marL="0" indent="0">
-              <a:buNone/>
-            </a:pPr>
-            <a:r>
-              <a:rPr lang="en-US" sz="2400" dirty="0" smtClean="0"/>
-              <a:t>Slide needs work</a:t>
-            </a:r>
           </a:p>
           <a:p>
             <a:endParaRPr lang="en-US" sz="2400" dirty="0"/>
@@ -5790,11 +5766,7 @@
             </a:r>
             <a:r>
               <a:rPr lang="en-US" sz="2800" dirty="0" smtClean="0"/>
-              <a:t>, miRNAs) regulates pathways in the recipient </a:t>
-            </a:r>
-            <a:r>
-              <a:rPr lang="en-US" sz="2800" dirty="0" smtClean="0"/>
-              <a:t>cells</a:t>
+              <a:t>, miRNAs) regulates pathways in the recipient cells</a:t>
             </a:r>
             <a:endParaRPr lang="en-AU" sz="2800" dirty="0"/>
           </a:p>
@@ -5924,11 +5896,7 @@
           <a:p>
             <a:r>
               <a:rPr lang="en-US" dirty="0" smtClean="0"/>
-              <a:t>Comprised </a:t>
-            </a:r>
-            <a:r>
-              <a:rPr lang="en-US" dirty="0" smtClean="0"/>
-              <a:t>of </a:t>
+              <a:t>Comprised of </a:t>
             </a:r>
             <a:r>
               <a:rPr lang="en-US" dirty="0" err="1"/>
@@ -5972,28 +5940,22 @@
       </p:sp>
       <p:pic>
         <p:nvPicPr>
-          <p:cNvPr id="5" name="Picture 4"/>
+          <p:cNvPr id="4" name="Picture 3"/>
           <p:cNvPicPr>
             <a:picLocks noChangeAspect="1"/>
           </p:cNvPicPr>
           <p:nvPr/>
         </p:nvPicPr>
         <p:blipFill>
-          <a:blip r:embed="rId3">
-            <a:extLst>
-              <a:ext uri="{28A0092B-C50C-407E-A947-70E740481C1C}">
-                <a14:useLocalDpi xmlns:a14="http://schemas.microsoft.com/office/drawing/2010/main" val="0"/>
-              </a:ext>
-            </a:extLst>
-          </a:blip>
+          <a:blip r:embed="rId3"/>
           <a:stretch>
             <a:fillRect/>
           </a:stretch>
         </p:blipFill>
         <p:spPr>
           <a:xfrm>
-            <a:off x="838200" y="1533526"/>
-            <a:ext cx="4553228" cy="4924475"/>
+            <a:off x="838200" y="1640543"/>
+            <a:ext cx="4123266" cy="4710440"/>
           </a:xfrm>
           <a:prstGeom prst="rect">
             <a:avLst/>
@@ -6102,39 +6064,12 @@
             </a:pPr>
             <a:r>
               <a:rPr lang="en-AU" dirty="0" smtClean="0"/>
-              <a:t>Previously considered non-selective</a:t>
-            </a:r>
-          </a:p>
-          <a:p>
-            <a:pPr lvl="1">
-              <a:lnSpc>
-                <a:spcPct val="100000"/>
-              </a:lnSpc>
-            </a:pPr>
-            <a:r>
-              <a:rPr lang="en-US" dirty="0" smtClean="0"/>
-              <a:t>No longer considered entirely true. </a:t>
-            </a:r>
-          </a:p>
-          <a:p>
-            <a:pPr lvl="1">
-              <a:lnSpc>
-                <a:spcPct val="100000"/>
-              </a:lnSpc>
-            </a:pPr>
-            <a:r>
-              <a:rPr lang="en-US" dirty="0" smtClean="0"/>
-              <a:t>miRNAs exported can change disproportionally to the cellular content</a:t>
-            </a:r>
-          </a:p>
-          <a:p>
-            <a:pPr marL="0" indent="0">
-              <a:lnSpc>
-                <a:spcPct val="100000"/>
-              </a:lnSpc>
-              <a:buNone/>
-            </a:pPr>
-            <a:endParaRPr lang="en-AU" dirty="0" smtClean="0"/>
+              <a:t>Previously considered </a:t>
+            </a:r>
+            <a:r>
+              <a:rPr lang="en-AU" dirty="0" smtClean="0"/>
+              <a:t>non-selective</a:t>
+            </a:r>
           </a:p>
           <a:p>
             <a:pPr>
@@ -6143,6 +6078,30 @@
               </a:lnSpc>
             </a:pPr>
             <a:r>
+              <a:rPr lang="en-US" dirty="0" smtClean="0"/>
+              <a:t>miRNAs </a:t>
+            </a:r>
+            <a:r>
+              <a:rPr lang="en-US" dirty="0" smtClean="0"/>
+              <a:t>exported can change disproportionally to the cellular content</a:t>
+            </a:r>
+          </a:p>
+          <a:p>
+            <a:pPr marL="0" indent="0">
+              <a:lnSpc>
+                <a:spcPct val="100000"/>
+              </a:lnSpc>
+              <a:buNone/>
+            </a:pPr>
+            <a:endParaRPr lang="en-AU" dirty="0" smtClean="0"/>
+          </a:p>
+          <a:p>
+            <a:pPr>
+              <a:lnSpc>
+                <a:spcPct val="100000"/>
+              </a:lnSpc>
+            </a:pPr>
+            <a:r>
               <a:rPr lang="en-AU" dirty="0" err="1" smtClean="0"/>
               <a:t>Sumoylated</a:t>
             </a:r>
@@ -6196,7 +6155,15 @@
             </a:pPr>
             <a:r>
               <a:rPr lang="en-US" dirty="0" smtClean="0"/>
-              <a:t>Regulation still unknown</a:t>
+              <a:t>Regulation </a:t>
+            </a:r>
+            <a:r>
+              <a:rPr lang="en-US" dirty="0" smtClean="0"/>
+              <a:t>of export still </a:t>
+            </a:r>
+            <a:r>
+              <a:rPr lang="en-US" dirty="0" smtClean="0"/>
+              <a:t>unknown</a:t>
             </a:r>
           </a:p>
           <a:p>
@@ -6377,21 +6344,29 @@
           <a:lstStyle/>
           <a:p>
             <a:r>
-              <a:rPr lang="en-US" sz="2400" dirty="0" smtClean="0"/>
+              <a:rPr lang="en-US" dirty="0" smtClean="0"/>
               <a:t>Sorting may be impacted by lipid raft composition. </a:t>
             </a:r>
           </a:p>
           <a:p>
             <a:r>
-              <a:rPr lang="en-US" sz="2400" dirty="0" smtClean="0"/>
-              <a:t>Both type of EVs contain cholesterol, sphingolipid and ceramide enriched </a:t>
-            </a:r>
-            <a:r>
-              <a:rPr lang="en-US" sz="2400" dirty="0" err="1" smtClean="0"/>
+              <a:rPr lang="en-US" dirty="0" smtClean="0"/>
+              <a:t>Both </a:t>
+            </a:r>
+            <a:r>
+              <a:rPr lang="en-US" dirty="0" smtClean="0"/>
+              <a:t>types </a:t>
+            </a:r>
+            <a:r>
+              <a:rPr lang="en-US" dirty="0" smtClean="0"/>
+              <a:t>of EVs contain cholesterol, sphingolipid and ceramide enriched </a:t>
+            </a:r>
+            <a:r>
+              <a:rPr lang="en-US" dirty="0" err="1" smtClean="0"/>
               <a:t>microdomains</a:t>
             </a:r>
             <a:r>
-              <a:rPr lang="en-US" sz="2400" dirty="0" smtClean="0"/>
+              <a:rPr lang="en-US" dirty="0" smtClean="0"/>
               <a:t>. </a:t>
             </a:r>
           </a:p>
@@ -6418,8 +6393,8 @@
         </p:blipFill>
         <p:spPr>
           <a:xfrm>
-            <a:off x="838200" y="3349625"/>
-            <a:ext cx="3756918" cy="2593975"/>
+            <a:off x="838199" y="3377089"/>
+            <a:ext cx="4055127" cy="2799874"/>
           </a:xfrm>
           <a:prstGeom prst="rect">
             <a:avLst/>
@@ -6434,8 +6409,8 @@
         </p:nvSpPr>
         <p:spPr>
           <a:xfrm>
-            <a:off x="4783666" y="3802839"/>
-            <a:ext cx="6570134" cy="1815882"/>
+            <a:off x="5129658" y="3792141"/>
+            <a:ext cx="6570134" cy="1969770"/>
           </a:xfrm>
           <a:prstGeom prst="rect">
             <a:avLst/>
@@ -6453,62 +6428,62 @@
               <a:buChar char="•"/>
             </a:pPr>
             <a:r>
-              <a:rPr lang="en-US" sz="2400" dirty="0" smtClean="0"/>
+              <a:rPr lang="en-US" sz="2800" dirty="0" smtClean="0"/>
               <a:t>Depletion of cholesterol, ceramide and sphingolipid modified EV protein content. </a:t>
             </a:r>
             <a:r>
-              <a:rPr lang="en-US" dirty="0" smtClean="0"/>
+              <a:rPr lang="en-US" sz="2000" dirty="0" smtClean="0"/>
               <a:t>(</a:t>
             </a:r>
             <a:r>
-              <a:rPr lang="en-US" dirty="0" err="1" smtClean="0"/>
+              <a:rPr lang="en-US" sz="2000" dirty="0" err="1" smtClean="0"/>
               <a:t>Leyt</a:t>
             </a:r>
             <a:r>
-              <a:rPr lang="en-US" dirty="0" smtClean="0"/>
+              <a:rPr lang="en-US" sz="2000" dirty="0" smtClean="0"/>
               <a:t> </a:t>
             </a:r>
             <a:r>
-              <a:rPr lang="en-US" i="1" dirty="0" smtClean="0"/>
+              <a:rPr lang="en-US" sz="2000" i="1" dirty="0" smtClean="0"/>
               <a:t>et al </a:t>
             </a:r>
             <a:r>
-              <a:rPr lang="en-US" dirty="0" smtClean="0"/>
+              <a:rPr lang="en-US" sz="2000" dirty="0" smtClean="0"/>
               <a:t>2007; </a:t>
             </a:r>
             <a:r>
-              <a:rPr lang="en-US" dirty="0" err="1" smtClean="0"/>
+              <a:rPr lang="en-US" sz="2000" dirty="0" err="1" smtClean="0"/>
               <a:t>Trajkovic</a:t>
             </a:r>
             <a:r>
-              <a:rPr lang="en-US" dirty="0" smtClean="0"/>
+              <a:rPr lang="en-US" sz="2000" dirty="0" smtClean="0"/>
               <a:t> </a:t>
             </a:r>
             <a:r>
-              <a:rPr lang="en-US" i="1" dirty="0" smtClean="0"/>
+              <a:rPr lang="en-US" sz="2000" i="1" dirty="0" smtClean="0"/>
               <a:t>et al</a:t>
             </a:r>
             <a:r>
-              <a:rPr lang="en-US" dirty="0" smtClean="0"/>
+              <a:rPr lang="en-US" sz="2000" dirty="0" smtClean="0"/>
               <a:t> 2008; </a:t>
             </a:r>
             <a:r>
-              <a:rPr lang="en-US" dirty="0" err="1" smtClean="0"/>
+              <a:rPr lang="en-US" sz="2000" dirty="0" err="1" smtClean="0"/>
               <a:t>Phuyal</a:t>
             </a:r>
             <a:r>
-              <a:rPr lang="en-US" dirty="0" smtClean="0"/>
+              <a:rPr lang="en-US" sz="2000" dirty="0" smtClean="0"/>
               <a:t> </a:t>
             </a:r>
             <a:r>
-              <a:rPr lang="en-US" i="1" dirty="0" smtClean="0"/>
+              <a:rPr lang="en-US" sz="2000" i="1" dirty="0" smtClean="0"/>
               <a:t>et al</a:t>
             </a:r>
             <a:r>
-              <a:rPr lang="en-US" dirty="0" smtClean="0"/>
+              <a:rPr lang="en-US" sz="2000" dirty="0" smtClean="0"/>
               <a:t> 2014)</a:t>
             </a:r>
-            <a:endParaRPr lang="en-US" sz="2400" dirty="0" smtClean="0"/>
+            <a:endParaRPr lang="en-US" sz="2800" dirty="0" smtClean="0"/>
           </a:p>
           <a:p>
             <a:pPr marL="342900" indent="-342900">
@@ -6605,98 +6580,77 @@
         </p:spPr>
         <p:txBody>
           <a:bodyPr>
-            <a:normAutofit fontScale="92500" lnSpcReduction="20000"/>
+            <a:normAutofit/>
           </a:bodyPr>
           <a:lstStyle/>
           <a:p>
             <a:r>
-              <a:rPr lang="en-AU" sz="2400" dirty="0" smtClean="0"/>
-              <a:t>Increased Caveolin-1 expression without Cavins.</a:t>
+              <a:rPr lang="en-AU" dirty="0" smtClean="0"/>
+              <a:t>Increased Caveolin-1 expression without </a:t>
+            </a:r>
+            <a:r>
+              <a:rPr lang="en-AU" dirty="0" smtClean="0"/>
+              <a:t>Cavins.</a:t>
+            </a:r>
+          </a:p>
+          <a:p>
+            <a:endParaRPr lang="en-AU" dirty="0"/>
+          </a:p>
+          <a:p>
+            <a:r>
+              <a:rPr lang="en-AU" dirty="0" smtClean="0"/>
+              <a:t>Caveolin-1 </a:t>
+            </a:r>
+            <a:r>
+              <a:rPr lang="en-AU" dirty="0"/>
+              <a:t>is a cholesterol transporter</a:t>
             </a:r>
           </a:p>
           <a:p>
             <a:pPr marL="0" indent="0">
               <a:buNone/>
             </a:pPr>
-            <a:endParaRPr lang="en-AU" sz="2400" dirty="0" smtClean="0"/>
-          </a:p>
-          <a:p>
-            <a:r>
-              <a:rPr lang="en-AU" sz="2400" dirty="0" smtClean="0"/>
+            <a:endParaRPr lang="en-AU" dirty="0" smtClean="0"/>
+          </a:p>
+          <a:p>
+            <a:r>
+              <a:rPr lang="en-AU" dirty="0" smtClean="0"/>
               <a:t>When </a:t>
             </a:r>
             <a:r>
-              <a:rPr lang="en-AU" sz="2400" dirty="0"/>
+              <a:rPr lang="en-AU" dirty="0"/>
               <a:t>accompanied by </a:t>
             </a:r>
             <a:r>
-              <a:rPr lang="en-AU" sz="2400" dirty="0" smtClean="0"/>
+              <a:rPr lang="en-AU" dirty="0" smtClean="0"/>
               <a:t>Cavin-1 </a:t>
             </a:r>
             <a:r>
-              <a:rPr lang="en-AU" sz="2400" dirty="0"/>
+              <a:rPr lang="en-AU" dirty="0"/>
               <a:t>it will form caveolae, utilised in Endocytosis. </a:t>
             </a:r>
+            <a:endParaRPr lang="en-AU" dirty="0" smtClean="0"/>
           </a:p>
           <a:p>
             <a:pPr marL="0" indent="0">
               <a:buNone/>
             </a:pPr>
-            <a:endParaRPr lang="en-AU" sz="2400" dirty="0" smtClean="0"/>
-          </a:p>
-          <a:p>
-            <a:r>
-              <a:rPr lang="en-AU" sz="2400" dirty="0" smtClean="0"/>
-              <a:t>Caveolin-1 is a cholesterol transporter</a:t>
-            </a:r>
-          </a:p>
-          <a:p>
-            <a:pPr marL="0" indent="0">
-              <a:buNone/>
-            </a:pPr>
-            <a:endParaRPr lang="en-AU" sz="2400" dirty="0" smtClean="0"/>
-          </a:p>
-          <a:p>
-            <a:r>
-              <a:rPr lang="en-AU" sz="2400" dirty="0" smtClean="0"/>
-              <a:t>Caveolin-1 is a proposed biomarker for cancer.</a:t>
-            </a:r>
-          </a:p>
-          <a:p>
-            <a:endParaRPr lang="en-AU" sz="2400" dirty="0"/>
-          </a:p>
-          <a:p>
-            <a:r>
-              <a:rPr lang="en-AU" sz="2400" dirty="0" smtClean="0"/>
-              <a:t>Enrichment of Caveolin-1 on </a:t>
-            </a:r>
-            <a:r>
-              <a:rPr lang="en-AU" sz="2400" dirty="0" err="1" smtClean="0"/>
-              <a:t>Evs</a:t>
-            </a:r>
-            <a:endParaRPr lang="en-AU" sz="2400" dirty="0" smtClean="0"/>
-          </a:p>
-          <a:p>
-            <a:r>
-              <a:rPr lang="en-US" sz="2400" dirty="0"/>
-              <a:t>Re-distribution of lipid raft cholesterol correlates to protein and miRNA EV content. (</a:t>
-            </a:r>
-            <a:r>
-              <a:rPr lang="en-US" sz="2400" dirty="0" err="1"/>
-              <a:t>Inder</a:t>
-            </a:r>
-            <a:r>
-              <a:rPr lang="en-US" sz="2400" dirty="0"/>
-              <a:t> </a:t>
-            </a:r>
-            <a:r>
-              <a:rPr lang="en-US" sz="2400" i="1" dirty="0"/>
-              <a:t>et al</a:t>
-            </a:r>
-            <a:r>
-              <a:rPr lang="en-US" sz="2400" dirty="0"/>
-              <a:t> 2012, 2014)</a:t>
-            </a:r>
+            <a:endParaRPr lang="en-AU" dirty="0" smtClean="0"/>
+          </a:p>
+          <a:p>
+            <a:r>
+              <a:rPr lang="en-AU" dirty="0" smtClean="0"/>
+              <a:t>Enrichment </a:t>
+            </a:r>
+            <a:r>
+              <a:rPr lang="en-AU" dirty="0" smtClean="0"/>
+              <a:t>of Caveolin-1 on </a:t>
+            </a:r>
+            <a:r>
+              <a:rPr lang="en-AU" dirty="0" smtClean="0"/>
+              <a:t>EVs</a:t>
+            </a:r>
+            <a:endParaRPr lang="en-AU" dirty="0" smtClean="0"/>
           </a:p>
           <a:p>
             <a:endParaRPr lang="en-AU" sz="2400" dirty="0" smtClean="0"/>
@@ -6719,8 +6673,8 @@
         </p:blipFill>
         <p:spPr>
           <a:xfrm>
-            <a:off x="7989474" y="1690688"/>
-            <a:ext cx="3533425" cy="4359421"/>
+            <a:off x="7633874" y="1670057"/>
+            <a:ext cx="3719926" cy="4589520"/>
           </a:xfrm>
           <a:prstGeom prst="rect">
             <a:avLst/>
@@ -6812,41 +6766,41 @@
         </p:nvSpPr>
         <p:spPr>
           <a:xfrm>
-            <a:off x="838200" y="1641104"/>
+            <a:off x="838200" y="1759638"/>
             <a:ext cx="10515600" cy="4582275"/>
           </a:xfrm>
         </p:spPr>
         <p:txBody>
           <a:bodyPr>
-            <a:normAutofit/>
+            <a:normAutofit fontScale="85000" lnSpcReduction="20000"/>
           </a:bodyPr>
           <a:lstStyle/>
           <a:p>
             <a:r>
-              <a:rPr lang="en-AU" sz="2200" dirty="0" smtClean="0"/>
+              <a:rPr lang="en-AU" sz="3300" dirty="0" smtClean="0"/>
               <a:t>Introduction </a:t>
             </a:r>
             <a:r>
-              <a:rPr lang="en-AU" sz="2200" dirty="0"/>
+              <a:rPr lang="en-AU" sz="3300" dirty="0"/>
               <a:t>of Cavin-1 results in modulated </a:t>
             </a:r>
             <a:r>
-              <a:rPr lang="en-AU" sz="2200" dirty="0" smtClean="0"/>
+              <a:rPr lang="en-AU" sz="3300" dirty="0" smtClean="0"/>
               <a:t>cholesterol </a:t>
             </a:r>
             <a:r>
-              <a:rPr lang="en-AU" sz="2200" dirty="0"/>
+              <a:rPr lang="en-AU" sz="3300" dirty="0"/>
               <a:t>re-distribution, EV protein content and </a:t>
             </a:r>
             <a:r>
-              <a:rPr lang="en-AU" sz="2200" dirty="0" err="1"/>
+              <a:rPr lang="en-AU" sz="3300" dirty="0" err="1"/>
               <a:t>miR</a:t>
             </a:r>
             <a:r>
-              <a:rPr lang="en-AU" sz="2200" dirty="0"/>
+              <a:rPr lang="en-AU" sz="3300" dirty="0"/>
               <a:t> content. </a:t>
             </a:r>
-            <a:endParaRPr lang="en-AU" sz="2200" dirty="0" smtClean="0"/>
+            <a:endParaRPr lang="en-AU" sz="3300" dirty="0" smtClean="0"/>
           </a:p>
           <a:p>
             <a:pPr marL="0" indent="0">
@@ -6890,10 +6844,7 @@
                 <a:spcPct val="150000"/>
               </a:lnSpc>
             </a:pPr>
-            <a:r>
-              <a:rPr lang="en-US" sz="2200" dirty="0" smtClean="0"/>
-              <a:t>RNA-binding proteins appear to be enriched within lipid rafts.</a:t>
-            </a:r>
+            <a:endParaRPr lang="en-US" sz="2200" dirty="0" smtClean="0"/>
           </a:p>
           <a:p>
             <a:pPr>
@@ -6901,43 +6852,30 @@
                 <a:spcPct val="150000"/>
               </a:lnSpc>
             </a:pPr>
-            <a:r>
-              <a:rPr lang="en-US" sz="2200" dirty="0" smtClean="0"/>
-              <a:t>Hereby,  modulation of miRNA export could be lipid raft dependent. </a:t>
-            </a:r>
-            <a:endParaRPr lang="en-AU" sz="2200" dirty="0"/>
-          </a:p>
-        </p:txBody>
-      </p:sp>
-      <p:pic>
-        <p:nvPicPr>
-          <p:cNvPr id="4" name="Picture 3"/>
-          <p:cNvPicPr>
-            <a:picLocks noChangeAspect="1"/>
-          </p:cNvPicPr>
-          <p:nvPr/>
-        </p:nvPicPr>
-        <p:blipFill rotWithShape="1">
-          <a:blip r:embed="rId2">
-            <a:extLst>
-              <a:ext uri="{28A0092B-C50C-407E-A947-70E740481C1C}">
-                <a14:useLocalDpi xmlns:a14="http://schemas.microsoft.com/office/drawing/2010/main" val="0"/>
-              </a:ext>
-            </a:extLst>
-          </a:blip>
-          <a:srcRect b="8692"/>
-          <a:stretch/>
-        </p:blipFill>
-        <p:spPr>
-          <a:xfrm>
-            <a:off x="1302389" y="2466271"/>
-            <a:ext cx="9429631" cy="2325862"/>
-          </a:xfrm>
-          <a:prstGeom prst="rect">
-            <a:avLst/>
-          </a:prstGeom>
-        </p:spPr>
-      </p:pic>
+            <a:endParaRPr lang="en-US" dirty="0" smtClean="0"/>
+          </a:p>
+          <a:p>
+            <a:pPr>
+              <a:lnSpc>
+                <a:spcPct val="150000"/>
+              </a:lnSpc>
+            </a:pPr>
+            <a:r>
+              <a:rPr lang="en-US" sz="2900" dirty="0" smtClean="0"/>
+              <a:t>Hereby</a:t>
+            </a:r>
+            <a:r>
+              <a:rPr lang="en-US" sz="2900" dirty="0" smtClean="0"/>
+              <a:t>,  modulation of miRNA export </a:t>
+            </a:r>
+            <a:r>
+              <a:rPr lang="en-US" sz="2900" dirty="0" smtClean="0"/>
+              <a:t>is dependent of lipid raft composition. </a:t>
+            </a:r>
+            <a:endParaRPr lang="en-AU" sz="2900" dirty="0"/>
+          </a:p>
+        </p:txBody>
+      </p:sp>
       <p:sp>
         <p:nvSpPr>
           <p:cNvPr id="5" name="TextBox 4"/>
@@ -6946,7 +6884,7 @@
         </p:nvSpPr>
         <p:spPr>
           <a:xfrm>
-            <a:off x="7751929" y="4792133"/>
+            <a:off x="8547796" y="5179733"/>
             <a:ext cx="3084394" cy="338554"/>
           </a:xfrm>
           <a:prstGeom prst="rect">
@@ -7000,6 +6938,30 @@
           </a:p>
         </p:txBody>
       </p:sp>
+      <p:pic>
+        <p:nvPicPr>
+          <p:cNvPr id="7" name="Picture 6"/>
+          <p:cNvPicPr>
+            <a:picLocks noChangeAspect="1"/>
+          </p:cNvPicPr>
+          <p:nvPr/>
+        </p:nvPicPr>
+        <p:blipFill>
+          <a:blip r:embed="rId2"/>
+          <a:stretch>
+            <a:fillRect/>
+          </a:stretch>
+        </p:blipFill>
+        <p:spPr>
+          <a:xfrm>
+            <a:off x="859872" y="2838702"/>
+            <a:ext cx="10633123" cy="2222497"/>
+          </a:xfrm>
+          <a:prstGeom prst="rect">
+            <a:avLst/>
+          </a:prstGeom>
+        </p:spPr>
+      </p:pic>
     </p:spTree>
     <p:extLst>
       <p:ext uri="{BB962C8B-B14F-4D97-AF65-F5344CB8AC3E}">
@@ -7094,8 +7056,29 @@
               <a:buNone/>
             </a:pPr>
             <a:r>
+              <a:rPr lang="en-AU" sz="2400" b="1" dirty="0" smtClean="0"/>
+              <a:t>Hypothesis</a:t>
+            </a:r>
+            <a:r>
               <a:rPr lang="en-AU" sz="2400" dirty="0" smtClean="0"/>
-              <a:t>It is hypothesised that the introduction of cavin-1 to a PC3 model will modify the EV miRNA content by activity of RNA binding proteins within lipid rafts. </a:t>
+              <a:t>: </a:t>
+            </a:r>
+          </a:p>
+          <a:p>
+            <a:pPr marL="0" indent="0">
+              <a:buNone/>
+            </a:pPr>
+            <a:r>
+              <a:rPr lang="en-AU" sz="2400" dirty="0" smtClean="0"/>
+              <a:t>EV </a:t>
+            </a:r>
+            <a:r>
+              <a:rPr lang="en-AU" sz="2400" dirty="0" smtClean="0"/>
+              <a:t>miRNA content </a:t>
+            </a:r>
+            <a:r>
+              <a:rPr lang="en-AU" sz="2400" dirty="0" smtClean="0"/>
+              <a:t>is mediated by RNA-binding proteins modulated by lipid raft composition. </a:t>
             </a:r>
           </a:p>
           <a:p>
@@ -7109,7 +7092,7 @@
               <a:buNone/>
             </a:pPr>
             <a:r>
-              <a:rPr lang="en-AU" sz="2400" dirty="0" smtClean="0"/>
+              <a:rPr lang="en-AU" sz="2400" b="1" dirty="0" smtClean="0"/>
               <a:t>Aims:</a:t>
             </a:r>
           </a:p>
@@ -7248,7 +7231,7 @@
         </p:nvSpPr>
         <p:spPr>
           <a:xfrm>
-            <a:off x="838200" y="1825625"/>
+            <a:off x="680740" y="1554692"/>
             <a:ext cx="10830515" cy="4351338"/>
           </a:xfrm>
         </p:spPr>
@@ -7262,923 +7245,148 @@
               <a:buNone/>
             </a:pPr>
             <a:r>
-              <a:rPr lang="en-AU" sz="2200" dirty="0" smtClean="0"/>
+              <a:rPr lang="en-AU" sz="2400" b="1" dirty="0" smtClean="0"/>
               <a:t>Method 1: Bioinformatics</a:t>
             </a:r>
           </a:p>
           <a:p>
             <a:r>
-              <a:rPr lang="en-AU" sz="2200" dirty="0" smtClean="0"/>
-              <a:t>Previous </a:t>
-            </a:r>
-            <a:r>
-              <a:rPr lang="en-AU" sz="2200" dirty="0" err="1" smtClean="0"/>
-              <a:t>miRNA-seq</a:t>
-            </a:r>
-            <a:r>
-              <a:rPr lang="en-AU" sz="2200" dirty="0" smtClean="0"/>
-              <a:t> data compiled for cell and EV fraction of PC3 GFP cells and PC3 cavin-1::GFP transfected cells. </a:t>
-            </a:r>
+              <a:rPr lang="en-AU" sz="2400" dirty="0" smtClean="0"/>
+              <a:t>miRNA-</a:t>
+            </a:r>
+            <a:r>
+              <a:rPr lang="en-AU" sz="2400" dirty="0" err="1" smtClean="0"/>
+              <a:t>seq</a:t>
+            </a:r>
+            <a:r>
+              <a:rPr lang="en-AU" sz="2400" dirty="0" smtClean="0"/>
+              <a:t> </a:t>
+            </a:r>
+            <a:r>
+              <a:rPr lang="en-AU" sz="2400" dirty="0" smtClean="0"/>
+              <a:t>data </a:t>
+            </a:r>
+            <a:r>
+              <a:rPr lang="en-AU" sz="2400" dirty="0" smtClean="0"/>
+              <a:t>compiled: GFP-PC3 and GFP:Cavin1-PC3 cells, EVs and cell pellet</a:t>
+            </a:r>
+            <a:endParaRPr lang="en-AU" sz="2400" dirty="0" smtClean="0"/>
+          </a:p>
+          <a:p>
+            <a:r>
+              <a:rPr lang="en-AU" sz="2400" dirty="0" smtClean="0"/>
+              <a:t>DEseq2 </a:t>
+            </a:r>
+            <a:r>
+              <a:rPr lang="en-AU" sz="2400" dirty="0" smtClean="0"/>
+              <a:t>and </a:t>
+            </a:r>
+            <a:r>
+              <a:rPr lang="en-AU" sz="2400" dirty="0" err="1" smtClean="0"/>
+              <a:t>egdeR</a:t>
+            </a:r>
+            <a:r>
+              <a:rPr lang="en-AU" sz="2400" dirty="0" smtClean="0"/>
+              <a:t> </a:t>
+            </a:r>
+            <a:r>
+              <a:rPr lang="en-AU" sz="2400" dirty="0" smtClean="0"/>
+              <a:t>find </a:t>
+            </a:r>
+            <a:r>
+              <a:rPr lang="en-AU" sz="2400" dirty="0" smtClean="0"/>
+              <a:t>differences in miRNA levels between cell lines</a:t>
+            </a:r>
+            <a:endParaRPr lang="en-AU" sz="2400" dirty="0"/>
+          </a:p>
+          <a:p>
+            <a:r>
+              <a:rPr lang="en-AU" sz="2400" dirty="0" smtClean="0"/>
+              <a:t>Compare </a:t>
+            </a:r>
+            <a:r>
+              <a:rPr lang="en-AU" sz="2400" dirty="0" smtClean="0"/>
+              <a:t>between </a:t>
+            </a:r>
+            <a:r>
+              <a:rPr lang="en-AU" sz="2400" dirty="0" smtClean="0"/>
+              <a:t>cell and </a:t>
+            </a:r>
+            <a:r>
+              <a:rPr lang="en-AU" sz="2400" dirty="0" smtClean="0"/>
+              <a:t>EV </a:t>
+            </a:r>
+            <a:r>
+              <a:rPr lang="en-AU" sz="2400" dirty="0" smtClean="0"/>
+              <a:t>to find </a:t>
+            </a:r>
+            <a:r>
+              <a:rPr lang="en-AU" sz="2400" dirty="0" smtClean="0"/>
+              <a:t>selectively</a:t>
+            </a:r>
+            <a:r>
+              <a:rPr lang="en-AU" sz="2400" dirty="0" smtClean="0"/>
+              <a:t> </a:t>
+            </a:r>
+            <a:r>
+              <a:rPr lang="en-AU" sz="2400" dirty="0" smtClean="0"/>
+              <a:t>exported </a:t>
+            </a:r>
+            <a:r>
+              <a:rPr lang="en-AU" sz="2400" dirty="0" smtClean="0"/>
+              <a:t>miRNAs</a:t>
+            </a:r>
+            <a:r>
+              <a:rPr lang="en-AU" sz="2400" dirty="0" smtClean="0"/>
+              <a:t>. </a:t>
+            </a:r>
+            <a:endParaRPr lang="en-AU" sz="2400" dirty="0" smtClean="0"/>
+          </a:p>
+          <a:p>
+            <a:endParaRPr lang="en-US" sz="2400" dirty="0" smtClean="0"/>
           </a:p>
           <a:p>
             <a:pPr marL="0" indent="0">
               <a:buNone/>
             </a:pPr>
-            <a:endParaRPr lang="en-AU" sz="2200" dirty="0" smtClean="0"/>
-          </a:p>
-          <a:p>
-            <a:r>
-              <a:rPr lang="en-AU" sz="2200" dirty="0" smtClean="0"/>
-              <a:t>Using R packages, DEseq2 and </a:t>
-            </a:r>
-            <a:r>
-              <a:rPr lang="en-AU" sz="2200" dirty="0" err="1" smtClean="0"/>
-              <a:t>egdeR</a:t>
-            </a:r>
-            <a:r>
-              <a:rPr lang="en-AU" sz="2200" dirty="0" smtClean="0"/>
-              <a:t> to find fold change differences between Cavin-1 and GFP</a:t>
-            </a:r>
-          </a:p>
-          <a:p>
-            <a:endParaRPr lang="en-AU" sz="2200" dirty="0" smtClean="0"/>
-          </a:p>
-          <a:p>
-            <a:pPr>
-              <a:lnSpc>
-                <a:spcPct val="100000"/>
-              </a:lnSpc>
-            </a:pPr>
-            <a:endParaRPr lang="en-US" sz="2200" dirty="0" smtClean="0"/>
-          </a:p>
-          <a:p>
-            <a:pPr marL="0" indent="0">
-              <a:lnSpc>
-                <a:spcPct val="100000"/>
-              </a:lnSpc>
-              <a:buNone/>
-            </a:pPr>
-            <a:endParaRPr lang="en-AU" sz="2200" dirty="0"/>
-          </a:p>
-          <a:p>
-            <a:r>
-              <a:rPr lang="en-AU" sz="2200" dirty="0" smtClean="0"/>
-              <a:t>Compare FC of cavin-1/GFP between cell and EV to find differentially exported </a:t>
-            </a:r>
-            <a:r>
-              <a:rPr lang="en-AU" sz="2200" dirty="0" err="1" smtClean="0"/>
-              <a:t>miRs</a:t>
-            </a:r>
-            <a:r>
-              <a:rPr lang="en-AU" sz="2200" dirty="0" smtClean="0"/>
-              <a:t>. </a:t>
-            </a:r>
-            <a:endParaRPr lang="en-AU" sz="2200" dirty="0"/>
-          </a:p>
-        </p:txBody>
-      </p:sp>
-      <p:graphicFrame>
-        <p:nvGraphicFramePr>
-          <p:cNvPr id="4" name="Table 3"/>
-          <p:cNvGraphicFramePr>
-            <a:graphicFrameLocks noGrp="1"/>
-          </p:cNvGraphicFramePr>
-          <p:nvPr>
-            <p:extLst>
-              <p:ext uri="{D42A27DB-BD31-4B8C-83A1-F6EECF244321}">
-                <p14:modId xmlns:p14="http://schemas.microsoft.com/office/powerpoint/2010/main" val="4107824822"/>
-              </p:ext>
-            </p:extLst>
-          </p:nvPr>
-        </p:nvGraphicFramePr>
-        <p:xfrm>
-          <a:off x="1631093" y="4191675"/>
-          <a:ext cx="8254530" cy="1022877"/>
-        </p:xfrm>
-        <a:graphic>
-          <a:graphicData uri="http://schemas.openxmlformats.org/drawingml/2006/table">
-            <a:tbl>
-              <a:tblPr>
-                <a:tableStyleId>{2D5ABB26-0587-4C30-8999-92F81FD0307C}</a:tableStyleId>
-              </a:tblPr>
-              <a:tblGrid>
-                <a:gridCol w="517861"/>
-                <a:gridCol w="1464297"/>
-                <a:gridCol w="1071321"/>
-                <a:gridCol w="1576021"/>
-                <a:gridCol w="1196439"/>
-                <a:gridCol w="785721"/>
-                <a:gridCol w="785721"/>
-                <a:gridCol w="857149"/>
-              </a:tblGrid>
-              <a:tr h="340959">
-                <a:tc>
-                  <a:txBody>
-                    <a:bodyPr/>
-                    <a:lstStyle/>
-                    <a:p>
-                      <a:pPr algn="l" fontAlgn="b"/>
-                      <a:endParaRPr lang="en-AU" sz="1400" b="0" i="0" u="none" strike="noStrike" dirty="0">
-                        <a:solidFill>
-                          <a:schemeClr val="bg1"/>
-                        </a:solidFill>
-                        <a:effectLst/>
-                        <a:latin typeface="Times New Roman" panose="02020603050405020304" pitchFamily="18" charset="0"/>
-                        <a:cs typeface="Times New Roman" panose="02020603050405020304" pitchFamily="18" charset="0"/>
-                      </a:endParaRPr>
-                    </a:p>
-                  </a:txBody>
-                  <a:tcPr marL="9525" marR="9525" marT="9525" marB="0" anchor="b">
-                    <a:solidFill>
-                      <a:schemeClr val="tx1"/>
-                    </a:solidFill>
-                  </a:tcPr>
-                </a:tc>
-                <a:tc>
-                  <a:txBody>
-                    <a:bodyPr/>
-                    <a:lstStyle/>
-                    <a:p>
-                      <a:pPr algn="l" fontAlgn="b"/>
-                      <a:r>
-                        <a:rPr lang="en-AU" sz="1400" u="none" strike="noStrike" dirty="0">
-                          <a:solidFill>
-                            <a:schemeClr val="bg1"/>
-                          </a:solidFill>
-                          <a:effectLst/>
-                        </a:rPr>
-                        <a:t>microRNA</a:t>
-                      </a:r>
-                      <a:endParaRPr lang="en-AU" sz="1400" b="0" i="0" u="none" strike="noStrike" dirty="0">
-                        <a:solidFill>
-                          <a:schemeClr val="bg1"/>
-                        </a:solidFill>
-                        <a:effectLst/>
-                        <a:latin typeface="Times New Roman" panose="02020603050405020304" pitchFamily="18" charset="0"/>
-                        <a:cs typeface="Times New Roman" panose="02020603050405020304" pitchFamily="18" charset="0"/>
-                      </a:endParaRPr>
-                    </a:p>
-                  </a:txBody>
-                  <a:tcPr marL="9525" marR="9525" marT="9525" marB="0" anchor="b">
-                    <a:solidFill>
-                      <a:schemeClr val="tx1"/>
-                    </a:solidFill>
-                  </a:tcPr>
-                </a:tc>
-                <a:tc>
-                  <a:txBody>
-                    <a:bodyPr/>
-                    <a:lstStyle/>
-                    <a:p>
-                      <a:pPr algn="l" fontAlgn="b"/>
-                      <a:r>
-                        <a:rPr lang="en-AU" sz="1400" u="none" strike="noStrike" dirty="0" err="1">
-                          <a:solidFill>
-                            <a:schemeClr val="bg1"/>
-                          </a:solidFill>
-                          <a:effectLst/>
-                        </a:rPr>
-                        <a:t>baseMean</a:t>
-                      </a:r>
-                      <a:endParaRPr lang="en-AU" sz="1400" b="0" i="0" u="none" strike="noStrike" dirty="0">
-                        <a:solidFill>
-                          <a:schemeClr val="bg1"/>
-                        </a:solidFill>
-                        <a:effectLst/>
-                        <a:latin typeface="Times New Roman" panose="02020603050405020304" pitchFamily="18" charset="0"/>
-                        <a:cs typeface="Times New Roman" panose="02020603050405020304" pitchFamily="18" charset="0"/>
-                      </a:endParaRPr>
-                    </a:p>
-                  </a:txBody>
-                  <a:tcPr marL="9525" marR="9525" marT="9525" marB="0" anchor="b">
-                    <a:solidFill>
-                      <a:schemeClr val="tx1"/>
-                    </a:solidFill>
-                  </a:tcPr>
-                </a:tc>
-                <a:tc>
-                  <a:txBody>
-                    <a:bodyPr/>
-                    <a:lstStyle/>
-                    <a:p>
-                      <a:pPr algn="l" fontAlgn="b"/>
-                      <a:r>
-                        <a:rPr lang="en-AU" sz="1400" u="none" strike="noStrike" dirty="0">
-                          <a:solidFill>
-                            <a:schemeClr val="bg1"/>
-                          </a:solidFill>
-                          <a:effectLst/>
-                        </a:rPr>
-                        <a:t>log2FoldChange</a:t>
-                      </a:r>
-                      <a:endParaRPr lang="en-AU" sz="1400" b="0" i="0" u="none" strike="noStrike" dirty="0">
-                        <a:solidFill>
-                          <a:schemeClr val="bg1"/>
-                        </a:solidFill>
-                        <a:effectLst/>
-                        <a:latin typeface="Times New Roman" panose="02020603050405020304" pitchFamily="18" charset="0"/>
-                        <a:cs typeface="Times New Roman" panose="02020603050405020304" pitchFamily="18" charset="0"/>
-                      </a:endParaRPr>
-                    </a:p>
-                  </a:txBody>
-                  <a:tcPr marL="9525" marR="9525" marT="9525" marB="0" anchor="b">
-                    <a:solidFill>
-                      <a:schemeClr val="bg1">
-                        <a:lumMod val="50000"/>
-                        <a:lumOff val="50000"/>
-                      </a:schemeClr>
-                    </a:solidFill>
-                  </a:tcPr>
-                </a:tc>
-                <a:tc>
-                  <a:txBody>
-                    <a:bodyPr/>
-                    <a:lstStyle/>
-                    <a:p>
-                      <a:pPr algn="l" fontAlgn="b"/>
-                      <a:r>
-                        <a:rPr lang="en-AU" sz="1400" u="none" strike="noStrike">
-                          <a:solidFill>
-                            <a:schemeClr val="bg1"/>
-                          </a:solidFill>
-                          <a:effectLst/>
-                        </a:rPr>
-                        <a:t>lfcSE</a:t>
-                      </a:r>
-                      <a:endParaRPr lang="en-AU" sz="1400" b="0" i="0" u="none" strike="noStrike">
-                        <a:solidFill>
-                          <a:schemeClr val="bg1"/>
-                        </a:solidFill>
-                        <a:effectLst/>
-                        <a:latin typeface="Times New Roman" panose="02020603050405020304" pitchFamily="18" charset="0"/>
-                        <a:cs typeface="Times New Roman" panose="02020603050405020304" pitchFamily="18" charset="0"/>
-                      </a:endParaRPr>
-                    </a:p>
-                  </a:txBody>
-                  <a:tcPr marL="9525" marR="9525" marT="9525" marB="0" anchor="b">
-                    <a:solidFill>
-                      <a:schemeClr val="tx1"/>
-                    </a:solidFill>
-                  </a:tcPr>
-                </a:tc>
-                <a:tc>
-                  <a:txBody>
-                    <a:bodyPr/>
-                    <a:lstStyle/>
-                    <a:p>
-                      <a:pPr algn="l" fontAlgn="b"/>
-                      <a:r>
-                        <a:rPr lang="en-AU" sz="1400" u="none" strike="noStrike">
-                          <a:solidFill>
-                            <a:schemeClr val="bg1"/>
-                          </a:solidFill>
-                          <a:effectLst/>
-                        </a:rPr>
-                        <a:t>stat</a:t>
-                      </a:r>
-                      <a:endParaRPr lang="en-AU" sz="1400" b="0" i="0" u="none" strike="noStrike">
-                        <a:solidFill>
-                          <a:schemeClr val="bg1"/>
-                        </a:solidFill>
-                        <a:effectLst/>
-                        <a:latin typeface="Times New Roman" panose="02020603050405020304" pitchFamily="18" charset="0"/>
-                        <a:cs typeface="Times New Roman" panose="02020603050405020304" pitchFamily="18" charset="0"/>
-                      </a:endParaRPr>
-                    </a:p>
-                  </a:txBody>
-                  <a:tcPr marL="9525" marR="9525" marT="9525" marB="0" anchor="b">
-                    <a:solidFill>
-                      <a:schemeClr val="tx1"/>
-                    </a:solidFill>
-                  </a:tcPr>
-                </a:tc>
-                <a:tc>
-                  <a:txBody>
-                    <a:bodyPr/>
-                    <a:lstStyle/>
-                    <a:p>
-                      <a:pPr algn="l" fontAlgn="b"/>
-                      <a:r>
-                        <a:rPr lang="en-AU" sz="1400" u="none" strike="noStrike">
-                          <a:solidFill>
-                            <a:schemeClr val="bg1"/>
-                          </a:solidFill>
-                          <a:effectLst/>
-                        </a:rPr>
-                        <a:t>pvalue</a:t>
-                      </a:r>
-                      <a:endParaRPr lang="en-AU" sz="1400" b="0" i="0" u="none" strike="noStrike">
-                        <a:solidFill>
-                          <a:schemeClr val="bg1"/>
-                        </a:solidFill>
-                        <a:effectLst/>
-                        <a:latin typeface="Times New Roman" panose="02020603050405020304" pitchFamily="18" charset="0"/>
-                        <a:cs typeface="Times New Roman" panose="02020603050405020304" pitchFamily="18" charset="0"/>
-                      </a:endParaRPr>
-                    </a:p>
-                  </a:txBody>
-                  <a:tcPr marL="9525" marR="9525" marT="9525" marB="0" anchor="b">
-                    <a:solidFill>
-                      <a:schemeClr val="tx1"/>
-                    </a:solidFill>
-                  </a:tcPr>
-                </a:tc>
-                <a:tc>
-                  <a:txBody>
-                    <a:bodyPr/>
-                    <a:lstStyle/>
-                    <a:p>
-                      <a:pPr algn="l" fontAlgn="b"/>
-                      <a:r>
-                        <a:rPr lang="en-AU" sz="1400" u="none" strike="noStrike" dirty="0" err="1">
-                          <a:solidFill>
-                            <a:schemeClr val="bg1"/>
-                          </a:solidFill>
-                          <a:effectLst/>
-                        </a:rPr>
-                        <a:t>padj</a:t>
-                      </a:r>
-                      <a:endParaRPr lang="en-AU" sz="1400" b="0" i="0" u="none" strike="noStrike" dirty="0">
-                        <a:solidFill>
-                          <a:schemeClr val="bg1"/>
-                        </a:solidFill>
-                        <a:effectLst/>
-                        <a:latin typeface="Times New Roman" panose="02020603050405020304" pitchFamily="18" charset="0"/>
-                        <a:cs typeface="Times New Roman" panose="02020603050405020304" pitchFamily="18" charset="0"/>
-                      </a:endParaRPr>
-                    </a:p>
-                  </a:txBody>
-                  <a:tcPr marL="9525" marR="9525" marT="9525" marB="0" anchor="b">
-                    <a:solidFill>
-                      <a:schemeClr val="tx1"/>
-                    </a:solidFill>
-                  </a:tcPr>
-                </a:tc>
-              </a:tr>
-              <a:tr h="340959">
-                <a:tc>
-                  <a:txBody>
-                    <a:bodyPr/>
-                    <a:lstStyle/>
-                    <a:p>
-                      <a:pPr algn="l" fontAlgn="b"/>
-                      <a:r>
-                        <a:rPr lang="en-AU" sz="1400" u="none" strike="noStrike">
-                          <a:solidFill>
-                            <a:schemeClr val="bg1"/>
-                          </a:solidFill>
-                          <a:effectLst/>
-                        </a:rPr>
-                        <a:t>Cell</a:t>
-                      </a:r>
-                      <a:endParaRPr lang="en-AU" sz="1400" b="0" i="0" u="none" strike="noStrike">
-                        <a:solidFill>
-                          <a:schemeClr val="bg1"/>
-                        </a:solidFill>
-                        <a:effectLst/>
-                        <a:latin typeface="Times New Roman" panose="02020603050405020304" pitchFamily="18" charset="0"/>
-                        <a:cs typeface="Times New Roman" panose="02020603050405020304" pitchFamily="18" charset="0"/>
-                      </a:endParaRPr>
-                    </a:p>
-                  </a:txBody>
-                  <a:tcPr marL="9525" marR="9525" marT="9525" marB="0" anchor="b">
-                    <a:solidFill>
-                      <a:schemeClr val="tx1"/>
-                    </a:solidFill>
-                  </a:tcPr>
-                </a:tc>
-                <a:tc>
-                  <a:txBody>
-                    <a:bodyPr/>
-                    <a:lstStyle/>
-                    <a:p>
-                      <a:pPr algn="l" fontAlgn="b"/>
-                      <a:r>
-                        <a:rPr lang="en-AU" sz="1400" u="none" strike="noStrike" dirty="0" err="1">
-                          <a:solidFill>
-                            <a:schemeClr val="bg1"/>
-                          </a:solidFill>
-                          <a:effectLst/>
-                        </a:rPr>
-                        <a:t>hsa</a:t>
-                      </a:r>
-                      <a:r>
-                        <a:rPr lang="en-AU" sz="1400" u="none" strike="noStrike" dirty="0">
-                          <a:solidFill>
-                            <a:schemeClr val="bg1"/>
-                          </a:solidFill>
-                          <a:effectLst/>
-                        </a:rPr>
-                        <a:t>-</a:t>
-                      </a:r>
-                      <a:r>
-                        <a:rPr lang="en-AU" sz="1400" u="none" strike="noStrike" dirty="0" err="1">
-                          <a:solidFill>
-                            <a:schemeClr val="bg1"/>
-                          </a:solidFill>
-                          <a:effectLst/>
-                        </a:rPr>
-                        <a:t>miR</a:t>
-                      </a:r>
-                      <a:r>
-                        <a:rPr lang="en-AU" sz="1400" u="none" strike="noStrike" dirty="0">
-                          <a:solidFill>
-                            <a:schemeClr val="bg1"/>
-                          </a:solidFill>
-                          <a:effectLst/>
-                        </a:rPr>
-                        <a:t>-X</a:t>
-                      </a:r>
-                      <a:endParaRPr lang="en-AU" sz="1400" b="0" i="0" u="none" strike="noStrike" dirty="0">
-                        <a:solidFill>
-                          <a:schemeClr val="bg1"/>
-                        </a:solidFill>
-                        <a:effectLst/>
-                        <a:latin typeface="Times New Roman" panose="02020603050405020304" pitchFamily="18" charset="0"/>
-                        <a:cs typeface="Times New Roman" panose="02020603050405020304" pitchFamily="18" charset="0"/>
-                      </a:endParaRPr>
-                    </a:p>
-                  </a:txBody>
-                  <a:tcPr marL="9525" marR="9525" marT="9525" marB="0" anchor="b">
-                    <a:solidFill>
-                      <a:schemeClr val="tx1"/>
-                    </a:solidFill>
-                  </a:tcPr>
-                </a:tc>
-                <a:tc>
-                  <a:txBody>
-                    <a:bodyPr/>
-                    <a:lstStyle/>
-                    <a:p>
-                      <a:pPr algn="r" fontAlgn="b"/>
-                      <a:r>
-                        <a:rPr lang="en-AU" sz="1400" u="none" strike="noStrike" dirty="0">
-                          <a:solidFill>
-                            <a:schemeClr val="bg1"/>
-                          </a:solidFill>
-                          <a:effectLst/>
-                        </a:rPr>
-                        <a:t>58.297218</a:t>
-                      </a:r>
-                      <a:endParaRPr lang="en-AU" sz="1400" b="0" i="0" u="none" strike="noStrike" dirty="0">
-                        <a:solidFill>
-                          <a:schemeClr val="bg1"/>
-                        </a:solidFill>
-                        <a:effectLst/>
-                        <a:latin typeface="Times New Roman" panose="02020603050405020304" pitchFamily="18" charset="0"/>
-                        <a:cs typeface="Times New Roman" panose="02020603050405020304" pitchFamily="18" charset="0"/>
-                      </a:endParaRPr>
-                    </a:p>
-                  </a:txBody>
-                  <a:tcPr marL="9525" marR="9525" marT="9525" marB="0" anchor="b">
-                    <a:solidFill>
-                      <a:schemeClr val="tx1"/>
-                    </a:solidFill>
-                  </a:tcPr>
-                </a:tc>
-                <a:tc>
-                  <a:txBody>
-                    <a:bodyPr/>
-                    <a:lstStyle/>
-                    <a:p>
-                      <a:pPr algn="r" fontAlgn="b"/>
-                      <a:r>
-                        <a:rPr lang="en-AU" sz="1400" u="none" strike="noStrike" dirty="0">
-                          <a:solidFill>
-                            <a:schemeClr val="bg1"/>
-                          </a:solidFill>
-                          <a:effectLst/>
-                        </a:rPr>
-                        <a:t>2.229358867</a:t>
-                      </a:r>
-                      <a:endParaRPr lang="en-AU" sz="1400" b="0" i="0" u="none" strike="noStrike" dirty="0">
-                        <a:solidFill>
-                          <a:schemeClr val="bg1"/>
-                        </a:solidFill>
-                        <a:effectLst/>
-                        <a:latin typeface="Times New Roman" panose="02020603050405020304" pitchFamily="18" charset="0"/>
-                        <a:cs typeface="Times New Roman" panose="02020603050405020304" pitchFamily="18" charset="0"/>
-                      </a:endParaRPr>
-                    </a:p>
-                  </a:txBody>
-                  <a:tcPr marL="9525" marR="9525" marT="9525" marB="0" anchor="b">
-                    <a:solidFill>
-                      <a:schemeClr val="bg1">
-                        <a:lumMod val="50000"/>
-                        <a:lumOff val="50000"/>
-                      </a:schemeClr>
-                    </a:solidFill>
-                  </a:tcPr>
-                </a:tc>
-                <a:tc>
-                  <a:txBody>
-                    <a:bodyPr/>
-                    <a:lstStyle/>
-                    <a:p>
-                      <a:pPr algn="r" fontAlgn="b"/>
-                      <a:r>
-                        <a:rPr lang="en-AU" sz="1400" u="none" strike="noStrike" dirty="0">
-                          <a:solidFill>
-                            <a:schemeClr val="bg1"/>
-                          </a:solidFill>
-                          <a:effectLst/>
-                        </a:rPr>
-                        <a:t>0.471440906</a:t>
-                      </a:r>
-                      <a:endParaRPr lang="en-AU" sz="1400" b="0" i="0" u="none" strike="noStrike" dirty="0">
-                        <a:solidFill>
-                          <a:schemeClr val="bg1"/>
-                        </a:solidFill>
-                        <a:effectLst/>
-                        <a:latin typeface="Times New Roman" panose="02020603050405020304" pitchFamily="18" charset="0"/>
-                        <a:cs typeface="Times New Roman" panose="02020603050405020304" pitchFamily="18" charset="0"/>
-                      </a:endParaRPr>
-                    </a:p>
-                  </a:txBody>
-                  <a:tcPr marL="9525" marR="9525" marT="9525" marB="0" anchor="b">
-                    <a:solidFill>
-                      <a:schemeClr val="tx1"/>
-                    </a:solidFill>
-                  </a:tcPr>
-                </a:tc>
-                <a:tc>
-                  <a:txBody>
-                    <a:bodyPr/>
-                    <a:lstStyle/>
-                    <a:p>
-                      <a:pPr algn="r" fontAlgn="b"/>
-                      <a:r>
-                        <a:rPr lang="en-AU" sz="1400" u="none" strike="noStrike" dirty="0">
-                          <a:solidFill>
-                            <a:schemeClr val="bg1"/>
-                          </a:solidFill>
-                          <a:effectLst/>
-                        </a:rPr>
-                        <a:t>4.72882</a:t>
-                      </a:r>
-                      <a:endParaRPr lang="en-AU" sz="1400" b="0" i="0" u="none" strike="noStrike" dirty="0">
-                        <a:solidFill>
-                          <a:schemeClr val="bg1"/>
-                        </a:solidFill>
-                        <a:effectLst/>
-                        <a:latin typeface="Times New Roman" panose="02020603050405020304" pitchFamily="18" charset="0"/>
-                        <a:cs typeface="Times New Roman" panose="02020603050405020304" pitchFamily="18" charset="0"/>
-                      </a:endParaRPr>
-                    </a:p>
-                  </a:txBody>
-                  <a:tcPr marL="9525" marR="9525" marT="9525" marB="0" anchor="b">
-                    <a:solidFill>
-                      <a:schemeClr val="tx1"/>
-                    </a:solidFill>
-                  </a:tcPr>
-                </a:tc>
-                <a:tc>
-                  <a:txBody>
-                    <a:bodyPr/>
-                    <a:lstStyle/>
-                    <a:p>
-                      <a:pPr algn="r" fontAlgn="b"/>
-                      <a:r>
-                        <a:rPr lang="en-AU" sz="1400" u="none" strike="noStrike" dirty="0">
-                          <a:solidFill>
-                            <a:schemeClr val="bg1"/>
-                          </a:solidFill>
-                          <a:effectLst/>
-                        </a:rPr>
-                        <a:t>2.26E-06</a:t>
-                      </a:r>
-                      <a:endParaRPr lang="en-AU" sz="1400" b="0" i="0" u="none" strike="noStrike" dirty="0">
-                        <a:solidFill>
-                          <a:schemeClr val="bg1"/>
-                        </a:solidFill>
-                        <a:effectLst/>
-                        <a:latin typeface="Times New Roman" panose="02020603050405020304" pitchFamily="18" charset="0"/>
-                        <a:cs typeface="Times New Roman" panose="02020603050405020304" pitchFamily="18" charset="0"/>
-                      </a:endParaRPr>
-                    </a:p>
-                  </a:txBody>
-                  <a:tcPr marL="9525" marR="9525" marT="9525" marB="0" anchor="b">
-                    <a:solidFill>
-                      <a:schemeClr val="tx1"/>
-                    </a:solidFill>
-                  </a:tcPr>
-                </a:tc>
-                <a:tc>
-                  <a:txBody>
-                    <a:bodyPr/>
-                    <a:lstStyle/>
-                    <a:p>
-                      <a:pPr algn="r" fontAlgn="b"/>
-                      <a:r>
-                        <a:rPr lang="en-AU" sz="1400" u="none" strike="noStrike" dirty="0">
-                          <a:solidFill>
-                            <a:schemeClr val="bg1"/>
-                          </a:solidFill>
-                          <a:effectLst/>
-                        </a:rPr>
-                        <a:t>0.000276</a:t>
-                      </a:r>
-                      <a:endParaRPr lang="en-AU" sz="1400" b="0" i="0" u="none" strike="noStrike" dirty="0">
-                        <a:solidFill>
-                          <a:schemeClr val="bg1"/>
-                        </a:solidFill>
-                        <a:effectLst/>
-                        <a:latin typeface="Times New Roman" panose="02020603050405020304" pitchFamily="18" charset="0"/>
-                        <a:cs typeface="Times New Roman" panose="02020603050405020304" pitchFamily="18" charset="0"/>
-                      </a:endParaRPr>
-                    </a:p>
-                  </a:txBody>
-                  <a:tcPr marL="9525" marR="9525" marT="9525" marB="0" anchor="b">
-                    <a:solidFill>
-                      <a:schemeClr val="tx1"/>
-                    </a:solidFill>
-                  </a:tcPr>
-                </a:tc>
-              </a:tr>
-              <a:tr h="340959">
-                <a:tc>
-                  <a:txBody>
-                    <a:bodyPr/>
-                    <a:lstStyle/>
-                    <a:p>
-                      <a:pPr algn="l" fontAlgn="b"/>
-                      <a:r>
-                        <a:rPr lang="en-AU" sz="1400" u="none" strike="noStrike" dirty="0">
-                          <a:solidFill>
-                            <a:schemeClr val="bg1"/>
-                          </a:solidFill>
-                          <a:effectLst/>
-                        </a:rPr>
-                        <a:t>EV</a:t>
-                      </a:r>
-                      <a:endParaRPr lang="en-AU" sz="1400" b="0" i="0" u="none" strike="noStrike" dirty="0">
-                        <a:solidFill>
-                          <a:schemeClr val="bg1"/>
-                        </a:solidFill>
-                        <a:effectLst/>
-                        <a:latin typeface="Times New Roman" panose="02020603050405020304" pitchFamily="18" charset="0"/>
-                        <a:cs typeface="Times New Roman" panose="02020603050405020304" pitchFamily="18" charset="0"/>
-                      </a:endParaRPr>
-                    </a:p>
-                  </a:txBody>
-                  <a:tcPr marL="9525" marR="9525" marT="9525" marB="0" anchor="b">
-                    <a:solidFill>
-                      <a:schemeClr val="tx1"/>
-                    </a:solidFill>
-                  </a:tcPr>
-                </a:tc>
-                <a:tc>
-                  <a:txBody>
-                    <a:bodyPr/>
-                    <a:lstStyle/>
-                    <a:p>
-                      <a:pPr algn="l" fontAlgn="b"/>
-                      <a:r>
-                        <a:rPr lang="en-AU" sz="1400" u="none" strike="noStrike" dirty="0" err="1">
-                          <a:solidFill>
-                            <a:schemeClr val="bg1"/>
-                          </a:solidFill>
-                          <a:effectLst/>
-                        </a:rPr>
-                        <a:t>hsa</a:t>
-                      </a:r>
-                      <a:r>
-                        <a:rPr lang="en-AU" sz="1400" u="none" strike="noStrike" dirty="0">
-                          <a:solidFill>
-                            <a:schemeClr val="bg1"/>
-                          </a:solidFill>
-                          <a:effectLst/>
-                        </a:rPr>
-                        <a:t>-</a:t>
-                      </a:r>
-                      <a:r>
-                        <a:rPr lang="en-AU" sz="1400" u="none" strike="noStrike" dirty="0" err="1">
-                          <a:solidFill>
-                            <a:schemeClr val="bg1"/>
-                          </a:solidFill>
-                          <a:effectLst/>
-                        </a:rPr>
-                        <a:t>miR</a:t>
-                      </a:r>
-                      <a:r>
-                        <a:rPr lang="en-AU" sz="1400" u="none" strike="noStrike" dirty="0">
-                          <a:solidFill>
-                            <a:schemeClr val="bg1"/>
-                          </a:solidFill>
-                          <a:effectLst/>
-                        </a:rPr>
-                        <a:t>-X</a:t>
-                      </a:r>
-                      <a:endParaRPr lang="en-AU" sz="1400" b="0" i="0" u="none" strike="noStrike" dirty="0">
-                        <a:solidFill>
-                          <a:schemeClr val="bg1"/>
-                        </a:solidFill>
-                        <a:effectLst/>
-                        <a:latin typeface="Times New Roman" panose="02020603050405020304" pitchFamily="18" charset="0"/>
-                        <a:cs typeface="Times New Roman" panose="02020603050405020304" pitchFamily="18" charset="0"/>
-                      </a:endParaRPr>
-                    </a:p>
-                  </a:txBody>
-                  <a:tcPr marL="9525" marR="9525" marT="9525" marB="0" anchor="b">
-                    <a:solidFill>
-                      <a:schemeClr val="tx1"/>
-                    </a:solidFill>
-                  </a:tcPr>
-                </a:tc>
-                <a:tc>
-                  <a:txBody>
-                    <a:bodyPr/>
-                    <a:lstStyle/>
-                    <a:p>
-                      <a:pPr algn="r" fontAlgn="b"/>
-                      <a:r>
-                        <a:rPr lang="en-AU" sz="1400" u="none" strike="noStrike" dirty="0">
-                          <a:solidFill>
-                            <a:schemeClr val="bg1"/>
-                          </a:solidFill>
-                          <a:effectLst/>
-                        </a:rPr>
-                        <a:t>22.9440875</a:t>
-                      </a:r>
-                      <a:endParaRPr lang="en-AU" sz="1400" b="0" i="0" u="none" strike="noStrike" dirty="0">
-                        <a:solidFill>
-                          <a:schemeClr val="bg1"/>
-                        </a:solidFill>
-                        <a:effectLst/>
-                        <a:latin typeface="Times New Roman" panose="02020603050405020304" pitchFamily="18" charset="0"/>
-                        <a:cs typeface="Times New Roman" panose="02020603050405020304" pitchFamily="18" charset="0"/>
-                      </a:endParaRPr>
-                    </a:p>
-                  </a:txBody>
-                  <a:tcPr marL="9525" marR="9525" marT="9525" marB="0" anchor="b">
-                    <a:solidFill>
-                      <a:schemeClr val="tx1"/>
-                    </a:solidFill>
-                  </a:tcPr>
-                </a:tc>
-                <a:tc>
-                  <a:txBody>
-                    <a:bodyPr/>
-                    <a:lstStyle/>
-                    <a:p>
-                      <a:pPr algn="r" fontAlgn="b"/>
-                      <a:r>
-                        <a:rPr lang="en-AU" sz="1400" u="none" strike="noStrike" dirty="0">
-                          <a:solidFill>
-                            <a:schemeClr val="bg1"/>
-                          </a:solidFill>
-                          <a:effectLst/>
-                        </a:rPr>
-                        <a:t>5.311894876</a:t>
-                      </a:r>
-                      <a:endParaRPr lang="en-AU" sz="1400" b="0" i="0" u="none" strike="noStrike" dirty="0">
-                        <a:solidFill>
-                          <a:schemeClr val="bg1"/>
-                        </a:solidFill>
-                        <a:effectLst/>
-                        <a:latin typeface="Times New Roman" panose="02020603050405020304" pitchFamily="18" charset="0"/>
-                        <a:cs typeface="Times New Roman" panose="02020603050405020304" pitchFamily="18" charset="0"/>
-                      </a:endParaRPr>
-                    </a:p>
-                  </a:txBody>
-                  <a:tcPr marL="9525" marR="9525" marT="9525" marB="0" anchor="b">
-                    <a:solidFill>
-                      <a:schemeClr val="bg1">
-                        <a:lumMod val="50000"/>
-                        <a:lumOff val="50000"/>
-                      </a:schemeClr>
-                    </a:solidFill>
-                  </a:tcPr>
-                </a:tc>
-                <a:tc>
-                  <a:txBody>
-                    <a:bodyPr/>
-                    <a:lstStyle/>
-                    <a:p>
-                      <a:pPr algn="r" fontAlgn="b"/>
-                      <a:r>
-                        <a:rPr lang="en-AU" sz="1400" u="none" strike="noStrike" dirty="0">
-                          <a:solidFill>
-                            <a:schemeClr val="bg1"/>
-                          </a:solidFill>
-                          <a:effectLst/>
-                        </a:rPr>
-                        <a:t>0.562070815</a:t>
-                      </a:r>
-                      <a:endParaRPr lang="en-AU" sz="1400" b="0" i="0" u="none" strike="noStrike" dirty="0">
-                        <a:solidFill>
-                          <a:schemeClr val="bg1"/>
-                        </a:solidFill>
-                        <a:effectLst/>
-                        <a:latin typeface="Times New Roman" panose="02020603050405020304" pitchFamily="18" charset="0"/>
-                        <a:cs typeface="Times New Roman" panose="02020603050405020304" pitchFamily="18" charset="0"/>
-                      </a:endParaRPr>
-                    </a:p>
-                  </a:txBody>
-                  <a:tcPr marL="9525" marR="9525" marT="9525" marB="0" anchor="b">
-                    <a:solidFill>
-                      <a:schemeClr val="tx1"/>
-                    </a:solidFill>
-                  </a:tcPr>
-                </a:tc>
-                <a:tc>
-                  <a:txBody>
-                    <a:bodyPr/>
-                    <a:lstStyle/>
-                    <a:p>
-                      <a:pPr algn="r" fontAlgn="b"/>
-                      <a:r>
-                        <a:rPr lang="en-AU" sz="1400" u="none" strike="noStrike" dirty="0">
-                          <a:solidFill>
-                            <a:schemeClr val="bg1"/>
-                          </a:solidFill>
-                          <a:effectLst/>
-                        </a:rPr>
-                        <a:t>9.45058</a:t>
-                      </a:r>
-                      <a:endParaRPr lang="en-AU" sz="1400" b="0" i="0" u="none" strike="noStrike" dirty="0">
-                        <a:solidFill>
-                          <a:schemeClr val="bg1"/>
-                        </a:solidFill>
-                        <a:effectLst/>
-                        <a:latin typeface="Times New Roman" panose="02020603050405020304" pitchFamily="18" charset="0"/>
-                        <a:cs typeface="Times New Roman" panose="02020603050405020304" pitchFamily="18" charset="0"/>
-                      </a:endParaRPr>
-                    </a:p>
-                  </a:txBody>
-                  <a:tcPr marL="9525" marR="9525" marT="9525" marB="0" anchor="b">
-                    <a:solidFill>
-                      <a:schemeClr val="tx1"/>
-                    </a:solidFill>
-                  </a:tcPr>
-                </a:tc>
-                <a:tc>
-                  <a:txBody>
-                    <a:bodyPr/>
-                    <a:lstStyle/>
-                    <a:p>
-                      <a:pPr algn="r" fontAlgn="b"/>
-                      <a:r>
-                        <a:rPr lang="en-AU" sz="1400" u="none" strike="noStrike" dirty="0">
-                          <a:solidFill>
-                            <a:schemeClr val="bg1"/>
-                          </a:solidFill>
-                          <a:effectLst/>
-                        </a:rPr>
-                        <a:t>3.90E-05</a:t>
-                      </a:r>
-                      <a:endParaRPr lang="en-AU" sz="1400" b="0" i="0" u="none" strike="noStrike" dirty="0">
-                        <a:solidFill>
-                          <a:schemeClr val="bg1"/>
-                        </a:solidFill>
-                        <a:effectLst/>
-                        <a:latin typeface="Times New Roman" panose="02020603050405020304" pitchFamily="18" charset="0"/>
-                        <a:cs typeface="Times New Roman" panose="02020603050405020304" pitchFamily="18" charset="0"/>
-                      </a:endParaRPr>
-                    </a:p>
-                  </a:txBody>
-                  <a:tcPr marL="9525" marR="9525" marT="9525" marB="0" anchor="b">
-                    <a:solidFill>
-                      <a:schemeClr val="tx1"/>
-                    </a:solidFill>
-                  </a:tcPr>
-                </a:tc>
-                <a:tc>
-                  <a:txBody>
-                    <a:bodyPr/>
-                    <a:lstStyle/>
-                    <a:p>
-                      <a:pPr algn="r" fontAlgn="b"/>
-                      <a:r>
-                        <a:rPr lang="en-AU" sz="1400" u="none" strike="noStrike" dirty="0">
-                          <a:solidFill>
-                            <a:schemeClr val="bg1"/>
-                          </a:solidFill>
-                          <a:effectLst/>
-                        </a:rPr>
-                        <a:t>0.002001</a:t>
-                      </a:r>
-                      <a:endParaRPr lang="en-AU" sz="1400" b="0" i="0" u="none" strike="noStrike" dirty="0">
-                        <a:solidFill>
-                          <a:schemeClr val="bg1"/>
-                        </a:solidFill>
-                        <a:effectLst/>
-                        <a:latin typeface="Times New Roman" panose="02020603050405020304" pitchFamily="18" charset="0"/>
-                        <a:cs typeface="Times New Roman" panose="02020603050405020304" pitchFamily="18" charset="0"/>
-                      </a:endParaRPr>
-                    </a:p>
-                  </a:txBody>
-                  <a:tcPr marL="9525" marR="9525" marT="9525" marB="0" anchor="b">
-                    <a:solidFill>
-                      <a:schemeClr val="tx1"/>
-                    </a:solidFill>
-                  </a:tcPr>
-                </a:tc>
-              </a:tr>
-            </a:tbl>
-          </a:graphicData>
-        </a:graphic>
-      </p:graphicFrame>
+            <a:r>
+              <a:rPr lang="en-US" sz="2400" b="1" dirty="0" smtClean="0"/>
+              <a:t>Method 2: RT-qPCR</a:t>
+            </a:r>
+            <a:endParaRPr lang="en-AU" sz="2400" b="1" dirty="0"/>
+          </a:p>
+        </p:txBody>
+      </p:sp>
+      <p:pic>
+        <p:nvPicPr>
+          <p:cNvPr id="5" name="Picture 4"/>
+          <p:cNvPicPr>
+            <a:picLocks noChangeAspect="1"/>
+          </p:cNvPicPr>
+          <p:nvPr/>
+        </p:nvPicPr>
+        <p:blipFill>
+          <a:blip r:embed="rId2">
+            <a:extLst>
+              <a:ext uri="{28A0092B-C50C-407E-A947-70E740481C1C}">
+                <a14:useLocalDpi xmlns:a14="http://schemas.microsoft.com/office/drawing/2010/main" val="0"/>
+              </a:ext>
+            </a:extLst>
+          </a:blip>
+          <a:stretch>
+            <a:fillRect/>
+          </a:stretch>
+        </p:blipFill>
+        <p:spPr>
+          <a:xfrm>
+            <a:off x="1342406" y="4592941"/>
+            <a:ext cx="9507185" cy="1543051"/>
+          </a:xfrm>
+          <a:prstGeom prst="rect">
+            <a:avLst/>
+          </a:prstGeom>
+        </p:spPr>
+      </p:pic>
     </p:spTree>
     <p:extLst>
       <p:ext uri="{BB962C8B-B14F-4D97-AF65-F5344CB8AC3E}">

--- a/BackgroundInfo/Selective export of microRNA via extracellular vesicles (2).pptx
+++ b/BackgroundInfo/Selective export of microRNA via extracellular vesicles (2).pptx
@@ -5,7 +5,7 @@
     <p:sldMasterId id="2147483660" r:id="rId1"/>
   </p:sldMasterIdLst>
   <p:notesMasterIdLst>
-    <p:notesMasterId r:id="rId18"/>
+    <p:notesMasterId r:id="rId17"/>
   </p:notesMasterIdLst>
   <p:sldIdLst>
     <p:sldId id="256" r:id="rId2"/>
@@ -17,13 +17,12 @@
     <p:sldId id="261" r:id="rId8"/>
     <p:sldId id="263" r:id="rId9"/>
     <p:sldId id="264" r:id="rId10"/>
-    <p:sldId id="265" r:id="rId11"/>
-    <p:sldId id="267" r:id="rId12"/>
-    <p:sldId id="268" r:id="rId13"/>
-    <p:sldId id="269" r:id="rId14"/>
-    <p:sldId id="270" r:id="rId15"/>
-    <p:sldId id="271" r:id="rId16"/>
-    <p:sldId id="273" r:id="rId17"/>
+    <p:sldId id="267" r:id="rId11"/>
+    <p:sldId id="268" r:id="rId12"/>
+    <p:sldId id="269" r:id="rId13"/>
+    <p:sldId id="270" r:id="rId14"/>
+    <p:sldId id="271" r:id="rId15"/>
+    <p:sldId id="273" r:id="rId16"/>
   </p:sldIdLst>
   <p:sldSz cx="12192000" cy="6858000"/>
   <p:notesSz cx="6858000" cy="9144000"/>
@@ -1116,7 +1115,7 @@
           <a:p>
             <a:fld id="{50E92962-0362-434D-A7A6-86BA87293389}" type="slidenum">
               <a:rPr lang="en-AU" smtClean="0"/>
-              <a:t>11</a:t>
+              <a:t>10</a:t>
             </a:fld>
             <a:endParaRPr lang="en-AU"/>
           </a:p>
@@ -1200,7 +1199,7 @@
           <a:p>
             <a:fld id="{50E92962-0362-434D-A7A6-86BA87293389}" type="slidenum">
               <a:rPr lang="en-AU" smtClean="0"/>
-              <a:t>12</a:t>
+              <a:t>11</a:t>
             </a:fld>
             <a:endParaRPr lang="en-AU"/>
           </a:p>
@@ -4165,19 +4164,7 @@
             <a:pPr algn="l"/>
             <a:r>
               <a:rPr lang="en-US" dirty="0" smtClean="0"/>
-              <a:t>Supervisor: </a:t>
-            </a:r>
-            <a:r>
-              <a:rPr lang="en-US" dirty="0" smtClean="0"/>
-              <a:t>A/Prof</a:t>
-            </a:r>
-            <a:r>
-              <a:rPr lang="en-US" dirty="0" smtClean="0"/>
-              <a:t> </a:t>
-            </a:r>
-            <a:r>
-              <a:rPr lang="en-US" dirty="0" smtClean="0"/>
-              <a:t>Michelle Hill</a:t>
+              <a:t>Supervisor: A/Prof Michelle Hill</a:t>
             </a:r>
           </a:p>
           <a:p>
@@ -4249,159 +4236,6 @@
             <p:ph type="title"/>
           </p:nvPr>
         </p:nvSpPr>
-        <p:spPr>
-          <a:xfrm>
-            <a:off x="838200" y="262574"/>
-            <a:ext cx="10515600" cy="1325563"/>
-          </a:xfrm>
-        </p:spPr>
-        <p:txBody>
-          <a:bodyPr/>
-          <a:lstStyle/>
-          <a:p>
-            <a:r>
-              <a:rPr lang="en-US" b="1" dirty="0" smtClean="0">
-                <a:solidFill>
-                  <a:schemeClr val="bg1"/>
-                </a:solidFill>
-              </a:rPr>
-              <a:t>Aim 1: Expected Results</a:t>
-            </a:r>
-            <a:endParaRPr lang="en-AU" b="1" dirty="0">
-              <a:solidFill>
-                <a:schemeClr val="bg1"/>
-              </a:solidFill>
-            </a:endParaRPr>
-          </a:p>
-        </p:txBody>
-      </p:sp>
-      <p:sp>
-        <p:nvSpPr>
-          <p:cNvPr id="4" name="TextBox 3"/>
-          <p:cNvSpPr txBox="1"/>
-          <p:nvPr/>
-        </p:nvSpPr>
-        <p:spPr>
-          <a:xfrm>
-            <a:off x="1058333" y="1959522"/>
-            <a:ext cx="9700683" cy="523220"/>
-          </a:xfrm>
-          <a:prstGeom prst="rect">
-            <a:avLst/>
-          </a:prstGeom>
-          <a:noFill/>
-        </p:spPr>
-        <p:txBody>
-          <a:bodyPr wrap="square" rtlCol="0">
-            <a:spAutoFit/>
-          </a:bodyPr>
-          <a:lstStyle/>
-          <a:p>
-            <a:r>
-              <a:rPr lang="en-US" sz="2800" dirty="0" smtClean="0"/>
-              <a:t>Combination </a:t>
-            </a:r>
-            <a:r>
-              <a:rPr lang="en-US" sz="2800" dirty="0" smtClean="0"/>
-              <a:t>of selective and non-selectively exported miRNAs</a:t>
-            </a:r>
-            <a:endParaRPr lang="en-AU" sz="2800" dirty="0"/>
-          </a:p>
-        </p:txBody>
-      </p:sp>
-      <p:pic>
-        <p:nvPicPr>
-          <p:cNvPr id="6" name="Picture 5"/>
-          <p:cNvPicPr>
-            <a:picLocks noChangeAspect="1"/>
-          </p:cNvPicPr>
-          <p:nvPr/>
-        </p:nvPicPr>
-        <p:blipFill rotWithShape="1">
-          <a:blip r:embed="rId2"/>
-          <a:srcRect b="46780"/>
-          <a:stretch/>
-        </p:blipFill>
-        <p:spPr>
-          <a:xfrm>
-            <a:off x="1058333" y="3064519"/>
-            <a:ext cx="4258733" cy="3217748"/>
-          </a:xfrm>
-          <a:prstGeom prst="rect">
-            <a:avLst/>
-          </a:prstGeom>
-        </p:spPr>
-      </p:pic>
-      <p:pic>
-        <p:nvPicPr>
-          <p:cNvPr id="7" name="Picture 6"/>
-          <p:cNvPicPr>
-            <a:picLocks noChangeAspect="1"/>
-          </p:cNvPicPr>
-          <p:nvPr/>
-        </p:nvPicPr>
-        <p:blipFill rotWithShape="1">
-          <a:blip r:embed="rId2"/>
-          <a:srcRect t="51878"/>
-          <a:stretch/>
-        </p:blipFill>
-        <p:spPr>
-          <a:xfrm>
-            <a:off x="6096000" y="3064519"/>
-            <a:ext cx="4663016" cy="3217748"/>
-          </a:xfrm>
-          <a:prstGeom prst="rect">
-            <a:avLst/>
-          </a:prstGeom>
-        </p:spPr>
-      </p:pic>
-    </p:spTree>
-    <p:extLst>
-      <p:ext uri="{BB962C8B-B14F-4D97-AF65-F5344CB8AC3E}">
-        <p14:creationId xmlns:p14="http://schemas.microsoft.com/office/powerpoint/2010/main" val="4287831108"/>
-      </p:ext>
-    </p:extLst>
-  </p:cSld>
-  <p:clrMapOvr>
-    <a:masterClrMapping/>
-  </p:clrMapOvr>
-  <p:timing>
-    <p:tnLst>
-      <p:par>
-        <p:cTn id="1" dur="indefinite" restart="never" nodeType="tmRoot"/>
-      </p:par>
-    </p:tnLst>
-  </p:timing>
-</p:sld>
-</file>
-
-<file path=ppt/slides/slide11.xml><?xml version="1.0" encoding="utf-8"?>
-<p:sld xmlns:a="http://schemas.openxmlformats.org/drawingml/2006/main" xmlns:r="http://schemas.openxmlformats.org/officeDocument/2006/relationships" xmlns:p="http://schemas.openxmlformats.org/presentationml/2006/main">
-  <p:cSld>
-    <p:spTree>
-      <p:nvGrpSpPr>
-        <p:cNvPr id="1" name=""/>
-        <p:cNvGrpSpPr/>
-        <p:nvPr/>
-      </p:nvGrpSpPr>
-      <p:grpSpPr>
-        <a:xfrm>
-          <a:off x="0" y="0"/>
-          <a:ext cx="0" cy="0"/>
-          <a:chOff x="0" y="0"/>
-          <a:chExt cx="0" cy="0"/>
-        </a:xfrm>
-      </p:grpSpPr>
-      <p:sp>
-        <p:nvSpPr>
-          <p:cNvPr id="2" name="Title 1"/>
-          <p:cNvSpPr>
-            <a:spLocks noGrp="1"/>
-          </p:cNvSpPr>
-          <p:nvPr>
-            <p:ph type="title"/>
-          </p:nvPr>
-        </p:nvSpPr>
         <p:spPr/>
         <p:txBody>
           <a:bodyPr>
@@ -4459,7 +4293,7 @@
         </p:spPr>
         <p:txBody>
           <a:bodyPr>
-            <a:normAutofit/>
+            <a:normAutofit fontScale="92500" lnSpcReduction="20000"/>
           </a:bodyPr>
           <a:lstStyle/>
           <a:p>
@@ -4484,24 +4318,12 @@
               </a:lnSpc>
             </a:pPr>
             <a:r>
-              <a:rPr lang="en-AU" sz="2200" dirty="0"/>
+              <a:rPr lang="en-AU" sz="2600" dirty="0"/>
               <a:t>P</a:t>
             </a:r>
             <a:r>
-              <a:rPr lang="en-AU" sz="2200" dirty="0" smtClean="0"/>
-              <a:t>roteomics </a:t>
-            </a:r>
-            <a:r>
-              <a:rPr lang="en-AU" sz="2200" dirty="0" smtClean="0"/>
-              <a:t>data collected for the lipid raft, total membrane and EVs </a:t>
-            </a:r>
-            <a:r>
-              <a:rPr lang="en-AU" sz="2200" dirty="0" smtClean="0"/>
-              <a:t>for PC3 </a:t>
-            </a:r>
-            <a:r>
-              <a:rPr lang="en-AU" sz="2200" dirty="0" smtClean="0"/>
-              <a:t>GFP and PC3 cavin-1 cells. </a:t>
+              <a:rPr lang="en-AU" sz="2600" dirty="0" smtClean="0"/>
+              <a:t>roteomics data collected for the lipid raft, total membrane and EVs for PC3 GFP and PC3 cavin-1 cells. </a:t>
             </a:r>
           </a:p>
           <a:p>
@@ -4511,7 +4333,7 @@
               </a:lnSpc>
               <a:buNone/>
             </a:pPr>
-            <a:endParaRPr lang="en-AU" sz="2200" dirty="0" smtClean="0"/>
+            <a:endParaRPr lang="en-AU" sz="2600" dirty="0" smtClean="0"/>
           </a:p>
           <a:p>
             <a:pPr>
@@ -4520,19 +4342,15 @@
               </a:lnSpc>
             </a:pPr>
             <a:r>
-              <a:rPr lang="en-US" sz="2200" dirty="0" smtClean="0"/>
-              <a:t>Identify </a:t>
-            </a:r>
-            <a:r>
-              <a:rPr lang="en-US" sz="2200" dirty="0" smtClean="0"/>
-              <a:t>proteins enriched in the EV fraction correlating to an increase of </a:t>
-            </a:r>
-            <a:r>
-              <a:rPr lang="en-US" sz="2200" dirty="0" err="1" smtClean="0"/>
+              <a:rPr lang="en-US" sz="2600" dirty="0" smtClean="0"/>
+              <a:t>Identify proteins enriched in the EV fraction correlating to an increase of </a:t>
+            </a:r>
+            <a:r>
+              <a:rPr lang="en-US" sz="2600" dirty="0" err="1" smtClean="0"/>
               <a:t>miR</a:t>
             </a:r>
             <a:r>
-              <a:rPr lang="en-US" sz="2200" dirty="0" smtClean="0"/>
+              <a:rPr lang="en-US" sz="2600" dirty="0" smtClean="0"/>
               <a:t> export.</a:t>
             </a:r>
           </a:p>
@@ -4542,7 +4360,7 @@
                 <a:spcPct val="100000"/>
               </a:lnSpc>
             </a:pPr>
-            <a:endParaRPr lang="en-US" sz="2200" dirty="0" smtClean="0"/>
+            <a:endParaRPr lang="en-US" sz="2600" dirty="0" smtClean="0"/>
           </a:p>
           <a:p>
             <a:pPr>
@@ -4551,10 +4369,22 @@
               </a:lnSpc>
             </a:pPr>
             <a:r>
-              <a:rPr lang="en-US" sz="2200" dirty="0" smtClean="0"/>
-              <a:t>Perform Gene Ontology analyses to identify molecular function: RNA-binding ability. </a:t>
-            </a:r>
-            <a:endParaRPr lang="en-AU" dirty="0"/>
+              <a:rPr lang="en-US" sz="2600" dirty="0" smtClean="0"/>
+              <a:t>Gene </a:t>
+            </a:r>
+            <a:r>
+              <a:rPr lang="en-US" sz="2600" dirty="0" smtClean="0"/>
+              <a:t>Ontology </a:t>
+            </a:r>
+            <a:r>
+              <a:rPr lang="en-US" sz="2600" dirty="0" smtClean="0"/>
+              <a:t>analysis determines RNA-binding </a:t>
+            </a:r>
+            <a:r>
+              <a:rPr lang="en-US" sz="2600" dirty="0" smtClean="0"/>
+              <a:t>ability. </a:t>
+            </a:r>
+            <a:endParaRPr lang="en-AU" sz="3500" dirty="0"/>
           </a:p>
         </p:txBody>
       </p:sp>
@@ -4608,7 +4438,7 @@
 </p:sld>
 </file>
 
-<file path=ppt/slides/slide12.xml><?xml version="1.0" encoding="utf-8"?>
+<file path=ppt/slides/slide11.xml><?xml version="1.0" encoding="utf-8"?>
 <p:sld xmlns:a="http://schemas.openxmlformats.org/drawingml/2006/main" xmlns:r="http://schemas.openxmlformats.org/officeDocument/2006/relationships" xmlns:p="http://schemas.openxmlformats.org/presentationml/2006/main">
   <p:cSld>
     <p:spTree>
@@ -4746,7 +4576,6 @@
               <a:rPr lang="en-US" dirty="0" smtClean="0"/>
               <a:t> </a:t>
             </a:r>
-            <a:endParaRPr lang="en-US" dirty="0" smtClean="0"/>
           </a:p>
           <a:p>
             <a:pPr marL="0" indent="0">
@@ -4812,8 +4641,8 @@
         </p:nvSpPr>
         <p:spPr>
           <a:xfrm>
-            <a:off x="5004702" y="2973784"/>
-            <a:ext cx="5366061" cy="1938992"/>
+            <a:off x="5073751" y="2873059"/>
+            <a:ext cx="5738182" cy="1938992"/>
           </a:xfrm>
           <a:prstGeom prst="rect">
             <a:avLst/>
@@ -4831,17 +4660,12 @@
               <a:rPr lang="en-US" altLang="en-US" sz="2000" dirty="0" smtClean="0"/>
               <a:t>Known binding miRNAs:</a:t>
             </a:r>
-            <a:endParaRPr lang="en-US" altLang="en-US" sz="2000" dirty="0" smtClean="0"/>
           </a:p>
           <a:p>
             <a:pPr lvl="0"/>
             <a:r>
               <a:rPr lang="en-US" altLang="en-US" sz="2000" dirty="0" smtClean="0"/>
-              <a:t>miR-198</a:t>
-            </a:r>
-            <a:r>
-              <a:rPr lang="en-US" altLang="en-US" sz="2000" dirty="0" smtClean="0"/>
-              <a:t>; GGUCCAGAGG</a:t>
+              <a:t>miR-198; GGUCCAGAGG</a:t>
             </a:r>
             <a:r>
               <a:rPr lang="en-US" altLang="en-US" sz="2000" dirty="0" smtClean="0">
@@ -4860,11 +4684,7 @@
           <a:p>
             <a:r>
               <a:rPr lang="en-US" altLang="en-US" sz="2000" dirty="0" smtClean="0"/>
-              <a:t>miR-887; </a:t>
-            </a:r>
-            <a:r>
-              <a:rPr lang="en-US" altLang="en-US" sz="2000" dirty="0" smtClean="0"/>
-              <a:t>CUUG</a:t>
+              <a:t>miR-887; CUUG</a:t>
             </a:r>
             <a:r>
               <a:rPr lang="en-US" altLang="en-US" sz="2000" dirty="0" smtClean="0">
@@ -4891,13 +4711,8 @@
           <a:p>
             <a:r>
               <a:rPr lang="en-US" altLang="en-US" sz="2000" dirty="0" smtClean="0"/>
-              <a:t> </a:t>
-            </a:r>
-            <a:r>
-              <a:rPr lang="en-US" altLang="en-US" sz="2000" dirty="0" smtClean="0"/>
-              <a:t>miR-20b; CAAAGUGCUCAUAGUGCAGGUAG </a:t>
-            </a:r>
-            <a:endParaRPr lang="en-US" altLang="en-US" sz="2000" dirty="0" smtClean="0"/>
+              <a:t> miR-20b; CAAAGUGCUCAUAGUGCAGGUAG </a:t>
+            </a:r>
           </a:p>
         </p:txBody>
       </p:sp>
@@ -5079,7 +4894,7 @@
 </p:sld>
 </file>
 
-<file path=ppt/slides/slide13.xml><?xml version="1.0" encoding="utf-8"?>
+<file path=ppt/slides/slide12.xml><?xml version="1.0" encoding="utf-8"?>
 <p:sld xmlns:a="http://schemas.openxmlformats.org/drawingml/2006/main" xmlns:r="http://schemas.openxmlformats.org/officeDocument/2006/relationships" xmlns:p="http://schemas.openxmlformats.org/presentationml/2006/main">
   <p:cSld>
     <p:spTree>
@@ -5218,7 +5033,7 @@
 </p:sld>
 </file>
 
-<file path=ppt/slides/slide14.xml><?xml version="1.0" encoding="utf-8"?>
+<file path=ppt/slides/slide13.xml><?xml version="1.0" encoding="utf-8"?>
 <p:sld xmlns:a="http://schemas.openxmlformats.org/drawingml/2006/main" xmlns:r="http://schemas.openxmlformats.org/officeDocument/2006/relationships" xmlns:p="http://schemas.openxmlformats.org/presentationml/2006/main">
   <p:cSld>
     <p:spTree>
@@ -5440,7 +5255,7 @@
 </p:sld>
 </file>
 
-<file path=ppt/slides/slide15.xml><?xml version="1.0" encoding="utf-8"?>
+<file path=ppt/slides/slide14.xml><?xml version="1.0" encoding="utf-8"?>
 <p:sld xmlns:a="http://schemas.openxmlformats.org/drawingml/2006/main" xmlns:r="http://schemas.openxmlformats.org/officeDocument/2006/relationships" xmlns:p="http://schemas.openxmlformats.org/presentationml/2006/main">
   <p:cSld>
     <p:spTree>
@@ -5536,7 +5351,7 @@
             </a:r>
           </a:p>
           <a:p>
-            <a:endParaRPr lang="en-US" sz="2400" dirty="0"/>
+            <a:endParaRPr lang="en-US" sz="2400" dirty="0" smtClean="0"/>
           </a:p>
           <a:p>
             <a:endParaRPr lang="en-US" sz="2400" dirty="0"/>
@@ -5563,7 +5378,7 @@
 </p:sld>
 </file>
 
-<file path=ppt/slides/slide16.xml><?xml version="1.0" encoding="utf-8"?>
+<file path=ppt/slides/slide15.xml><?xml version="1.0" encoding="utf-8"?>
 <p:sld xmlns:a="http://schemas.openxmlformats.org/drawingml/2006/main" xmlns:r="http://schemas.openxmlformats.org/officeDocument/2006/relationships" xmlns:p="http://schemas.openxmlformats.org/presentationml/2006/main">
   <p:cSld>
     <p:spTree>
@@ -5595,7 +5410,19 @@
           <a:bodyPr/>
           <a:lstStyle/>
           <a:p>
-            <a:endParaRPr lang="en-AU"/>
+            <a:r>
+              <a:rPr lang="en-AU" b="1" dirty="0" smtClean="0">
+                <a:solidFill>
+                  <a:schemeClr val="bg1"/>
+                </a:solidFill>
+              </a:rPr>
+              <a:t>Acknowledgements </a:t>
+            </a:r>
+            <a:endParaRPr lang="en-AU" b="1" dirty="0">
+              <a:solidFill>
+                <a:schemeClr val="bg1"/>
+              </a:solidFill>
+            </a:endParaRPr>
           </a:p>
         </p:txBody>
       </p:sp>
@@ -5614,7 +5441,7 @@
           <a:bodyPr/>
           <a:lstStyle/>
           <a:p>
-            <a:endParaRPr lang="en-AU"/>
+            <a:endParaRPr lang="en-AU" dirty="0"/>
           </a:p>
         </p:txBody>
       </p:sp>
@@ -6064,11 +5891,7 @@
             </a:pPr>
             <a:r>
               <a:rPr lang="en-AU" dirty="0" smtClean="0"/>
-              <a:t>Previously considered </a:t>
-            </a:r>
-            <a:r>
-              <a:rPr lang="en-AU" dirty="0" smtClean="0"/>
-              <a:t>non-selective</a:t>
+              <a:t>Previously considered non-selective</a:t>
             </a:r>
           </a:p>
           <a:p>
@@ -6079,11 +5902,7 @@
             </a:pPr>
             <a:r>
               <a:rPr lang="en-US" dirty="0" smtClean="0"/>
-              <a:t>miRNAs </a:t>
-            </a:r>
-            <a:r>
-              <a:rPr lang="en-US" dirty="0" smtClean="0"/>
-              <a:t>exported can change disproportionally to the cellular content</a:t>
+              <a:t>miRNAs exported can change disproportionally to the cellular content</a:t>
             </a:r>
           </a:p>
           <a:p>
@@ -6155,15 +5974,7 @@
             </a:pPr>
             <a:r>
               <a:rPr lang="en-US" dirty="0" smtClean="0"/>
-              <a:t>Regulation </a:t>
-            </a:r>
-            <a:r>
-              <a:rPr lang="en-US" dirty="0" smtClean="0"/>
-              <a:t>of export still </a:t>
-            </a:r>
-            <a:r>
-              <a:rPr lang="en-US" dirty="0" smtClean="0"/>
-              <a:t>unknown</a:t>
+              <a:t>Regulation of export still unknown</a:t>
             </a:r>
           </a:p>
           <a:p>
@@ -6351,15 +6162,7 @@
           <a:p>
             <a:r>
               <a:rPr lang="en-US" dirty="0" smtClean="0"/>
-              <a:t>Both </a:t>
-            </a:r>
-            <a:r>
-              <a:rPr lang="en-US" dirty="0" smtClean="0"/>
-              <a:t>types </a:t>
-            </a:r>
-            <a:r>
-              <a:rPr lang="en-US" dirty="0" smtClean="0"/>
-              <a:t>of EVs contain cholesterol, sphingolipid and ceramide enriched </a:t>
+              <a:t>Both types of EVs contain cholesterol, sphingolipid and ceramide enriched </a:t>
             </a:r>
             <a:r>
               <a:rPr lang="en-US" dirty="0" err="1" smtClean="0"/>
@@ -6586,11 +6389,7 @@
           <a:p>
             <a:r>
               <a:rPr lang="en-AU" dirty="0" smtClean="0"/>
-              <a:t>Increased Caveolin-1 expression without </a:t>
-            </a:r>
-            <a:r>
-              <a:rPr lang="en-AU" dirty="0" smtClean="0"/>
-              <a:t>Cavins.</a:t>
+              <a:t>Increased Caveolin-1 expression without Cavins.</a:t>
             </a:r>
           </a:p>
           <a:p>
@@ -6640,17 +6439,8 @@
           <a:p>
             <a:r>
               <a:rPr lang="en-AU" dirty="0" smtClean="0"/>
-              <a:t>Enrichment </a:t>
-            </a:r>
-            <a:r>
-              <a:rPr lang="en-AU" dirty="0" smtClean="0"/>
-              <a:t>of Caveolin-1 on </a:t>
-            </a:r>
-            <a:r>
-              <a:rPr lang="en-AU" dirty="0" smtClean="0"/>
-              <a:t>EVs</a:t>
-            </a:r>
-            <a:endParaRPr lang="en-AU" dirty="0" smtClean="0"/>
+              <a:t>Enrichment of Caveolin-1 on EVs</a:t>
+            </a:r>
           </a:p>
           <a:p>
             <a:endParaRPr lang="en-AU" sz="2400" dirty="0" smtClean="0"/>
@@ -6862,15 +6652,7 @@
             </a:pPr>
             <a:r>
               <a:rPr lang="en-US" sz="2900" dirty="0" smtClean="0"/>
-              <a:t>Hereby</a:t>
-            </a:r>
-            <a:r>
-              <a:rPr lang="en-US" sz="2900" dirty="0" smtClean="0"/>
-              <a:t>,  modulation of miRNA export </a:t>
-            </a:r>
-            <a:r>
-              <a:rPr lang="en-US" sz="2900" dirty="0" smtClean="0"/>
-              <a:t>is dependent of lipid raft composition. </a:t>
+              <a:t>Hereby,  modulation of miRNA export is dependent of lipid raft composition. </a:t>
             </a:r>
             <a:endParaRPr lang="en-AU" sz="2900" dirty="0"/>
           </a:p>
@@ -7070,15 +6852,7 @@
             </a:pPr>
             <a:r>
               <a:rPr lang="en-AU" sz="2400" dirty="0" smtClean="0"/>
-              <a:t>EV </a:t>
-            </a:r>
-            <a:r>
-              <a:rPr lang="en-AU" sz="2400" dirty="0" smtClean="0"/>
-              <a:t>miRNA content </a:t>
-            </a:r>
-            <a:r>
-              <a:rPr lang="en-AU" sz="2400" dirty="0" smtClean="0"/>
-              <a:t>is mediated by RNA-binding proteins modulated by lipid raft composition. </a:t>
+              <a:t>EV miRNA content is mediated by RNA-binding proteins modulated by lipid raft composition. </a:t>
             </a:r>
           </a:p>
           <a:p>
@@ -7260,26 +7034,13 @@
             </a:r>
             <a:r>
               <a:rPr lang="en-AU" sz="2400" dirty="0" smtClean="0"/>
-              <a:t> </a:t>
-            </a:r>
+              <a:t> data compiled: GFP-PC3 and GFP:Cavin1-PC3 cells, EVs and cell pellet</a:t>
+            </a:r>
+          </a:p>
+          <a:p>
             <a:r>
               <a:rPr lang="en-AU" sz="2400" dirty="0" smtClean="0"/>
-              <a:t>data </a:t>
-            </a:r>
-            <a:r>
-              <a:rPr lang="en-AU" sz="2400" dirty="0" smtClean="0"/>
-              <a:t>compiled: GFP-PC3 and GFP:Cavin1-PC3 cells, EVs and cell pellet</a:t>
-            </a:r>
-            <a:endParaRPr lang="en-AU" sz="2400" dirty="0" smtClean="0"/>
-          </a:p>
-          <a:p>
-            <a:r>
-              <a:rPr lang="en-AU" sz="2400" dirty="0" smtClean="0"/>
-              <a:t>DEseq2 </a:t>
-            </a:r>
-            <a:r>
-              <a:rPr lang="en-AU" sz="2400" dirty="0" smtClean="0"/>
-              <a:t>and </a:t>
+              <a:t>DEseq2 and </a:t>
             </a:r>
             <a:r>
               <a:rPr lang="en-AU" sz="2400" dirty="0" err="1" smtClean="0"/>
@@ -7287,60 +7048,15 @@
             </a:r>
             <a:r>
               <a:rPr lang="en-AU" sz="2400" dirty="0" smtClean="0"/>
-              <a:t> </a:t>
-            </a:r>
+              <a:t> find differences in miRNA levels between cell lines</a:t>
+            </a:r>
+            <a:endParaRPr lang="en-AU" sz="2400" dirty="0"/>
+          </a:p>
+          <a:p>
             <a:r>
               <a:rPr lang="en-AU" sz="2400" dirty="0" smtClean="0"/>
-              <a:t>find </a:t>
-            </a:r>
-            <a:r>
-              <a:rPr lang="en-AU" sz="2400" dirty="0" smtClean="0"/>
-              <a:t>differences in miRNA levels between cell lines</a:t>
-            </a:r>
-            <a:endParaRPr lang="en-AU" sz="2400" dirty="0"/>
-          </a:p>
-          <a:p>
-            <a:r>
-              <a:rPr lang="en-AU" sz="2400" dirty="0" smtClean="0"/>
-              <a:t>Compare </a:t>
-            </a:r>
-            <a:r>
-              <a:rPr lang="en-AU" sz="2400" dirty="0" smtClean="0"/>
-              <a:t>between </a:t>
-            </a:r>
-            <a:r>
-              <a:rPr lang="en-AU" sz="2400" dirty="0" smtClean="0"/>
-              <a:t>cell and </a:t>
-            </a:r>
-            <a:r>
-              <a:rPr lang="en-AU" sz="2400" dirty="0" smtClean="0"/>
-              <a:t>EV </a:t>
-            </a:r>
-            <a:r>
-              <a:rPr lang="en-AU" sz="2400" dirty="0" smtClean="0"/>
-              <a:t>to find </a:t>
-            </a:r>
-            <a:r>
-              <a:rPr lang="en-AU" sz="2400" dirty="0" smtClean="0"/>
-              <a:t>selectively</a:t>
-            </a:r>
-            <a:r>
-              <a:rPr lang="en-AU" sz="2400" dirty="0" smtClean="0"/>
-              <a:t> </a:t>
-            </a:r>
-            <a:r>
-              <a:rPr lang="en-AU" sz="2400" dirty="0" smtClean="0"/>
-              <a:t>exported </a:t>
-            </a:r>
-            <a:r>
-              <a:rPr lang="en-AU" sz="2400" dirty="0" smtClean="0"/>
-              <a:t>miRNAs</a:t>
-            </a:r>
-            <a:r>
-              <a:rPr lang="en-AU" sz="2400" dirty="0" smtClean="0"/>
-              <a:t>. </a:t>
-            </a:r>
-            <a:endParaRPr lang="en-AU" sz="2400" dirty="0" smtClean="0"/>
+              <a:t>Compare between cell and EV to find selectively exported miRNAs. </a:t>
+            </a:r>
           </a:p>
           <a:p>
             <a:endParaRPr lang="en-US" sz="2400" dirty="0" smtClean="0"/>

--- a/BackgroundInfo/Selective export of microRNA via extracellular vesicles (2).pptx
+++ b/BackgroundInfo/Selective export of microRNA via extracellular vesicles (2).pptx
@@ -211,7 +211,7 @@
           <a:p>
             <a:fld id="{0B21FBDF-C287-422C-92BB-131BF3E59FE0}" type="datetimeFigureOut">
               <a:rPr lang="en-AU" smtClean="0"/>
-              <a:t>21/03/2016</a:t>
+              <a:t>22/03/2016</a:t>
             </a:fld>
             <a:endParaRPr lang="en-AU"/>
           </a:p>
@@ -607,14 +607,6 @@
           <a:bodyPr/>
           <a:lstStyle/>
           <a:p>
-            <a:r>
-              <a:rPr lang="en-US" dirty="0" smtClean="0"/>
-              <a:t>What</a:t>
-            </a:r>
-            <a:r>
-              <a:rPr lang="en-US" baseline="0" dirty="0" smtClean="0"/>
-              <a:t>, how, export, diseases… Therefore, these miRNAs are considered important in intercellular communication.</a:t>
-            </a:r>
             <a:endParaRPr lang="en-AU" dirty="0"/>
           </a:p>
         </p:txBody>
@@ -1218,6 +1210,90 @@
 </p:notes>
 </file>
 
+<file path=ppt/notesSlides/notesSlide9.xml><?xml version="1.0" encoding="utf-8"?>
+<p:notes xmlns:a="http://schemas.openxmlformats.org/drawingml/2006/main" xmlns:r="http://schemas.openxmlformats.org/officeDocument/2006/relationships" xmlns:p="http://schemas.openxmlformats.org/presentationml/2006/main">
+  <p:cSld>
+    <p:spTree>
+      <p:nvGrpSpPr>
+        <p:cNvPr id="1" name=""/>
+        <p:cNvGrpSpPr/>
+        <p:nvPr/>
+      </p:nvGrpSpPr>
+      <p:grpSpPr>
+        <a:xfrm>
+          <a:off x="0" y="0"/>
+          <a:ext cx="0" cy="0"/>
+          <a:chOff x="0" y="0"/>
+          <a:chExt cx="0" cy="0"/>
+        </a:xfrm>
+      </p:grpSpPr>
+      <p:sp>
+        <p:nvSpPr>
+          <p:cNvPr id="2" name="Slide Image Placeholder 1"/>
+          <p:cNvSpPr>
+            <a:spLocks noGrp="1" noRot="1" noChangeAspect="1"/>
+          </p:cNvSpPr>
+          <p:nvPr>
+            <p:ph type="sldImg"/>
+          </p:nvPr>
+        </p:nvSpPr>
+        <p:spPr/>
+      </p:sp>
+      <p:sp>
+        <p:nvSpPr>
+          <p:cNvPr id="3" name="Notes Placeholder 2"/>
+          <p:cNvSpPr>
+            <a:spLocks noGrp="1"/>
+          </p:cNvSpPr>
+          <p:nvPr>
+            <p:ph type="body" idx="1"/>
+          </p:nvPr>
+        </p:nvSpPr>
+        <p:spPr/>
+        <p:txBody>
+          <a:bodyPr/>
+          <a:lstStyle/>
+          <a:p>
+            <a:endParaRPr lang="en-AU" dirty="0"/>
+          </a:p>
+        </p:txBody>
+      </p:sp>
+      <p:sp>
+        <p:nvSpPr>
+          <p:cNvPr id="4" name="Slide Number Placeholder 3"/>
+          <p:cNvSpPr>
+            <a:spLocks noGrp="1"/>
+          </p:cNvSpPr>
+          <p:nvPr>
+            <p:ph type="sldNum" sz="quarter" idx="10"/>
+          </p:nvPr>
+        </p:nvSpPr>
+        <p:spPr/>
+        <p:txBody>
+          <a:bodyPr/>
+          <a:lstStyle/>
+          <a:p>
+            <a:fld id="{50E92962-0362-434D-A7A6-86BA87293389}" type="slidenum">
+              <a:rPr lang="en-AU" smtClean="0"/>
+              <a:t>15</a:t>
+            </a:fld>
+            <a:endParaRPr lang="en-AU"/>
+          </a:p>
+        </p:txBody>
+      </p:sp>
+    </p:spTree>
+    <p:extLst>
+      <p:ext uri="{BB962C8B-B14F-4D97-AF65-F5344CB8AC3E}">
+        <p14:creationId xmlns:p14="http://schemas.microsoft.com/office/powerpoint/2010/main" val="1244007472"/>
+      </p:ext>
+    </p:extLst>
+  </p:cSld>
+  <p:clrMapOvr>
+    <a:masterClrMapping/>
+  </p:clrMapOvr>
+</p:notes>
+</file>
+
 <file path=ppt/slideLayouts/slideLayout1.xml><?xml version="1.0" encoding="utf-8"?>
 <p:sldLayout xmlns:a="http://schemas.openxmlformats.org/drawingml/2006/main" xmlns:r="http://schemas.openxmlformats.org/officeDocument/2006/relationships" xmlns:p="http://schemas.openxmlformats.org/presentationml/2006/main" type="title" preserve="1">
   <p:cSld name="Title Slide">
@@ -1349,7 +1425,7 @@
           <a:p>
             <a:fld id="{D006A5F5-722B-4365-93E1-21E835194C29}" type="datetimeFigureOut">
               <a:rPr lang="en-AU" smtClean="0"/>
-              <a:t>21/03/2016</a:t>
+              <a:t>22/03/2016</a:t>
             </a:fld>
             <a:endParaRPr lang="en-AU"/>
           </a:p>
@@ -1519,7 +1595,7 @@
           <a:p>
             <a:fld id="{D006A5F5-722B-4365-93E1-21E835194C29}" type="datetimeFigureOut">
               <a:rPr lang="en-AU" smtClean="0"/>
-              <a:t>21/03/2016</a:t>
+              <a:t>22/03/2016</a:t>
             </a:fld>
             <a:endParaRPr lang="en-AU"/>
           </a:p>
@@ -1699,7 +1775,7 @@
           <a:p>
             <a:fld id="{D006A5F5-722B-4365-93E1-21E835194C29}" type="datetimeFigureOut">
               <a:rPr lang="en-AU" smtClean="0"/>
-              <a:t>21/03/2016</a:t>
+              <a:t>22/03/2016</a:t>
             </a:fld>
             <a:endParaRPr lang="en-AU"/>
           </a:p>
@@ -1869,7 +1945,7 @@
           <a:p>
             <a:fld id="{D006A5F5-722B-4365-93E1-21E835194C29}" type="datetimeFigureOut">
               <a:rPr lang="en-AU" smtClean="0"/>
-              <a:t>21/03/2016</a:t>
+              <a:t>22/03/2016</a:t>
             </a:fld>
             <a:endParaRPr lang="en-AU"/>
           </a:p>
@@ -2115,7 +2191,7 @@
           <a:p>
             <a:fld id="{D006A5F5-722B-4365-93E1-21E835194C29}" type="datetimeFigureOut">
               <a:rPr lang="en-AU" smtClean="0"/>
-              <a:t>21/03/2016</a:t>
+              <a:t>22/03/2016</a:t>
             </a:fld>
             <a:endParaRPr lang="en-AU"/>
           </a:p>
@@ -2347,7 +2423,7 @@
           <a:p>
             <a:fld id="{D006A5F5-722B-4365-93E1-21E835194C29}" type="datetimeFigureOut">
               <a:rPr lang="en-AU" smtClean="0"/>
-              <a:t>21/03/2016</a:t>
+              <a:t>22/03/2016</a:t>
             </a:fld>
             <a:endParaRPr lang="en-AU"/>
           </a:p>
@@ -2714,7 +2790,7 @@
           <a:p>
             <a:fld id="{D006A5F5-722B-4365-93E1-21E835194C29}" type="datetimeFigureOut">
               <a:rPr lang="en-AU" smtClean="0"/>
-              <a:t>21/03/2016</a:t>
+              <a:t>22/03/2016</a:t>
             </a:fld>
             <a:endParaRPr lang="en-AU"/>
           </a:p>
@@ -2832,7 +2908,7 @@
           <a:p>
             <a:fld id="{D006A5F5-722B-4365-93E1-21E835194C29}" type="datetimeFigureOut">
               <a:rPr lang="en-AU" smtClean="0"/>
-              <a:t>21/03/2016</a:t>
+              <a:t>22/03/2016</a:t>
             </a:fld>
             <a:endParaRPr lang="en-AU"/>
           </a:p>
@@ -2927,7 +3003,7 @@
           <a:p>
             <a:fld id="{D006A5F5-722B-4365-93E1-21E835194C29}" type="datetimeFigureOut">
               <a:rPr lang="en-AU" smtClean="0"/>
-              <a:t>21/03/2016</a:t>
+              <a:t>22/03/2016</a:t>
             </a:fld>
             <a:endParaRPr lang="en-AU"/>
           </a:p>
@@ -3204,7 +3280,7 @@
           <a:p>
             <a:fld id="{D006A5F5-722B-4365-93E1-21E835194C29}" type="datetimeFigureOut">
               <a:rPr lang="en-AU" smtClean="0"/>
-              <a:t>21/03/2016</a:t>
+              <a:t>22/03/2016</a:t>
             </a:fld>
             <a:endParaRPr lang="en-AU"/>
           </a:p>
@@ -3461,7 +3537,7 @@
           <a:p>
             <a:fld id="{D006A5F5-722B-4365-93E1-21E835194C29}" type="datetimeFigureOut">
               <a:rPr lang="en-AU" smtClean="0"/>
-              <a:t>21/03/2016</a:t>
+              <a:t>22/03/2016</a:t>
             </a:fld>
             <a:endParaRPr lang="en-AU"/>
           </a:p>
@@ -3683,7 +3759,7 @@
           <a:p>
             <a:fld id="{D006A5F5-722B-4365-93E1-21E835194C29}" type="datetimeFigureOut">
               <a:rPr lang="en-AU" smtClean="0"/>
-              <a:t>21/03/2016</a:t>
+              <a:t>22/03/2016</a:t>
             </a:fld>
             <a:endParaRPr lang="en-AU"/>
           </a:p>
@@ -4143,49 +4219,54 @@
             <p:ph type="subTitle" idx="1"/>
           </p:nvPr>
         </p:nvSpPr>
-        <p:spPr/>
+        <p:spPr>
+          <a:xfrm>
+            <a:off x="1524000" y="3940704"/>
+            <a:ext cx="9144000" cy="1655762"/>
+          </a:xfrm>
+        </p:spPr>
         <p:txBody>
           <a:bodyPr>
-            <a:normAutofit lnSpcReduction="10000"/>
+            <a:noAutofit/>
           </a:bodyPr>
           <a:lstStyle/>
           <a:p>
             <a:pPr algn="l"/>
             <a:r>
-              <a:rPr lang="en-US" dirty="0" smtClean="0"/>
+              <a:rPr lang="en-US" sz="2800" dirty="0" smtClean="0"/>
               <a:t>Harley Robinson</a:t>
             </a:r>
           </a:p>
           <a:p>
             <a:pPr algn="l"/>
-            <a:endParaRPr lang="en-US" dirty="0"/>
+            <a:endParaRPr lang="en-US" sz="2800" dirty="0"/>
           </a:p>
           <a:p>
             <a:pPr algn="l"/>
             <a:r>
-              <a:rPr lang="en-US" dirty="0" smtClean="0"/>
+              <a:rPr lang="en-US" sz="2800" dirty="0" smtClean="0"/>
               <a:t>Supervisor: A/Prof Michelle Hill</a:t>
             </a:r>
           </a:p>
           <a:p>
             <a:pPr algn="l"/>
             <a:r>
-              <a:rPr lang="en-US" dirty="0" smtClean="0"/>
+              <a:rPr lang="en-US" sz="2800" dirty="0" smtClean="0"/>
               <a:t>Co-supervisor: </a:t>
             </a:r>
             <a:r>
-              <a:rPr lang="en-US" dirty="0" err="1" smtClean="0"/>
+              <a:rPr lang="en-US" sz="2800" dirty="0" err="1" smtClean="0"/>
               <a:t>Dr</a:t>
             </a:r>
             <a:r>
-              <a:rPr lang="en-US" dirty="0" smtClean="0"/>
+              <a:rPr lang="en-US" sz="2800" dirty="0" smtClean="0"/>
               <a:t> Alex </a:t>
             </a:r>
             <a:r>
-              <a:rPr lang="en-US" dirty="0" err="1" smtClean="0"/>
+              <a:rPr lang="en-US" sz="2800" dirty="0" err="1" smtClean="0"/>
               <a:t>Cristino</a:t>
             </a:r>
-            <a:endParaRPr lang="en-AU" dirty="0"/>
+            <a:endParaRPr lang="en-AU" sz="2800" dirty="0"/>
           </a:p>
         </p:txBody>
       </p:sp>
@@ -4249,7 +4330,15 @@
                   <a:schemeClr val="bg1"/>
                 </a:solidFill>
               </a:rPr>
-              <a:t>Aim 2: Identify candidate </a:t>
+              <a:t>Aim 2: Identify </a:t>
+            </a:r>
+            <a:r>
+              <a:rPr lang="en-AU" sz="4000" b="1" dirty="0" smtClean="0">
+                <a:solidFill>
+                  <a:schemeClr val="bg1"/>
+                </a:solidFill>
+              </a:rPr>
+              <a:t>Candidate </a:t>
             </a:r>
             <a:r>
               <a:rPr lang="en-AU" sz="4000" b="1" dirty="0" err="1" smtClean="0">
@@ -4265,7 +4354,39 @@
                   <a:schemeClr val="bg1"/>
                 </a:solidFill>
               </a:rPr>
-              <a:t> binding proteins.</a:t>
+              <a:t> </a:t>
+            </a:r>
+            <a:r>
+              <a:rPr lang="en-AU" sz="4000" b="1" dirty="0" smtClean="0">
+                <a:solidFill>
+                  <a:schemeClr val="bg1"/>
+                </a:solidFill>
+              </a:rPr>
+              <a:t>Binding </a:t>
+            </a:r>
+            <a:r>
+              <a:rPr lang="en-AU" sz="4000" b="1" dirty="0">
+                <a:solidFill>
+                  <a:schemeClr val="bg1"/>
+                </a:solidFill>
+              </a:rPr>
+              <a:t>P</a:t>
+            </a:r>
+            <a:r>
+              <a:rPr lang="en-AU" sz="4000" b="1" dirty="0" smtClean="0">
+                <a:solidFill>
+                  <a:schemeClr val="bg1"/>
+                </a:solidFill>
+              </a:rPr>
+              <a:t>roteins</a:t>
+            </a:r>
+            <a:r>
+              <a:rPr lang="en-AU" sz="4000" b="1" dirty="0" smtClean="0">
+                <a:solidFill>
+                  <a:schemeClr val="bg1"/>
+                </a:solidFill>
+              </a:rPr>
+              <a:t>.</a:t>
             </a:r>
             <a:endParaRPr lang="en-AU" sz="4000" b="1" dirty="0">
               <a:solidFill>
@@ -4370,19 +4491,7 @@
             </a:pPr>
             <a:r>
               <a:rPr lang="en-US" sz="2600" dirty="0" smtClean="0"/>
-              <a:t>Gene </a:t>
-            </a:r>
-            <a:r>
-              <a:rPr lang="en-US" sz="2600" dirty="0" smtClean="0"/>
-              <a:t>Ontology </a:t>
-            </a:r>
-            <a:r>
-              <a:rPr lang="en-US" sz="2600" dirty="0" smtClean="0"/>
-              <a:t>analysis determines RNA-binding </a:t>
-            </a:r>
-            <a:r>
-              <a:rPr lang="en-US" sz="2600" dirty="0" smtClean="0"/>
-              <a:t>ability. </a:t>
+              <a:t>Gene Ontology analysis determines RNA-binding ability. </a:t>
             </a:r>
             <a:endParaRPr lang="en-AU" sz="3500" dirty="0"/>
           </a:p>
@@ -4467,7 +4576,7 @@
         </p:nvSpPr>
         <p:spPr>
           <a:xfrm>
-            <a:off x="296333" y="344556"/>
+            <a:off x="551768" y="311362"/>
             <a:ext cx="10515600" cy="1325563"/>
           </a:xfrm>
         </p:spPr>
@@ -4491,7 +4600,15 @@
                   <a:schemeClr val="bg1"/>
                 </a:solidFill>
               </a:rPr>
-              <a:t>Identify candidate </a:t>
+              <a:t>Identify </a:t>
+            </a:r>
+            <a:r>
+              <a:rPr lang="en-AU" sz="3600" b="1" dirty="0" smtClean="0">
+                <a:solidFill>
+                  <a:schemeClr val="bg1"/>
+                </a:solidFill>
+              </a:rPr>
+              <a:t>Candidate </a:t>
             </a:r>
             <a:r>
               <a:rPr lang="en-AU" sz="3600" b="1" dirty="0" err="1">
@@ -4507,7 +4624,15 @@
                   <a:schemeClr val="bg1"/>
                 </a:solidFill>
               </a:rPr>
-              <a:t> binding proteins</a:t>
+              <a:t> </a:t>
+            </a:r>
+            <a:r>
+              <a:rPr lang="en-AU" sz="3600" b="1" dirty="0">
+                <a:solidFill>
+                  <a:schemeClr val="bg1"/>
+                </a:solidFill>
+              </a:rPr>
+              <a:t>B</a:t>
             </a:r>
             <a:r>
               <a:rPr lang="en-AU" sz="3600" b="1" dirty="0" smtClean="0">
@@ -4515,7 +4640,31 @@
                   <a:schemeClr val="bg1"/>
                 </a:solidFill>
               </a:rPr>
-              <a:t>. cont.</a:t>
+              <a:t>inding </a:t>
+            </a:r>
+            <a:r>
+              <a:rPr lang="en-AU" sz="3600" b="1" dirty="0">
+                <a:solidFill>
+                  <a:schemeClr val="bg1"/>
+                </a:solidFill>
+              </a:rPr>
+              <a:t>P</a:t>
+            </a:r>
+            <a:r>
+              <a:rPr lang="en-AU" sz="3600" b="1" dirty="0" smtClean="0">
+                <a:solidFill>
+                  <a:schemeClr val="bg1"/>
+                </a:solidFill>
+              </a:rPr>
+              <a:t>roteins</a:t>
+            </a:r>
+            <a:r>
+              <a:rPr lang="en-AU" sz="3600" b="1" dirty="0" smtClean="0">
+                <a:solidFill>
+                  <a:schemeClr val="bg1"/>
+                </a:solidFill>
+              </a:rPr>
+              <a:t>. </a:t>
             </a:r>
             <a:endParaRPr lang="en-AU" sz="3600" b="1" dirty="0">
               <a:solidFill>
@@ -5108,7 +5257,7 @@
                   <a:schemeClr val="bg1"/>
                 </a:solidFill>
               </a:rPr>
-              <a:t>Candidate. Cont. </a:t>
+              <a:t>Candidate. </a:t>
             </a:r>
             <a:endParaRPr lang="en-AU" b="1" dirty="0">
               <a:solidFill>
@@ -5315,7 +5464,7 @@
         </p:nvSpPr>
         <p:spPr>
           <a:xfrm>
-            <a:off x="838200" y="1825625"/>
+            <a:off x="838200" y="2258752"/>
             <a:ext cx="6002867" cy="4351338"/>
           </a:xfrm>
         </p:spPr>
@@ -5327,15 +5476,11 @@
           <a:p>
             <a:r>
               <a:rPr lang="en-US" dirty="0" smtClean="0"/>
-              <a:t>Novel mechanism of </a:t>
-            </a:r>
-            <a:r>
-              <a:rPr lang="en-US" dirty="0" err="1" smtClean="0"/>
-              <a:t>miRNA</a:t>
+              <a:t>Novel mechanism of miRNA </a:t>
             </a:r>
             <a:r>
               <a:rPr lang="en-US" dirty="0" smtClean="0"/>
-              <a:t> function</a:t>
+              <a:t>function</a:t>
             </a:r>
           </a:p>
           <a:p>
@@ -5347,7 +5492,24 @@
           <a:p>
             <a:r>
               <a:rPr lang="en-US" dirty="0" smtClean="0"/>
-              <a:t>MicroRNAs exported within EVs have been linked to cancer metastasis </a:t>
+              <a:t>Irregularities in sorting can cause dysfunction in recipient cells.</a:t>
+            </a:r>
+            <a:endParaRPr lang="en-US" dirty="0" smtClean="0"/>
+          </a:p>
+          <a:p>
+            <a:pPr marL="0" indent="0">
+              <a:buNone/>
+            </a:pPr>
+            <a:endParaRPr lang="en-US" dirty="0" smtClean="0"/>
+          </a:p>
+          <a:p>
+            <a:r>
+              <a:rPr lang="en-US" dirty="0" smtClean="0"/>
+              <a:t>MiRNAs </a:t>
+            </a:r>
+            <a:r>
+              <a:rPr lang="en-US" dirty="0" smtClean="0"/>
+              <a:t>exported within EVs have been linked to cancer metastasis </a:t>
             </a:r>
           </a:p>
           <a:p>
@@ -5355,6 +5517,95 @@
           </a:p>
           <a:p>
             <a:endParaRPr lang="en-US" sz="2400" dirty="0"/>
+          </a:p>
+        </p:txBody>
+      </p:sp>
+      <p:pic>
+        <p:nvPicPr>
+          <p:cNvPr id="4" name="Picture 3"/>
+          <p:cNvPicPr>
+            <a:picLocks noChangeAspect="1"/>
+          </p:cNvPicPr>
+          <p:nvPr/>
+        </p:nvPicPr>
+        <p:blipFill rotWithShape="1">
+          <a:blip r:embed="rId2"/>
+          <a:srcRect l="70169"/>
+          <a:stretch/>
+        </p:blipFill>
+        <p:spPr>
+          <a:xfrm>
+            <a:off x="7332131" y="2936755"/>
+            <a:ext cx="4274908" cy="2995333"/>
+          </a:xfrm>
+          <a:prstGeom prst="rect">
+            <a:avLst/>
+          </a:prstGeom>
+        </p:spPr>
+      </p:pic>
+      <p:cxnSp>
+        <p:nvCxnSpPr>
+          <p:cNvPr id="6" name="Straight Arrow Connector 5"/>
+          <p:cNvCxnSpPr/>
+          <p:nvPr/>
+        </p:nvCxnSpPr>
+        <p:spPr>
+          <a:xfrm flipV="1">
+            <a:off x="8483600" y="2258752"/>
+            <a:ext cx="152400" cy="678003"/>
+          </a:xfrm>
+          <a:prstGeom prst="straightConnector1">
+            <a:avLst/>
+          </a:prstGeom>
+          <a:ln w="57150">
+            <a:solidFill>
+              <a:schemeClr val="tx1"/>
+            </a:solidFill>
+            <a:tailEnd type="triangle"/>
+          </a:ln>
+        </p:spPr>
+        <p:style>
+          <a:lnRef idx="1">
+            <a:schemeClr val="accent1"/>
+          </a:lnRef>
+          <a:fillRef idx="0">
+            <a:schemeClr val="accent1"/>
+          </a:fillRef>
+          <a:effectRef idx="0">
+            <a:schemeClr val="accent1"/>
+          </a:effectRef>
+          <a:fontRef idx="minor">
+            <a:schemeClr val="tx1"/>
+          </a:fontRef>
+        </p:style>
+      </p:cxnSp>
+      <p:sp>
+        <p:nvSpPr>
+          <p:cNvPr id="7" name="TextBox 6"/>
+          <p:cNvSpPr txBox="1"/>
+          <p:nvPr/>
+        </p:nvSpPr>
+        <p:spPr>
+          <a:xfrm>
+            <a:off x="8126960" y="1652716"/>
+            <a:ext cx="3049040" cy="461665"/>
+          </a:xfrm>
+          <a:prstGeom prst="rect">
+            <a:avLst/>
+          </a:prstGeom>
+          <a:noFill/>
+        </p:spPr>
+        <p:txBody>
+          <a:bodyPr wrap="none" rtlCol="0">
+            <a:spAutoFit/>
+          </a:bodyPr>
+          <a:lstStyle/>
+          <a:p>
+            <a:r>
+              <a:rPr lang="en-US" sz="2400" dirty="0" smtClean="0"/>
+              <a:t>Increases proliferation.</a:t>
+            </a:r>
+            <a:endParaRPr lang="en-AU" sz="2400" dirty="0"/>
           </a:p>
         </p:txBody>
       </p:sp>
@@ -5428,7 +5679,7 @@
       </p:sp>
       <p:sp>
         <p:nvSpPr>
-          <p:cNvPr id="3" name="Content Placeholder 2"/>
+          <p:cNvPr id="5" name="Content Placeholder 4"/>
           <p:cNvSpPr>
             <a:spLocks noGrp="1"/>
           </p:cNvSpPr>
@@ -5436,15 +5687,156 @@
             <p:ph idx="1"/>
           </p:nvPr>
         </p:nvSpPr>
-        <p:spPr/>
+        <p:spPr>
+          <a:xfrm>
+            <a:off x="838200" y="2404636"/>
+            <a:ext cx="10515600" cy="4351338"/>
+          </a:xfrm>
+        </p:spPr>
         <p:txBody>
           <a:bodyPr/>
           <a:lstStyle/>
           <a:p>
-            <a:endParaRPr lang="en-AU" dirty="0"/>
-          </a:p>
-        </p:txBody>
-      </p:sp>
+            <a:r>
+              <a:rPr lang="en-US" dirty="0" smtClean="0"/>
+              <a:t>Supervisor: A/Prof Michelle Hill</a:t>
+            </a:r>
+          </a:p>
+          <a:p>
+            <a:r>
+              <a:rPr lang="en-US" dirty="0" smtClean="0"/>
+              <a:t>Co-supervisor: </a:t>
+            </a:r>
+            <a:r>
+              <a:rPr lang="en-US" dirty="0" err="1" smtClean="0"/>
+              <a:t>Dr</a:t>
+            </a:r>
+            <a:r>
+              <a:rPr lang="en-US" dirty="0" smtClean="0"/>
+              <a:t> Alex </a:t>
+            </a:r>
+            <a:r>
+              <a:rPr lang="en-US" dirty="0" err="1" smtClean="0"/>
+              <a:t>Cristino</a:t>
+            </a:r>
+            <a:endParaRPr lang="en-US" dirty="0" smtClean="0"/>
+          </a:p>
+          <a:p>
+            <a:r>
+              <a:rPr lang="en-US" dirty="0" smtClean="0"/>
+              <a:t>Hill Lab</a:t>
+            </a:r>
+          </a:p>
+        </p:txBody>
+      </p:sp>
+      <p:grpSp>
+        <p:nvGrpSpPr>
+          <p:cNvPr id="6" name="Group 5"/>
+          <p:cNvGrpSpPr/>
+          <p:nvPr/>
+        </p:nvGrpSpPr>
+        <p:grpSpPr>
+          <a:xfrm>
+            <a:off x="6294641" y="2011892"/>
+            <a:ext cx="5682686" cy="4225340"/>
+            <a:chOff x="4134057" y="1355957"/>
+            <a:chExt cx="5682686" cy="4225340"/>
+          </a:xfrm>
+        </p:grpSpPr>
+        <p:pic>
+          <p:nvPicPr>
+            <p:cNvPr id="7" name="Picture 1"/>
+            <p:cNvPicPr>
+              <a:picLocks noChangeAspect="1" noChangeArrowheads="1"/>
+            </p:cNvPicPr>
+            <p:nvPr/>
+          </p:nvPicPr>
+          <p:blipFill>
+            <a:blip r:embed="rId3" cstate="print"/>
+            <a:srcRect/>
+            <a:stretch>
+              <a:fillRect/>
+            </a:stretch>
+          </p:blipFill>
+          <p:spPr bwMode="auto">
+            <a:xfrm>
+              <a:off x="6226365" y="4213145"/>
+              <a:ext cx="2101754" cy="1368152"/>
+            </a:xfrm>
+            <a:prstGeom prst="rect">
+              <a:avLst/>
+            </a:prstGeom>
+            <a:noFill/>
+            <a:ln w="9525">
+              <a:noFill/>
+              <a:miter lim="800000"/>
+              <a:headEnd/>
+              <a:tailEnd/>
+            </a:ln>
+          </p:spPr>
+        </p:pic>
+        <p:pic>
+          <p:nvPicPr>
+            <p:cNvPr id="8" name="Picture 7" descr="https://www.uq.edu.au/diamantina/staff-intranet/docs/comms/UQDIBrandColour.jpg"/>
+            <p:cNvPicPr>
+              <a:picLocks noChangeAspect="1" noChangeArrowheads="1"/>
+            </p:cNvPicPr>
+            <p:nvPr/>
+          </p:nvPicPr>
+          <p:blipFill>
+            <a:blip r:embed="rId4" cstate="print"/>
+            <a:srcRect/>
+            <a:stretch>
+              <a:fillRect/>
+            </a:stretch>
+          </p:blipFill>
+          <p:spPr bwMode="auto">
+            <a:xfrm>
+              <a:off x="4668231" y="1355957"/>
+              <a:ext cx="4896544" cy="785488"/>
+            </a:xfrm>
+            <a:prstGeom prst="rect">
+              <a:avLst/>
+            </a:prstGeom>
+            <a:noFill/>
+            <a:ln>
+              <a:noFill/>
+            </a:ln>
+          </p:spPr>
+        </p:pic>
+        <p:pic>
+          <p:nvPicPr>
+            <p:cNvPr id="9" name="Picture 8"/>
+            <p:cNvPicPr>
+              <a:picLocks noChangeAspect="1" noChangeArrowheads="1"/>
+            </p:cNvPicPr>
+            <p:nvPr/>
+          </p:nvPicPr>
+          <p:blipFill>
+            <a:blip r:embed="rId5" cstate="print"/>
+            <a:srcRect/>
+            <a:stretch>
+              <a:fillRect/>
+            </a:stretch>
+          </p:blipFill>
+          <p:spPr bwMode="auto">
+            <a:xfrm>
+              <a:off x="4134057" y="2900480"/>
+              <a:ext cx="5682686" cy="792088"/>
+            </a:xfrm>
+            <a:prstGeom prst="rect">
+              <a:avLst/>
+            </a:prstGeom>
+            <a:noFill/>
+            <a:ln w="9525">
+              <a:noFill/>
+              <a:miter lim="800000"/>
+              <a:headEnd/>
+              <a:tailEnd/>
+            </a:ln>
+          </p:spPr>
+        </p:pic>
+      </p:grpSp>
     </p:spTree>
     <p:extLst>
       <p:ext uri="{BB962C8B-B14F-4D97-AF65-F5344CB8AC3E}">
@@ -5711,7 +6103,7 @@
         </p:nvSpPr>
         <p:spPr>
           <a:xfrm>
-            <a:off x="5859299" y="1820094"/>
+            <a:off x="5571432" y="1820094"/>
             <a:ext cx="6038850" cy="4351338"/>
           </a:xfrm>
         </p:spPr>
@@ -6389,8 +6781,13 @@
           <a:p>
             <a:r>
               <a:rPr lang="en-AU" dirty="0" smtClean="0"/>
-              <a:t>Increased Caveolin-1 expression without Cavins.</a:t>
-            </a:r>
+              <a:t>Increased Caveolin-1 expression without </a:t>
+            </a:r>
+            <a:r>
+              <a:rPr lang="en-AU" dirty="0" smtClean="0"/>
+              <a:t>Cavins in PC3.</a:t>
+            </a:r>
+            <a:endParaRPr lang="en-AU" dirty="0" smtClean="0"/>
           </a:p>
           <a:p>
             <a:endParaRPr lang="en-AU" dirty="0"/>
@@ -6534,7 +6931,15 @@
                   <a:schemeClr val="bg1"/>
                 </a:solidFill>
               </a:rPr>
-              <a:t>Cavins and lipid rafts</a:t>
+              <a:t>Cavins and </a:t>
+            </a:r>
+            <a:r>
+              <a:rPr lang="en-US" b="1" dirty="0" smtClean="0">
+                <a:solidFill>
+                  <a:schemeClr val="bg1"/>
+                </a:solidFill>
+              </a:rPr>
+              <a:t>Export</a:t>
             </a:r>
             <a:endParaRPr lang="en-AU" b="1" dirty="0">
               <a:solidFill>
@@ -6736,8 +7141,8 @@
         </p:blipFill>
         <p:spPr>
           <a:xfrm>
-            <a:off x="859872" y="2838702"/>
-            <a:ext cx="10633123" cy="2222497"/>
+            <a:off x="623168" y="2878667"/>
+            <a:ext cx="11009022" cy="2301066"/>
           </a:xfrm>
           <a:prstGeom prst="rect">
             <a:avLst/>
@@ -6967,15 +7372,7 @@
                   <a:schemeClr val="bg1"/>
                 </a:solidFill>
               </a:rPr>
-              <a:t>Aim 1: Analysis of </a:t>
-            </a:r>
-            <a:r>
-              <a:rPr lang="en-US" b="1" dirty="0" err="1" smtClean="0">
-                <a:solidFill>
-                  <a:schemeClr val="bg1"/>
-                </a:solidFill>
-              </a:rPr>
-              <a:t>miRNA</a:t>
+              <a:t>Aim 1: Analysis of miRNA </a:t>
             </a:r>
             <a:r>
               <a:rPr lang="en-US" b="1" dirty="0" smtClean="0">
@@ -6983,7 +7380,7 @@
                   <a:schemeClr val="bg1"/>
                 </a:solidFill>
               </a:rPr>
-              <a:t> export</a:t>
+              <a:t>Export</a:t>
             </a:r>
             <a:endParaRPr lang="en-AU" b="1" dirty="0">
               <a:solidFill>

--- a/BackgroundInfo/Selective export of microRNA via extracellular vesicles (2).pptx
+++ b/BackgroundInfo/Selective export of microRNA via extracellular vesicles (2).pptx
@@ -5,7 +5,7 @@
     <p:sldMasterId id="2147483660" r:id="rId1"/>
   </p:sldMasterIdLst>
   <p:notesMasterIdLst>
-    <p:notesMasterId r:id="rId17"/>
+    <p:notesMasterId r:id="rId18"/>
   </p:notesMasterIdLst>
   <p:sldIdLst>
     <p:sldId id="256" r:id="rId2"/>
@@ -13,16 +13,17 @@
     <p:sldId id="258" r:id="rId4"/>
     <p:sldId id="259" r:id="rId5"/>
     <p:sldId id="272" r:id="rId6"/>
-    <p:sldId id="260" r:id="rId7"/>
-    <p:sldId id="261" r:id="rId8"/>
-    <p:sldId id="263" r:id="rId9"/>
-    <p:sldId id="264" r:id="rId10"/>
-    <p:sldId id="267" r:id="rId11"/>
-    <p:sldId id="268" r:id="rId12"/>
-    <p:sldId id="269" r:id="rId13"/>
-    <p:sldId id="270" r:id="rId14"/>
-    <p:sldId id="271" r:id="rId15"/>
-    <p:sldId id="273" r:id="rId16"/>
+    <p:sldId id="261" r:id="rId7"/>
+    <p:sldId id="263" r:id="rId8"/>
+    <p:sldId id="264" r:id="rId9"/>
+    <p:sldId id="267" r:id="rId10"/>
+    <p:sldId id="268" r:id="rId11"/>
+    <p:sldId id="269" r:id="rId12"/>
+    <p:sldId id="270" r:id="rId13"/>
+    <p:sldId id="271" r:id="rId14"/>
+    <p:sldId id="273" r:id="rId15"/>
+    <p:sldId id="274" r:id="rId16"/>
+    <p:sldId id="275" r:id="rId17"/>
   </p:sldIdLst>
   <p:sldSz cx="12192000" cy="6858000"/>
   <p:notesSz cx="6858000" cy="9144000"/>
@@ -211,7 +212,7 @@
           <a:p>
             <a:fld id="{0B21FBDF-C287-422C-92BB-131BF3E59FE0}" type="datetimeFigureOut">
               <a:rPr lang="en-AU" smtClean="0"/>
-              <a:t>22/03/2016</a:t>
+              <a:t>27/03/2016</a:t>
             </a:fld>
             <a:endParaRPr lang="en-AU"/>
           </a:p>
@@ -523,6 +524,10 @@
           <a:bodyPr/>
           <a:lstStyle/>
           <a:p>
+            <a:r>
+              <a:rPr lang="en-AU" dirty="0" smtClean="0"/>
+              <a:t>10</a:t>
+            </a:r>
             <a:endParaRPr lang="en-AU" dirty="0"/>
           </a:p>
         </p:txBody>
@@ -554,6 +559,358 @@
     <p:extLst>
       <p:ext uri="{BB962C8B-B14F-4D97-AF65-F5344CB8AC3E}">
         <p14:creationId xmlns:p14="http://schemas.microsoft.com/office/powerpoint/2010/main" val="3134058491"/>
+      </p:ext>
+    </p:extLst>
+  </p:cSld>
+  <p:clrMapOvr>
+    <a:masterClrMapping/>
+  </p:clrMapOvr>
+</p:notes>
+</file>
+
+<file path=ppt/notesSlides/notesSlide10.xml><?xml version="1.0" encoding="utf-8"?>
+<p:notes xmlns:a="http://schemas.openxmlformats.org/drawingml/2006/main" xmlns:r="http://schemas.openxmlformats.org/officeDocument/2006/relationships" xmlns:p="http://schemas.openxmlformats.org/presentationml/2006/main">
+  <p:cSld>
+    <p:spTree>
+      <p:nvGrpSpPr>
+        <p:cNvPr id="1" name=""/>
+        <p:cNvGrpSpPr/>
+        <p:nvPr/>
+      </p:nvGrpSpPr>
+      <p:grpSpPr>
+        <a:xfrm>
+          <a:off x="0" y="0"/>
+          <a:ext cx="0" cy="0"/>
+          <a:chOff x="0" y="0"/>
+          <a:chExt cx="0" cy="0"/>
+        </a:xfrm>
+      </p:grpSpPr>
+      <p:sp>
+        <p:nvSpPr>
+          <p:cNvPr id="2" name="Slide Image Placeholder 1"/>
+          <p:cNvSpPr>
+            <a:spLocks noGrp="1" noRot="1" noChangeAspect="1"/>
+          </p:cNvSpPr>
+          <p:nvPr>
+            <p:ph type="sldImg"/>
+          </p:nvPr>
+        </p:nvSpPr>
+        <p:spPr/>
+      </p:sp>
+      <p:sp>
+        <p:nvSpPr>
+          <p:cNvPr id="3" name="Notes Placeholder 2"/>
+          <p:cNvSpPr>
+            <a:spLocks noGrp="1"/>
+          </p:cNvSpPr>
+          <p:nvPr>
+            <p:ph type="body" idx="1"/>
+          </p:nvPr>
+        </p:nvSpPr>
+        <p:spPr/>
+        <p:txBody>
+          <a:bodyPr/>
+          <a:lstStyle/>
+          <a:p>
+            <a:r>
+              <a:rPr lang="en-AU" dirty="0" smtClean="0"/>
+              <a:t>6.50</a:t>
+            </a:r>
+            <a:endParaRPr lang="en-AU" dirty="0"/>
+          </a:p>
+        </p:txBody>
+      </p:sp>
+      <p:sp>
+        <p:nvSpPr>
+          <p:cNvPr id="4" name="Slide Number Placeholder 3"/>
+          <p:cNvSpPr>
+            <a:spLocks noGrp="1"/>
+          </p:cNvSpPr>
+          <p:nvPr>
+            <p:ph type="sldNum" sz="quarter" idx="10"/>
+          </p:nvPr>
+        </p:nvSpPr>
+        <p:spPr/>
+        <p:txBody>
+          <a:bodyPr/>
+          <a:lstStyle/>
+          <a:p>
+            <a:fld id="{50E92962-0362-434D-A7A6-86BA87293389}" type="slidenum">
+              <a:rPr lang="en-AU" smtClean="0"/>
+              <a:t>10</a:t>
+            </a:fld>
+            <a:endParaRPr lang="en-AU"/>
+          </a:p>
+        </p:txBody>
+      </p:sp>
+    </p:spTree>
+    <p:extLst>
+      <p:ext uri="{BB962C8B-B14F-4D97-AF65-F5344CB8AC3E}">
+        <p14:creationId xmlns:p14="http://schemas.microsoft.com/office/powerpoint/2010/main" val="4140009915"/>
+      </p:ext>
+    </p:extLst>
+  </p:cSld>
+  <p:clrMapOvr>
+    <a:masterClrMapping/>
+  </p:clrMapOvr>
+</p:notes>
+</file>
+
+<file path=ppt/notesSlides/notesSlide11.xml><?xml version="1.0" encoding="utf-8"?>
+<p:notes xmlns:a="http://schemas.openxmlformats.org/drawingml/2006/main" xmlns:r="http://schemas.openxmlformats.org/officeDocument/2006/relationships" xmlns:p="http://schemas.openxmlformats.org/presentationml/2006/main">
+  <p:cSld>
+    <p:spTree>
+      <p:nvGrpSpPr>
+        <p:cNvPr id="1" name=""/>
+        <p:cNvGrpSpPr/>
+        <p:nvPr/>
+      </p:nvGrpSpPr>
+      <p:grpSpPr>
+        <a:xfrm>
+          <a:off x="0" y="0"/>
+          <a:ext cx="0" cy="0"/>
+          <a:chOff x="0" y="0"/>
+          <a:chExt cx="0" cy="0"/>
+        </a:xfrm>
+      </p:grpSpPr>
+      <p:sp>
+        <p:nvSpPr>
+          <p:cNvPr id="2" name="Slide Image Placeholder 1"/>
+          <p:cNvSpPr>
+            <a:spLocks noGrp="1" noRot="1" noChangeAspect="1"/>
+          </p:cNvSpPr>
+          <p:nvPr>
+            <p:ph type="sldImg"/>
+          </p:nvPr>
+        </p:nvSpPr>
+        <p:spPr/>
+      </p:sp>
+      <p:sp>
+        <p:nvSpPr>
+          <p:cNvPr id="3" name="Notes Placeholder 2"/>
+          <p:cNvSpPr>
+            <a:spLocks noGrp="1"/>
+          </p:cNvSpPr>
+          <p:nvPr>
+            <p:ph type="body" idx="1"/>
+          </p:nvPr>
+        </p:nvSpPr>
+        <p:spPr/>
+        <p:txBody>
+          <a:bodyPr/>
+          <a:lstStyle/>
+          <a:p>
+            <a:r>
+              <a:rPr lang="en-AU" dirty="0" smtClean="0"/>
+              <a:t>7.25</a:t>
+            </a:r>
+            <a:endParaRPr lang="en-AU" dirty="0"/>
+          </a:p>
+        </p:txBody>
+      </p:sp>
+      <p:sp>
+        <p:nvSpPr>
+          <p:cNvPr id="4" name="Slide Number Placeholder 3"/>
+          <p:cNvSpPr>
+            <a:spLocks noGrp="1"/>
+          </p:cNvSpPr>
+          <p:nvPr>
+            <p:ph type="sldNum" sz="quarter" idx="10"/>
+          </p:nvPr>
+        </p:nvSpPr>
+        <p:spPr/>
+        <p:txBody>
+          <a:bodyPr/>
+          <a:lstStyle/>
+          <a:p>
+            <a:fld id="{50E92962-0362-434D-A7A6-86BA87293389}" type="slidenum">
+              <a:rPr lang="en-AU" smtClean="0"/>
+              <a:t>11</a:t>
+            </a:fld>
+            <a:endParaRPr lang="en-AU"/>
+          </a:p>
+        </p:txBody>
+      </p:sp>
+    </p:spTree>
+    <p:extLst>
+      <p:ext uri="{BB962C8B-B14F-4D97-AF65-F5344CB8AC3E}">
+        <p14:creationId xmlns:p14="http://schemas.microsoft.com/office/powerpoint/2010/main" val="4235923329"/>
+      </p:ext>
+    </p:extLst>
+  </p:cSld>
+  <p:clrMapOvr>
+    <a:masterClrMapping/>
+  </p:clrMapOvr>
+</p:notes>
+</file>
+
+<file path=ppt/notesSlides/notesSlide12.xml><?xml version="1.0" encoding="utf-8"?>
+<p:notes xmlns:a="http://schemas.openxmlformats.org/drawingml/2006/main" xmlns:r="http://schemas.openxmlformats.org/officeDocument/2006/relationships" xmlns:p="http://schemas.openxmlformats.org/presentationml/2006/main">
+  <p:cSld>
+    <p:spTree>
+      <p:nvGrpSpPr>
+        <p:cNvPr id="1" name=""/>
+        <p:cNvGrpSpPr/>
+        <p:nvPr/>
+      </p:nvGrpSpPr>
+      <p:grpSpPr>
+        <a:xfrm>
+          <a:off x="0" y="0"/>
+          <a:ext cx="0" cy="0"/>
+          <a:chOff x="0" y="0"/>
+          <a:chExt cx="0" cy="0"/>
+        </a:xfrm>
+      </p:grpSpPr>
+      <p:sp>
+        <p:nvSpPr>
+          <p:cNvPr id="2" name="Slide Image Placeholder 1"/>
+          <p:cNvSpPr>
+            <a:spLocks noGrp="1" noRot="1" noChangeAspect="1"/>
+          </p:cNvSpPr>
+          <p:nvPr>
+            <p:ph type="sldImg"/>
+          </p:nvPr>
+        </p:nvSpPr>
+        <p:spPr/>
+      </p:sp>
+      <p:sp>
+        <p:nvSpPr>
+          <p:cNvPr id="3" name="Notes Placeholder 2"/>
+          <p:cNvSpPr>
+            <a:spLocks noGrp="1"/>
+          </p:cNvSpPr>
+          <p:nvPr>
+            <p:ph type="body" idx="1"/>
+          </p:nvPr>
+        </p:nvSpPr>
+        <p:spPr/>
+        <p:txBody>
+          <a:bodyPr/>
+          <a:lstStyle/>
+          <a:p>
+            <a:endParaRPr lang="en-AU" dirty="0"/>
+          </a:p>
+        </p:txBody>
+      </p:sp>
+      <p:sp>
+        <p:nvSpPr>
+          <p:cNvPr id="4" name="Slide Number Placeholder 3"/>
+          <p:cNvSpPr>
+            <a:spLocks noGrp="1"/>
+          </p:cNvSpPr>
+          <p:nvPr>
+            <p:ph type="sldNum" sz="quarter" idx="10"/>
+          </p:nvPr>
+        </p:nvSpPr>
+        <p:spPr/>
+        <p:txBody>
+          <a:bodyPr/>
+          <a:lstStyle/>
+          <a:p>
+            <a:fld id="{50E92962-0362-434D-A7A6-86BA87293389}" type="slidenum">
+              <a:rPr lang="en-AU" smtClean="0"/>
+              <a:t>14</a:t>
+            </a:fld>
+            <a:endParaRPr lang="en-AU"/>
+          </a:p>
+        </p:txBody>
+      </p:sp>
+    </p:spTree>
+    <p:extLst>
+      <p:ext uri="{BB962C8B-B14F-4D97-AF65-F5344CB8AC3E}">
+        <p14:creationId xmlns:p14="http://schemas.microsoft.com/office/powerpoint/2010/main" val="1244007472"/>
+      </p:ext>
+    </p:extLst>
+  </p:cSld>
+  <p:clrMapOvr>
+    <a:masterClrMapping/>
+  </p:clrMapOvr>
+</p:notes>
+</file>
+
+<file path=ppt/notesSlides/notesSlide13.xml><?xml version="1.0" encoding="utf-8"?>
+<p:notes xmlns:a="http://schemas.openxmlformats.org/drawingml/2006/main" xmlns:r="http://schemas.openxmlformats.org/officeDocument/2006/relationships" xmlns:p="http://schemas.openxmlformats.org/presentationml/2006/main">
+  <p:cSld>
+    <p:spTree>
+      <p:nvGrpSpPr>
+        <p:cNvPr id="1" name=""/>
+        <p:cNvGrpSpPr/>
+        <p:nvPr/>
+      </p:nvGrpSpPr>
+      <p:grpSpPr>
+        <a:xfrm>
+          <a:off x="0" y="0"/>
+          <a:ext cx="0" cy="0"/>
+          <a:chOff x="0" y="0"/>
+          <a:chExt cx="0" cy="0"/>
+        </a:xfrm>
+      </p:grpSpPr>
+      <p:sp>
+        <p:nvSpPr>
+          <p:cNvPr id="2" name="Slide Image Placeholder 1"/>
+          <p:cNvSpPr>
+            <a:spLocks noGrp="1" noRot="1" noChangeAspect="1"/>
+          </p:cNvSpPr>
+          <p:nvPr>
+            <p:ph type="sldImg"/>
+          </p:nvPr>
+        </p:nvSpPr>
+        <p:spPr/>
+      </p:sp>
+      <p:sp>
+        <p:nvSpPr>
+          <p:cNvPr id="3" name="Notes Placeholder 2"/>
+          <p:cNvSpPr>
+            <a:spLocks noGrp="1"/>
+          </p:cNvSpPr>
+          <p:nvPr>
+            <p:ph type="body" idx="1"/>
+          </p:nvPr>
+        </p:nvSpPr>
+        <p:spPr/>
+        <p:txBody>
+          <a:bodyPr/>
+          <a:lstStyle/>
+          <a:p>
+            <a:r>
+              <a:rPr lang="en-US" dirty="0" smtClean="0"/>
+              <a:t>Why</a:t>
+            </a:r>
+            <a:r>
+              <a:rPr lang="en-US" baseline="0" dirty="0" smtClean="0"/>
+              <a:t> filter? Increases the speed of the transformation and testing. </a:t>
+            </a:r>
+            <a:endParaRPr lang="en-AU" dirty="0"/>
+          </a:p>
+        </p:txBody>
+      </p:sp>
+      <p:sp>
+        <p:nvSpPr>
+          <p:cNvPr id="4" name="Slide Number Placeholder 3"/>
+          <p:cNvSpPr>
+            <a:spLocks noGrp="1"/>
+          </p:cNvSpPr>
+          <p:nvPr>
+            <p:ph type="sldNum" sz="quarter" idx="10"/>
+          </p:nvPr>
+        </p:nvSpPr>
+        <p:spPr/>
+        <p:txBody>
+          <a:bodyPr/>
+          <a:lstStyle/>
+          <a:p>
+            <a:fld id="{50E92962-0362-434D-A7A6-86BA87293389}" type="slidenum">
+              <a:rPr lang="en-AU" smtClean="0"/>
+              <a:t>15</a:t>
+            </a:fld>
+            <a:endParaRPr lang="en-AU"/>
+          </a:p>
+        </p:txBody>
+      </p:sp>
+    </p:spTree>
+    <p:extLst>
+      <p:ext uri="{BB962C8B-B14F-4D97-AF65-F5344CB8AC3E}">
+        <p14:creationId xmlns:p14="http://schemas.microsoft.com/office/powerpoint/2010/main" val="1864688049"/>
       </p:ext>
     </p:extLst>
   </p:cSld>
@@ -607,6 +964,14 @@
           <a:bodyPr/>
           <a:lstStyle/>
           <a:p>
+            <a:r>
+              <a:rPr lang="en-AU" dirty="0" smtClean="0"/>
+              <a:t>55. What, how,</a:t>
+            </a:r>
+            <a:r>
+              <a:rPr lang="en-AU" baseline="0" dirty="0" smtClean="0"/>
+              <a:t> affect on entire pathways, need for regulation. Recently, an exciting finding…</a:t>
+            </a:r>
             <a:endParaRPr lang="en-AU" dirty="0"/>
           </a:p>
         </p:txBody>
@@ -692,12 +1057,52 @@
           <a:lstStyle/>
           <a:p>
             <a:r>
-              <a:rPr lang="en-US" dirty="0" smtClean="0"/>
-              <a:t>What, contents, advantages..</a:t>
-            </a:r>
-            <a:r>
-              <a:rPr lang="en-US" baseline="0" dirty="0" smtClean="0"/>
-              <a:t> Hereby, investigating the content can reveal function or irregularities occurring in intercellular communication</a:t>
+              <a:rPr lang="en-AU" dirty="0" smtClean="0"/>
+              <a:t>1.20. Comprised</a:t>
+            </a:r>
+            <a:r>
+              <a:rPr lang="en-AU" baseline="0" dirty="0" smtClean="0"/>
+              <a:t> of.., </a:t>
+            </a:r>
+            <a:r>
+              <a:rPr lang="en-AU" baseline="0" dirty="0" err="1" smtClean="0"/>
+              <a:t>Extracllular</a:t>
+            </a:r>
+            <a:r>
+              <a:rPr lang="en-AU" baseline="0" dirty="0" smtClean="0"/>
+              <a:t> space rife with </a:t>
+            </a:r>
+            <a:r>
+              <a:rPr lang="en-AU" baseline="0" dirty="0" err="1" smtClean="0"/>
+              <a:t>RNase</a:t>
+            </a:r>
+            <a:r>
+              <a:rPr lang="en-AU" baseline="0" dirty="0" smtClean="0"/>
+              <a:t> activity.. This allows for the </a:t>
+            </a:r>
+            <a:r>
+              <a:rPr lang="en-AU" baseline="0" dirty="0" err="1" smtClean="0"/>
+              <a:t>mIRNAs</a:t>
+            </a:r>
+            <a:r>
+              <a:rPr lang="en-AU" baseline="0" dirty="0" smtClean="0"/>
+              <a:t> to </a:t>
+            </a:r>
+            <a:r>
+              <a:rPr lang="en-AU" baseline="0" dirty="0" err="1" smtClean="0"/>
+              <a:t>ove</a:t>
+            </a:r>
+            <a:r>
+              <a:rPr lang="en-AU" baseline="0" dirty="0" smtClean="0"/>
+              <a:t> between cells. Hereby detailing a novel </a:t>
+            </a:r>
+            <a:r>
+              <a:rPr lang="en-AU" baseline="0" dirty="0" err="1" smtClean="0"/>
+              <a:t>echanism</a:t>
+            </a:r>
+            <a:r>
+              <a:rPr lang="en-AU" baseline="0" dirty="0" smtClean="0"/>
+              <a:t> for communication. </a:t>
             </a:r>
             <a:endParaRPr lang="en-AU" dirty="0"/>
           </a:p>
@@ -785,7 +1190,7 @@
           <a:p>
             <a:r>
               <a:rPr lang="en-US" dirty="0" smtClean="0"/>
-              <a:t>Very little</a:t>
+              <a:t>2.15. Very little</a:t>
             </a:r>
             <a:r>
               <a:rPr lang="en-US" baseline="0" dirty="0" smtClean="0"/>
@@ -889,7 +1294,7 @@
           <a:p>
             <a:r>
               <a:rPr lang="en-US" dirty="0" smtClean="0"/>
-              <a:t>Lipid raft composition may be</a:t>
+              <a:t>2.55. Lipid raft composition may be</a:t>
             </a:r>
             <a:r>
               <a:rPr lang="en-US" baseline="0" dirty="0" smtClean="0"/>
@@ -979,6 +1384,10 @@
           <a:bodyPr/>
           <a:lstStyle/>
           <a:p>
+            <a:r>
+              <a:rPr lang="en-AU" dirty="0" smtClean="0"/>
+              <a:t>3.55</a:t>
+            </a:r>
             <a:endParaRPr lang="en-AU" dirty="0"/>
           </a:p>
         </p:txBody>
@@ -1009,7 +1418,7 @@
     </p:spTree>
     <p:extLst>
       <p:ext uri="{BB962C8B-B14F-4D97-AF65-F5344CB8AC3E}">
-        <p14:creationId xmlns:p14="http://schemas.microsoft.com/office/powerpoint/2010/main" val="2920998388"/>
+        <p14:creationId xmlns:p14="http://schemas.microsoft.com/office/powerpoint/2010/main" val="1939772178"/>
       </p:ext>
     </p:extLst>
   </p:cSld>
@@ -1063,29 +1472,10 @@
           <a:bodyPr/>
           <a:lstStyle/>
           <a:p>
-            <a:pPr marL="0" marR="0" indent="0" algn="l" defTabSz="914400" rtl="0" eaLnBrk="1" fontAlgn="auto" latinLnBrk="0" hangingPunct="1">
-              <a:lnSpc>
-                <a:spcPct val="100000"/>
-              </a:lnSpc>
-              <a:spcBef>
-                <a:spcPts val="0"/>
-              </a:spcBef>
-              <a:spcAft>
-                <a:spcPts val="0"/>
-              </a:spcAft>
-              <a:buClrTx/>
-              <a:buSzTx/>
-              <a:buFontTx/>
-              <a:buNone/>
-              <a:tabLst/>
-              <a:defRPr/>
-            </a:pPr>
-            <a:r>
-              <a:rPr lang="en-AU" sz="1200" dirty="0" smtClean="0"/>
-              <a:t>GO:0003723</a:t>
-            </a:r>
-          </a:p>
-          <a:p>
+            <a:r>
+              <a:rPr lang="en-AU" dirty="0" smtClean="0"/>
+              <a:t>4.25</a:t>
+            </a:r>
             <a:endParaRPr lang="en-AU" dirty="0"/>
           </a:p>
         </p:txBody>
@@ -1107,7 +1497,7 @@
           <a:p>
             <a:fld id="{50E92962-0362-434D-A7A6-86BA87293389}" type="slidenum">
               <a:rPr lang="en-AU" smtClean="0"/>
-              <a:t>10</a:t>
+              <a:t>7</a:t>
             </a:fld>
             <a:endParaRPr lang="en-AU"/>
           </a:p>
@@ -1116,7 +1506,7 @@
     </p:spTree>
     <p:extLst>
       <p:ext uri="{BB962C8B-B14F-4D97-AF65-F5344CB8AC3E}">
-        <p14:creationId xmlns:p14="http://schemas.microsoft.com/office/powerpoint/2010/main" val="3382151156"/>
+        <p14:creationId xmlns:p14="http://schemas.microsoft.com/office/powerpoint/2010/main" val="3980211734"/>
       </p:ext>
     </p:extLst>
   </p:cSld>
@@ -1170,6 +1560,10 @@
           <a:bodyPr/>
           <a:lstStyle/>
           <a:p>
+            <a:r>
+              <a:rPr lang="en-AU" dirty="0" smtClean="0"/>
+              <a:t>5.30</a:t>
+            </a:r>
             <a:endParaRPr lang="en-AU" dirty="0"/>
           </a:p>
         </p:txBody>
@@ -1191,7 +1585,7 @@
           <a:p>
             <a:fld id="{50E92962-0362-434D-A7A6-86BA87293389}" type="slidenum">
               <a:rPr lang="en-AU" smtClean="0"/>
-              <a:t>11</a:t>
+              <a:t>8</a:t>
             </a:fld>
             <a:endParaRPr lang="en-AU"/>
           </a:p>
@@ -1200,7 +1594,7 @@
     </p:spTree>
     <p:extLst>
       <p:ext uri="{BB962C8B-B14F-4D97-AF65-F5344CB8AC3E}">
-        <p14:creationId xmlns:p14="http://schemas.microsoft.com/office/powerpoint/2010/main" val="4140009915"/>
+        <p14:creationId xmlns:p14="http://schemas.microsoft.com/office/powerpoint/2010/main" val="2333036110"/>
       </p:ext>
     </p:extLst>
   </p:cSld>
@@ -1254,6 +1648,29 @@
           <a:bodyPr/>
           <a:lstStyle/>
           <a:p>
+            <a:pPr marL="0" marR="0" indent="0" algn="l" defTabSz="914400" rtl="0" eaLnBrk="1" fontAlgn="auto" latinLnBrk="0" hangingPunct="1">
+              <a:lnSpc>
+                <a:spcPct val="100000"/>
+              </a:lnSpc>
+              <a:spcBef>
+                <a:spcPts val="0"/>
+              </a:spcBef>
+              <a:spcAft>
+                <a:spcPts val="0"/>
+              </a:spcAft>
+              <a:buClrTx/>
+              <a:buSzTx/>
+              <a:buFontTx/>
+              <a:buNone/>
+              <a:tabLst/>
+              <a:defRPr/>
+            </a:pPr>
+            <a:r>
+              <a:rPr lang="en-AU" sz="1200" dirty="0" smtClean="0"/>
+              <a:t>6.05. GO:0003723</a:t>
+            </a:r>
+          </a:p>
+          <a:p>
             <a:endParaRPr lang="en-AU" dirty="0"/>
           </a:p>
         </p:txBody>
@@ -1275,7 +1692,7 @@
           <a:p>
             <a:fld id="{50E92962-0362-434D-A7A6-86BA87293389}" type="slidenum">
               <a:rPr lang="en-AU" smtClean="0"/>
-              <a:t>15</a:t>
+              <a:t>9</a:t>
             </a:fld>
             <a:endParaRPr lang="en-AU"/>
           </a:p>
@@ -1284,7 +1701,7 @@
     </p:spTree>
     <p:extLst>
       <p:ext uri="{BB962C8B-B14F-4D97-AF65-F5344CB8AC3E}">
-        <p14:creationId xmlns:p14="http://schemas.microsoft.com/office/powerpoint/2010/main" val="1244007472"/>
+        <p14:creationId xmlns:p14="http://schemas.microsoft.com/office/powerpoint/2010/main" val="3382151156"/>
       </p:ext>
     </p:extLst>
   </p:cSld>
@@ -1425,7 +1842,7 @@
           <a:p>
             <a:fld id="{D006A5F5-722B-4365-93E1-21E835194C29}" type="datetimeFigureOut">
               <a:rPr lang="en-AU" smtClean="0"/>
-              <a:t>22/03/2016</a:t>
+              <a:t>27/03/2016</a:t>
             </a:fld>
             <a:endParaRPr lang="en-AU"/>
           </a:p>
@@ -1595,7 +2012,7 @@
           <a:p>
             <a:fld id="{D006A5F5-722B-4365-93E1-21E835194C29}" type="datetimeFigureOut">
               <a:rPr lang="en-AU" smtClean="0"/>
-              <a:t>22/03/2016</a:t>
+              <a:t>27/03/2016</a:t>
             </a:fld>
             <a:endParaRPr lang="en-AU"/>
           </a:p>
@@ -1775,7 +2192,7 @@
           <a:p>
             <a:fld id="{D006A5F5-722B-4365-93E1-21E835194C29}" type="datetimeFigureOut">
               <a:rPr lang="en-AU" smtClean="0"/>
-              <a:t>22/03/2016</a:t>
+              <a:t>27/03/2016</a:t>
             </a:fld>
             <a:endParaRPr lang="en-AU"/>
           </a:p>
@@ -1945,7 +2362,7 @@
           <a:p>
             <a:fld id="{D006A5F5-722B-4365-93E1-21E835194C29}" type="datetimeFigureOut">
               <a:rPr lang="en-AU" smtClean="0"/>
-              <a:t>22/03/2016</a:t>
+              <a:t>27/03/2016</a:t>
             </a:fld>
             <a:endParaRPr lang="en-AU"/>
           </a:p>
@@ -2191,7 +2608,7 @@
           <a:p>
             <a:fld id="{D006A5F5-722B-4365-93E1-21E835194C29}" type="datetimeFigureOut">
               <a:rPr lang="en-AU" smtClean="0"/>
-              <a:t>22/03/2016</a:t>
+              <a:t>27/03/2016</a:t>
             </a:fld>
             <a:endParaRPr lang="en-AU"/>
           </a:p>
@@ -2423,7 +2840,7 @@
           <a:p>
             <a:fld id="{D006A5F5-722B-4365-93E1-21E835194C29}" type="datetimeFigureOut">
               <a:rPr lang="en-AU" smtClean="0"/>
-              <a:t>22/03/2016</a:t>
+              <a:t>27/03/2016</a:t>
             </a:fld>
             <a:endParaRPr lang="en-AU"/>
           </a:p>
@@ -2790,7 +3207,7 @@
           <a:p>
             <a:fld id="{D006A5F5-722B-4365-93E1-21E835194C29}" type="datetimeFigureOut">
               <a:rPr lang="en-AU" smtClean="0"/>
-              <a:t>22/03/2016</a:t>
+              <a:t>27/03/2016</a:t>
             </a:fld>
             <a:endParaRPr lang="en-AU"/>
           </a:p>
@@ -2908,7 +3325,7 @@
           <a:p>
             <a:fld id="{D006A5F5-722B-4365-93E1-21E835194C29}" type="datetimeFigureOut">
               <a:rPr lang="en-AU" smtClean="0"/>
-              <a:t>22/03/2016</a:t>
+              <a:t>27/03/2016</a:t>
             </a:fld>
             <a:endParaRPr lang="en-AU"/>
           </a:p>
@@ -3003,7 +3420,7 @@
           <a:p>
             <a:fld id="{D006A5F5-722B-4365-93E1-21E835194C29}" type="datetimeFigureOut">
               <a:rPr lang="en-AU" smtClean="0"/>
-              <a:t>22/03/2016</a:t>
+              <a:t>27/03/2016</a:t>
             </a:fld>
             <a:endParaRPr lang="en-AU"/>
           </a:p>
@@ -3280,7 +3697,7 @@
           <a:p>
             <a:fld id="{D006A5F5-722B-4365-93E1-21E835194C29}" type="datetimeFigureOut">
               <a:rPr lang="en-AU" smtClean="0"/>
-              <a:t>22/03/2016</a:t>
+              <a:t>27/03/2016</a:t>
             </a:fld>
             <a:endParaRPr lang="en-AU"/>
           </a:p>
@@ -3537,7 +3954,7 @@
           <a:p>
             <a:fld id="{D006A5F5-722B-4365-93E1-21E835194C29}" type="datetimeFigureOut">
               <a:rPr lang="en-AU" smtClean="0"/>
-              <a:t>22/03/2016</a:t>
+              <a:t>27/03/2016</a:t>
             </a:fld>
             <a:endParaRPr lang="en-AU"/>
           </a:p>
@@ -3759,7 +4176,7 @@
           <a:p>
             <a:fld id="{D006A5F5-722B-4365-93E1-21E835194C29}" type="datetimeFigureOut">
               <a:rPr lang="en-AU" smtClean="0"/>
-              <a:t>22/03/2016</a:t>
+              <a:t>27/03/2016</a:t>
             </a:fld>
             <a:endParaRPr lang="en-AU"/>
           </a:p>
@@ -4317,263 +4734,6 @@
             <p:ph type="title"/>
           </p:nvPr>
         </p:nvSpPr>
-        <p:spPr/>
-        <p:txBody>
-          <a:bodyPr>
-            <a:normAutofit/>
-          </a:bodyPr>
-          <a:lstStyle/>
-          <a:p>
-            <a:r>
-              <a:rPr lang="en-AU" sz="4000" b="1" dirty="0" smtClean="0">
-                <a:solidFill>
-                  <a:schemeClr val="bg1"/>
-                </a:solidFill>
-              </a:rPr>
-              <a:t>Aim 2: Identify </a:t>
-            </a:r>
-            <a:r>
-              <a:rPr lang="en-AU" sz="4000" b="1" dirty="0" smtClean="0">
-                <a:solidFill>
-                  <a:schemeClr val="bg1"/>
-                </a:solidFill>
-              </a:rPr>
-              <a:t>Candidate </a:t>
-            </a:r>
-            <a:r>
-              <a:rPr lang="en-AU" sz="4000" b="1" dirty="0" err="1" smtClean="0">
-                <a:solidFill>
-                  <a:schemeClr val="bg1"/>
-                </a:solidFill>
-              </a:rPr>
-              <a:t>miR</a:t>
-            </a:r>
-            <a:r>
-              <a:rPr lang="en-AU" sz="4000" b="1" dirty="0" smtClean="0">
-                <a:solidFill>
-                  <a:schemeClr val="bg1"/>
-                </a:solidFill>
-              </a:rPr>
-              <a:t> </a:t>
-            </a:r>
-            <a:r>
-              <a:rPr lang="en-AU" sz="4000" b="1" dirty="0" smtClean="0">
-                <a:solidFill>
-                  <a:schemeClr val="bg1"/>
-                </a:solidFill>
-              </a:rPr>
-              <a:t>Binding </a:t>
-            </a:r>
-            <a:r>
-              <a:rPr lang="en-AU" sz="4000" b="1" dirty="0">
-                <a:solidFill>
-                  <a:schemeClr val="bg1"/>
-                </a:solidFill>
-              </a:rPr>
-              <a:t>P</a:t>
-            </a:r>
-            <a:r>
-              <a:rPr lang="en-AU" sz="4000" b="1" dirty="0" smtClean="0">
-                <a:solidFill>
-                  <a:schemeClr val="bg1"/>
-                </a:solidFill>
-              </a:rPr>
-              <a:t>roteins</a:t>
-            </a:r>
-            <a:r>
-              <a:rPr lang="en-AU" sz="4000" b="1" dirty="0" smtClean="0">
-                <a:solidFill>
-                  <a:schemeClr val="bg1"/>
-                </a:solidFill>
-              </a:rPr>
-              <a:t>.</a:t>
-            </a:r>
-            <a:endParaRPr lang="en-AU" sz="4000" b="1" dirty="0">
-              <a:solidFill>
-                <a:schemeClr val="bg1"/>
-              </a:solidFill>
-            </a:endParaRPr>
-          </a:p>
-        </p:txBody>
-      </p:sp>
-      <p:sp>
-        <p:nvSpPr>
-          <p:cNvPr id="3" name="Content Placeholder 2"/>
-          <p:cNvSpPr>
-            <a:spLocks noGrp="1"/>
-          </p:cNvSpPr>
-          <p:nvPr>
-            <p:ph idx="1"/>
-          </p:nvPr>
-        </p:nvSpPr>
-        <p:spPr>
-          <a:xfrm>
-            <a:off x="838200" y="1583140"/>
-            <a:ext cx="5729216" cy="4593823"/>
-          </a:xfrm>
-        </p:spPr>
-        <p:txBody>
-          <a:bodyPr>
-            <a:normAutofit fontScale="92500" lnSpcReduction="20000"/>
-          </a:bodyPr>
-          <a:lstStyle/>
-          <a:p>
-            <a:pPr marL="0" indent="0">
-              <a:buNone/>
-            </a:pPr>
-            <a:r>
-              <a:rPr lang="en-AU" b="1" dirty="0" smtClean="0"/>
-              <a:t>Method 1: Computational analysis. </a:t>
-            </a:r>
-          </a:p>
-          <a:p>
-            <a:pPr marL="0" indent="0">
-              <a:buNone/>
-            </a:pPr>
-            <a:endParaRPr lang="en-AU" sz="2200" dirty="0" smtClean="0"/>
-          </a:p>
-          <a:p>
-            <a:pPr>
-              <a:lnSpc>
-                <a:spcPct val="100000"/>
-              </a:lnSpc>
-            </a:pPr>
-            <a:r>
-              <a:rPr lang="en-AU" sz="2600" dirty="0"/>
-              <a:t>P</a:t>
-            </a:r>
-            <a:r>
-              <a:rPr lang="en-AU" sz="2600" dirty="0" smtClean="0"/>
-              <a:t>roteomics data collected for the lipid raft, total membrane and EVs for PC3 GFP and PC3 cavin-1 cells. </a:t>
-            </a:r>
-          </a:p>
-          <a:p>
-            <a:pPr marL="0" indent="0">
-              <a:lnSpc>
-                <a:spcPct val="100000"/>
-              </a:lnSpc>
-              <a:buNone/>
-            </a:pPr>
-            <a:endParaRPr lang="en-AU" sz="2600" dirty="0" smtClean="0"/>
-          </a:p>
-          <a:p>
-            <a:pPr>
-              <a:lnSpc>
-                <a:spcPct val="100000"/>
-              </a:lnSpc>
-            </a:pPr>
-            <a:r>
-              <a:rPr lang="en-US" sz="2600" dirty="0" smtClean="0"/>
-              <a:t>Identify proteins enriched in the EV fraction correlating to an increase of </a:t>
-            </a:r>
-            <a:r>
-              <a:rPr lang="en-US" sz="2600" dirty="0" err="1" smtClean="0"/>
-              <a:t>miR</a:t>
-            </a:r>
-            <a:r>
-              <a:rPr lang="en-US" sz="2600" dirty="0" smtClean="0"/>
-              <a:t> export.</a:t>
-            </a:r>
-          </a:p>
-          <a:p>
-            <a:pPr>
-              <a:lnSpc>
-                <a:spcPct val="100000"/>
-              </a:lnSpc>
-            </a:pPr>
-            <a:endParaRPr lang="en-US" sz="2600" dirty="0" smtClean="0"/>
-          </a:p>
-          <a:p>
-            <a:pPr>
-              <a:lnSpc>
-                <a:spcPct val="100000"/>
-              </a:lnSpc>
-            </a:pPr>
-            <a:r>
-              <a:rPr lang="en-US" sz="2600" dirty="0" smtClean="0"/>
-              <a:t>Gene Ontology analysis determines RNA-binding ability. </a:t>
-            </a:r>
-            <a:endParaRPr lang="en-AU" sz="3500" dirty="0"/>
-          </a:p>
-        </p:txBody>
-      </p:sp>
-      <p:pic>
-        <p:nvPicPr>
-          <p:cNvPr id="7" name="Picture 6"/>
-          <p:cNvPicPr>
-            <a:picLocks noChangeAspect="1"/>
-          </p:cNvPicPr>
-          <p:nvPr/>
-        </p:nvPicPr>
-        <p:blipFill>
-          <a:blip r:embed="rId3">
-            <a:extLst>
-              <a:ext uri="{28A0092B-C50C-407E-A947-70E740481C1C}">
-                <a14:useLocalDpi xmlns:a14="http://schemas.microsoft.com/office/drawing/2010/main" val="0"/>
-              </a:ext>
-            </a:extLst>
-          </a:blip>
-          <a:stretch>
-            <a:fillRect/>
-          </a:stretch>
-        </p:blipFill>
-        <p:spPr>
-          <a:xfrm>
-            <a:off x="6632153" y="2222784"/>
-            <a:ext cx="5239481" cy="2962688"/>
-          </a:xfrm>
-          <a:prstGeom prst="rect">
-            <a:avLst/>
-          </a:prstGeom>
-        </p:spPr>
-      </p:pic>
-    </p:spTree>
-    <p:extLst>
-      <p:ext uri="{BB962C8B-B14F-4D97-AF65-F5344CB8AC3E}">
-        <p14:creationId xmlns:p14="http://schemas.microsoft.com/office/powerpoint/2010/main" val="347616013"/>
-      </p:ext>
-    </p:extLst>
-  </p:cSld>
-  <p:clrMapOvr>
-    <a:masterClrMapping/>
-  </p:clrMapOvr>
-  <p:timing>
-    <p:tnLst>
-      <p:par>
-        <p:cTn id="1" dur="indefinite" restart="never" nodeType="tmRoot"/>
-      </p:par>
-    </p:tnLst>
-  </p:timing>
-</p:sld>
-</file>
-
-<file path=ppt/slides/slide11.xml><?xml version="1.0" encoding="utf-8"?>
-<p:sld xmlns:a="http://schemas.openxmlformats.org/drawingml/2006/main" xmlns:r="http://schemas.openxmlformats.org/officeDocument/2006/relationships" xmlns:p="http://schemas.openxmlformats.org/presentationml/2006/main">
-  <p:cSld>
-    <p:spTree>
-      <p:nvGrpSpPr>
-        <p:cNvPr id="1" name=""/>
-        <p:cNvGrpSpPr/>
-        <p:nvPr/>
-      </p:nvGrpSpPr>
-      <p:grpSpPr>
-        <a:xfrm>
-          <a:off x="0" y="0"/>
-          <a:ext cx="0" cy="0"/>
-          <a:chOff x="0" y="0"/>
-          <a:chExt cx="0" cy="0"/>
-        </a:xfrm>
-      </p:grpSpPr>
-      <p:sp>
-        <p:nvSpPr>
-          <p:cNvPr id="2" name="Title 1"/>
-          <p:cNvSpPr>
-            <a:spLocks noGrp="1"/>
-          </p:cNvSpPr>
-          <p:nvPr>
-            <p:ph type="title"/>
-          </p:nvPr>
-        </p:nvSpPr>
         <p:spPr>
           <a:xfrm>
             <a:off x="551768" y="311362"/>
@@ -4624,15 +4784,7 @@
                   <a:schemeClr val="bg1"/>
                 </a:solidFill>
               </a:rPr>
-              <a:t> </a:t>
-            </a:r>
-            <a:r>
-              <a:rPr lang="en-AU" sz="3600" b="1" dirty="0">
-                <a:solidFill>
-                  <a:schemeClr val="bg1"/>
-                </a:solidFill>
-              </a:rPr>
-              <a:t>B</a:t>
+              <a:t> B</a:t>
             </a:r>
             <a:r>
               <a:rPr lang="en-AU" sz="3600" b="1" dirty="0" smtClean="0">
@@ -4656,15 +4808,7 @@
                   <a:schemeClr val="bg1"/>
                 </a:solidFill>
               </a:rPr>
-              <a:t>roteins</a:t>
-            </a:r>
-            <a:r>
-              <a:rPr lang="en-AU" sz="3600" b="1" dirty="0" smtClean="0">
-                <a:solidFill>
-                  <a:schemeClr val="bg1"/>
-                </a:solidFill>
-              </a:rPr>
-              <a:t>. </a:t>
+              <a:t>roteins. </a:t>
             </a:r>
             <a:endParaRPr lang="en-AU" sz="3600" b="1" dirty="0">
               <a:solidFill>
@@ -5043,7 +5187,7 @@
 </p:sld>
 </file>
 
-<file path=ppt/slides/slide12.xml><?xml version="1.0" encoding="utf-8"?>
+<file path=ppt/slides/slide11.xml><?xml version="1.0" encoding="utf-8"?>
 <p:sld xmlns:a="http://schemas.openxmlformats.org/drawingml/2006/main" xmlns:r="http://schemas.openxmlformats.org/officeDocument/2006/relationships" xmlns:p="http://schemas.openxmlformats.org/presentationml/2006/main">
   <p:cSld>
     <p:spTree>
@@ -5126,7 +5270,7 @@
               <a:buNone/>
             </a:pPr>
             <a:r>
-              <a:rPr lang="en-AU" dirty="0" smtClean="0"/>
+              <a:rPr lang="en-AU" b="1" dirty="0" smtClean="0"/>
               <a:t>Method 1: Pull down assay</a:t>
             </a:r>
           </a:p>
@@ -5140,22 +5284,22 @@
       </p:sp>
       <p:pic>
         <p:nvPicPr>
-          <p:cNvPr id="7" name="Picture 6"/>
+          <p:cNvPr id="4" name="Picture 3"/>
           <p:cNvPicPr>
             <a:picLocks noChangeAspect="1"/>
           </p:cNvPicPr>
           <p:nvPr/>
         </p:nvPicPr>
         <p:blipFill>
-          <a:blip r:embed="rId2"/>
+          <a:blip r:embed="rId3"/>
           <a:stretch>
             <a:fillRect/>
           </a:stretch>
         </p:blipFill>
         <p:spPr>
           <a:xfrm>
-            <a:off x="1123950" y="2397125"/>
-            <a:ext cx="9944100" cy="3914775"/>
+            <a:off x="1123950" y="2378075"/>
+            <a:ext cx="9944100" cy="3933825"/>
           </a:xfrm>
           <a:prstGeom prst="rect">
             <a:avLst/>
@@ -5182,7 +5326,7 @@
 </p:sld>
 </file>
 
-<file path=ppt/slides/slide13.xml><?xml version="1.0" encoding="utf-8"?>
+<file path=ppt/slides/slide12.xml><?xml version="1.0" encoding="utf-8"?>
 <p:sld xmlns:a="http://schemas.openxmlformats.org/drawingml/2006/main" xmlns:r="http://schemas.openxmlformats.org/officeDocument/2006/relationships" xmlns:p="http://schemas.openxmlformats.org/presentationml/2006/main">
   <p:cSld>
     <p:spTree>
@@ -5293,8 +5437,12 @@
               <a:buNone/>
             </a:pPr>
             <a:r>
+              <a:rPr lang="en-AU" b="1" dirty="0" smtClean="0"/>
+              <a:t>Method 2: Co-localisation </a:t>
+            </a:r>
+            <a:r>
               <a:rPr lang="en-AU" dirty="0" smtClean="0"/>
-              <a:t>Method 2: Co-localisation by Immunofluorescence Confocal Microscopy</a:t>
+              <a:t>by Immunofluorescence Confocal Microscopy</a:t>
             </a:r>
             <a:endParaRPr lang="en-AU" dirty="0"/>
           </a:p>
@@ -5349,7 +5497,7 @@
             </a:pPr>
             <a:r>
               <a:rPr lang="en-US" sz="2800" dirty="0" smtClean="0"/>
-              <a:t>Co-localized miRNA + protein will be visualized as yellow. </a:t>
+              <a:t>Co-localized miRNA + protein will be observed as yellow. </a:t>
             </a:r>
           </a:p>
           <a:p>
@@ -5404,7 +5552,7 @@
 </p:sld>
 </file>
 
-<file path=ppt/slides/slide14.xml><?xml version="1.0" encoding="utf-8"?>
+<file path=ppt/slides/slide13.xml><?xml version="1.0" encoding="utf-8"?>
 <p:sld xmlns:a="http://schemas.openxmlformats.org/drawingml/2006/main" xmlns:r="http://schemas.openxmlformats.org/officeDocument/2006/relationships" xmlns:p="http://schemas.openxmlformats.org/presentationml/2006/main">
   <p:cSld>
     <p:spTree>
@@ -5476,11 +5624,15 @@
           <a:p>
             <a:r>
               <a:rPr lang="en-US" dirty="0" smtClean="0"/>
-              <a:t>Novel mechanism of miRNA </a:t>
+              <a:t>Novel </a:t>
+            </a:r>
+            <a:r>
+              <a:rPr lang="en-US" dirty="0" err="1" smtClean="0"/>
+              <a:t>miRNA</a:t>
             </a:r>
             <a:r>
               <a:rPr lang="en-US" dirty="0" smtClean="0"/>
-              <a:t>function</a:t>
+              <a:t> function</a:t>
             </a:r>
           </a:p>
           <a:p>
@@ -5494,7 +5646,6 @@
               <a:rPr lang="en-US" dirty="0" smtClean="0"/>
               <a:t>Irregularities in sorting can cause dysfunction in recipient cells.</a:t>
             </a:r>
-            <a:endParaRPr lang="en-US" dirty="0" smtClean="0"/>
           </a:p>
           <a:p>
             <a:pPr marL="0" indent="0">
@@ -5505,11 +5656,7 @@
           <a:p>
             <a:r>
               <a:rPr lang="en-US" dirty="0" smtClean="0"/>
-              <a:t>MiRNAs </a:t>
-            </a:r>
-            <a:r>
-              <a:rPr lang="en-US" dirty="0" smtClean="0"/>
-              <a:t>exported within EVs have been linked to cancer metastasis </a:t>
+              <a:t>MiRNAs exported within EVs have been linked to cancer metastasis </a:t>
             </a:r>
           </a:p>
           <a:p>
@@ -5587,8 +5734,8 @@
         </p:nvSpPr>
         <p:spPr>
           <a:xfrm>
-            <a:off x="8126960" y="1652716"/>
-            <a:ext cx="3049040" cy="461665"/>
+            <a:off x="7987366" y="1482724"/>
+            <a:ext cx="2841740" cy="707886"/>
           </a:xfrm>
           <a:prstGeom prst="rect">
             <a:avLst/>
@@ -5602,10 +5749,16 @@
           <a:lstStyle/>
           <a:p>
             <a:r>
-              <a:rPr lang="en-US" sz="2400" dirty="0" smtClean="0"/>
-              <a:t>Increases proliferation.</a:t>
-            </a:r>
-            <a:endParaRPr lang="en-AU" sz="2400" dirty="0"/>
+              <a:rPr lang="en-US" sz="2000" dirty="0" smtClean="0"/>
+              <a:t>Increases proliferation of </a:t>
+            </a:r>
+          </a:p>
+          <a:p>
+            <a:r>
+              <a:rPr lang="en-US" sz="2000" dirty="0" smtClean="0"/>
+              <a:t>Osteoblast.</a:t>
+            </a:r>
+            <a:endParaRPr lang="en-AU" sz="2000" dirty="0"/>
           </a:p>
         </p:txBody>
       </p:sp>
@@ -5629,7 +5782,7 @@
 </p:sld>
 </file>
 
-<file path=ppt/slides/slide15.xml><?xml version="1.0" encoding="utf-8"?>
+<file path=ppt/slides/slide14.xml><?xml version="1.0" encoding="utf-8"?>
 <p:sld xmlns:a="http://schemas.openxmlformats.org/drawingml/2006/main" xmlns:r="http://schemas.openxmlformats.org/officeDocument/2006/relationships" xmlns:p="http://schemas.openxmlformats.org/presentationml/2006/main">
   <p:cSld>
     <p:spTree>
@@ -5847,6 +6000,744 @@
   <p:clrMapOvr>
     <a:masterClrMapping/>
   </p:clrMapOvr>
+  <p:timing>
+    <p:tnLst>
+      <p:par>
+        <p:cTn id="1" dur="indefinite" restart="never" nodeType="tmRoot"/>
+      </p:par>
+    </p:tnLst>
+  </p:timing>
+</p:sld>
+</file>
+
+<file path=ppt/slides/slide15.xml><?xml version="1.0" encoding="utf-8"?>
+<p:sld xmlns:a="http://schemas.openxmlformats.org/drawingml/2006/main" xmlns:r="http://schemas.openxmlformats.org/officeDocument/2006/relationships" xmlns:p="http://schemas.openxmlformats.org/presentationml/2006/main">
+  <p:cSld>
+    <p:spTree>
+      <p:nvGrpSpPr>
+        <p:cNvPr id="1" name=""/>
+        <p:cNvGrpSpPr/>
+        <p:nvPr/>
+      </p:nvGrpSpPr>
+      <p:grpSpPr>
+        <a:xfrm>
+          <a:off x="0" y="0"/>
+          <a:ext cx="0" cy="0"/>
+          <a:chOff x="0" y="0"/>
+          <a:chExt cx="0" cy="0"/>
+        </a:xfrm>
+      </p:grpSpPr>
+      <p:sp>
+        <p:nvSpPr>
+          <p:cNvPr id="2" name="Title 1"/>
+          <p:cNvSpPr>
+            <a:spLocks noGrp="1"/>
+          </p:cNvSpPr>
+          <p:nvPr>
+            <p:ph type="title"/>
+          </p:nvPr>
+        </p:nvSpPr>
+        <p:spPr/>
+        <p:txBody>
+          <a:bodyPr/>
+          <a:lstStyle/>
+          <a:p>
+            <a:r>
+              <a:rPr lang="en-US" dirty="0" smtClean="0">
+                <a:solidFill>
+                  <a:schemeClr val="bg1"/>
+                </a:solidFill>
+              </a:rPr>
+              <a:t>DESeq2 </a:t>
+            </a:r>
+            <a:r>
+              <a:rPr lang="en-US" dirty="0" err="1" smtClean="0">
+                <a:solidFill>
+                  <a:schemeClr val="bg1"/>
+                </a:solidFill>
+              </a:rPr>
+              <a:t>EdgeR</a:t>
+            </a:r>
+            <a:r>
+              <a:rPr lang="en-US" dirty="0" smtClean="0">
+                <a:solidFill>
+                  <a:schemeClr val="bg1"/>
+                </a:solidFill>
+              </a:rPr>
+              <a:t> method</a:t>
+            </a:r>
+            <a:endParaRPr lang="en-AU" dirty="0">
+              <a:solidFill>
+                <a:schemeClr val="bg1"/>
+              </a:solidFill>
+            </a:endParaRPr>
+          </a:p>
+        </p:txBody>
+      </p:sp>
+      <p:sp>
+        <p:nvSpPr>
+          <p:cNvPr id="3" name="Content Placeholder 2"/>
+          <p:cNvSpPr>
+            <a:spLocks noGrp="1"/>
+          </p:cNvSpPr>
+          <p:nvPr>
+            <p:ph idx="1"/>
+          </p:nvPr>
+        </p:nvSpPr>
+        <p:spPr>
+          <a:xfrm>
+            <a:off x="838199" y="1825625"/>
+            <a:ext cx="10515601" cy="4351338"/>
+          </a:xfrm>
+        </p:spPr>
+        <p:txBody>
+          <a:bodyPr>
+            <a:noAutofit/>
+          </a:bodyPr>
+          <a:lstStyle/>
+          <a:p>
+            <a:pPr marL="0" indent="0">
+              <a:buNone/>
+            </a:pPr>
+            <a:r>
+              <a:rPr lang="en-US" sz="2400" b="1" dirty="0" smtClean="0"/>
+              <a:t>Differential expression method</a:t>
+            </a:r>
+            <a:r>
+              <a:rPr lang="en-US" sz="2400" dirty="0" smtClean="0"/>
+              <a:t>: Input RNA-</a:t>
+            </a:r>
+            <a:r>
+              <a:rPr lang="en-US" sz="2400" dirty="0" err="1" smtClean="0"/>
+              <a:t>seq</a:t>
+            </a:r>
+            <a:r>
+              <a:rPr lang="en-US" sz="2400" dirty="0" smtClean="0"/>
+              <a:t> raw counts -&gt; Filter out low-no reads and normalize -&gt; </a:t>
+            </a:r>
+            <a:r>
+              <a:rPr lang="en-US" sz="2400" dirty="0" smtClean="0"/>
+              <a:t>Establis</a:t>
+            </a:r>
+            <a:r>
+              <a:rPr lang="en-US" sz="2400" dirty="0" smtClean="0"/>
+              <a:t>h design -&gt; </a:t>
+            </a:r>
+            <a:r>
+              <a:rPr lang="en-US" sz="2400" dirty="0" smtClean="0"/>
+              <a:t>Differential </a:t>
+            </a:r>
+            <a:r>
+              <a:rPr lang="en-US" sz="2400" dirty="0" smtClean="0"/>
+              <a:t>expression analysis (</a:t>
+            </a:r>
+            <a:r>
+              <a:rPr lang="en-US" sz="2400" dirty="0" err="1" smtClean="0"/>
+              <a:t>DESeq</a:t>
+            </a:r>
+            <a:r>
+              <a:rPr lang="en-US" sz="2400" dirty="0" smtClean="0"/>
+              <a:t>(list) function) -&gt; Returns log2fold </a:t>
+            </a:r>
+            <a:r>
+              <a:rPr lang="en-US" sz="2400" dirty="0" smtClean="0"/>
+              <a:t>change , </a:t>
+            </a:r>
+            <a:r>
+              <a:rPr lang="en-US" sz="2400" dirty="0" smtClean="0"/>
+              <a:t>p-values, and Adjusted p values. </a:t>
+            </a:r>
+          </a:p>
+          <a:p>
+            <a:pPr marL="0" indent="0">
+              <a:buNone/>
+            </a:pPr>
+            <a:r>
+              <a:rPr lang="en-US" sz="2400" b="1" dirty="0" smtClean="0"/>
+              <a:t>Data </a:t>
+            </a:r>
+            <a:r>
+              <a:rPr lang="en-US" sz="2400" b="1" dirty="0"/>
+              <a:t>q</a:t>
+            </a:r>
+            <a:r>
+              <a:rPr lang="en-US" sz="2400" b="1" dirty="0" smtClean="0"/>
+              <a:t>uality assessment</a:t>
+            </a:r>
+            <a:r>
+              <a:rPr lang="en-US" sz="2400" dirty="0" smtClean="0"/>
+              <a:t>: MDS plot, </a:t>
+            </a:r>
+            <a:r>
+              <a:rPr lang="en-US" sz="2400" dirty="0" err="1" smtClean="0"/>
+              <a:t>dendrogram</a:t>
+            </a:r>
+            <a:r>
+              <a:rPr lang="en-US" sz="2400" dirty="0" smtClean="0"/>
+              <a:t>, PCA plot</a:t>
+            </a:r>
+          </a:p>
+          <a:p>
+            <a:pPr marL="0" indent="0">
+              <a:buNone/>
+            </a:pPr>
+            <a:r>
+              <a:rPr lang="en-US" sz="2400" b="1" dirty="0" smtClean="0"/>
+              <a:t>Comparisons:</a:t>
+            </a:r>
+          </a:p>
+          <a:p>
+            <a:pPr marL="0" indent="0">
+              <a:buNone/>
+            </a:pPr>
+            <a:r>
+              <a:rPr lang="en-US" sz="2400" dirty="0" smtClean="0"/>
+              <a:t>-  PC3 EV vs PC3 Cavin-1 EV = FC of miRNAs differentially exported due to lipid raft change. </a:t>
+            </a:r>
+          </a:p>
+          <a:p>
+            <a:pPr>
+              <a:buFontTx/>
+              <a:buChar char="-"/>
+            </a:pPr>
+            <a:r>
+              <a:rPr lang="en-US" sz="2400" dirty="0" smtClean="0"/>
+              <a:t>PC3 cell </a:t>
+            </a:r>
+            <a:r>
+              <a:rPr lang="en-US" sz="2400" dirty="0" err="1" smtClean="0"/>
+              <a:t>miRs</a:t>
+            </a:r>
+            <a:r>
+              <a:rPr lang="en-US" sz="2400" dirty="0" smtClean="0"/>
+              <a:t> vs PC3 Cavin-1 </a:t>
+            </a:r>
+            <a:r>
+              <a:rPr lang="en-US" sz="2400" dirty="0" err="1" smtClean="0"/>
+              <a:t>miRs</a:t>
+            </a:r>
+            <a:r>
+              <a:rPr lang="en-US" sz="2400" dirty="0" smtClean="0"/>
+              <a:t> = FC of miRNAs differentially expressed due to cavin-1 introduction</a:t>
+            </a:r>
+          </a:p>
+          <a:p>
+            <a:pPr marL="0" indent="0">
+              <a:buNone/>
+            </a:pPr>
+            <a:r>
+              <a:rPr lang="en-US" sz="2400" b="1" dirty="0" smtClean="0"/>
+              <a:t>Selectively exported </a:t>
+            </a:r>
+            <a:r>
+              <a:rPr lang="en-US" sz="2400" b="1" dirty="0" err="1" smtClean="0"/>
+              <a:t>miRs</a:t>
+            </a:r>
+            <a:r>
+              <a:rPr lang="en-US" sz="2400" b="1" dirty="0" smtClean="0"/>
+              <a:t>: </a:t>
+            </a:r>
+            <a:r>
+              <a:rPr lang="en-US" sz="2400" dirty="0" smtClean="0"/>
+              <a:t>Compare FC(cell) / FC (</a:t>
+            </a:r>
+            <a:r>
+              <a:rPr lang="en-US" sz="2400" dirty="0" err="1" smtClean="0"/>
+              <a:t>exo</a:t>
+            </a:r>
+            <a:r>
+              <a:rPr lang="en-US" sz="2400" dirty="0" smtClean="0"/>
+              <a:t>). If ~ 1, then non-selective. Else: Selective</a:t>
+            </a:r>
+            <a:endParaRPr lang="en-AU" sz="2400" dirty="0"/>
+          </a:p>
+        </p:txBody>
+      </p:sp>
+    </p:spTree>
+    <p:extLst>
+      <p:ext uri="{BB962C8B-B14F-4D97-AF65-F5344CB8AC3E}">
+        <p14:creationId xmlns:p14="http://schemas.microsoft.com/office/powerpoint/2010/main" val="81344765"/>
+      </p:ext>
+    </p:extLst>
+  </p:cSld>
+  <p:clrMapOvr>
+    <a:masterClrMapping/>
+  </p:clrMapOvr>
+  <p:timing>
+    <p:tnLst>
+      <p:par>
+        <p:cTn id="1" dur="indefinite" restart="never" nodeType="tmRoot"/>
+      </p:par>
+    </p:tnLst>
+  </p:timing>
+</p:sld>
+</file>
+
+<file path=ppt/slides/slide16.xml><?xml version="1.0" encoding="utf-8"?>
+<p:sld xmlns:a="http://schemas.openxmlformats.org/drawingml/2006/main" xmlns:r="http://schemas.openxmlformats.org/officeDocument/2006/relationships" xmlns:p="http://schemas.openxmlformats.org/presentationml/2006/main">
+  <p:cSld>
+    <p:spTree>
+      <p:nvGrpSpPr>
+        <p:cNvPr id="1" name=""/>
+        <p:cNvGrpSpPr/>
+        <p:nvPr/>
+      </p:nvGrpSpPr>
+      <p:grpSpPr>
+        <a:xfrm>
+          <a:off x="0" y="0"/>
+          <a:ext cx="0" cy="0"/>
+          <a:chOff x="0" y="0"/>
+          <a:chExt cx="0" cy="0"/>
+        </a:xfrm>
+      </p:grpSpPr>
+      <p:sp>
+        <p:nvSpPr>
+          <p:cNvPr id="2" name="Title 1"/>
+          <p:cNvSpPr>
+            <a:spLocks noGrp="1"/>
+          </p:cNvSpPr>
+          <p:nvPr>
+            <p:ph type="title"/>
+          </p:nvPr>
+        </p:nvSpPr>
+        <p:spPr/>
+        <p:txBody>
+          <a:bodyPr/>
+          <a:lstStyle/>
+          <a:p>
+            <a:r>
+              <a:rPr lang="en-US" dirty="0" smtClean="0">
+                <a:solidFill>
+                  <a:schemeClr val="bg1"/>
+                </a:solidFill>
+              </a:rPr>
+              <a:t>Motif Scan</a:t>
+            </a:r>
+            <a:endParaRPr lang="en-AU" dirty="0">
+              <a:solidFill>
+                <a:schemeClr val="bg1"/>
+              </a:solidFill>
+            </a:endParaRPr>
+          </a:p>
+        </p:txBody>
+      </p:sp>
+      <p:graphicFrame>
+        <p:nvGraphicFramePr>
+          <p:cNvPr id="7" name="Content Placeholder 6"/>
+          <p:cNvGraphicFramePr>
+            <a:graphicFrameLocks noGrp="1"/>
+          </p:cNvGraphicFramePr>
+          <p:nvPr>
+            <p:ph idx="1"/>
+            <p:extLst>
+              <p:ext uri="{D42A27DB-BD31-4B8C-83A1-F6EECF244321}">
+                <p14:modId xmlns:p14="http://schemas.microsoft.com/office/powerpoint/2010/main" val="1667987295"/>
+              </p:ext>
+            </p:extLst>
+          </p:nvPr>
+        </p:nvGraphicFramePr>
+        <p:xfrm>
+          <a:off x="984504" y="1976115"/>
+          <a:ext cx="3664790" cy="1483360"/>
+        </p:xfrm>
+        <a:graphic>
+          <a:graphicData uri="http://schemas.openxmlformats.org/drawingml/2006/table">
+            <a:tbl>
+              <a:tblPr firstRow="1" bandRow="1">
+                <a:tableStyleId>{5940675A-B579-460E-94D1-54222C63F5DA}</a:tableStyleId>
+              </a:tblPr>
+              <a:tblGrid>
+                <a:gridCol w="343619"/>
+                <a:gridCol w="836762"/>
+                <a:gridCol w="629728"/>
+                <a:gridCol w="698740"/>
+                <a:gridCol w="1155941"/>
+              </a:tblGrid>
+              <a:tr h="370840">
+                <a:tc>
+                  <a:txBody>
+                    <a:bodyPr/>
+                    <a:lstStyle/>
+                    <a:p>
+                      <a:r>
+                        <a:rPr lang="en-US" dirty="0" smtClean="0"/>
+                        <a:t>G</a:t>
+                      </a:r>
+                      <a:endParaRPr lang="en-AU" dirty="0"/>
+                    </a:p>
+                  </a:txBody>
+                  <a:tcPr/>
+                </a:tc>
+                <a:tc>
+                  <a:txBody>
+                    <a:bodyPr/>
+                    <a:lstStyle/>
+                    <a:p>
+                      <a:r>
+                        <a:rPr lang="en-US" dirty="0" smtClean="0"/>
+                        <a:t>0.495</a:t>
+                      </a:r>
+                      <a:endParaRPr lang="en-AU" dirty="0"/>
+                    </a:p>
+                  </a:txBody>
+                  <a:tcPr>
+                    <a:solidFill>
+                      <a:schemeClr val="bg1">
+                        <a:lumMod val="65000"/>
+                        <a:lumOff val="35000"/>
+                      </a:schemeClr>
+                    </a:solidFill>
+                  </a:tcPr>
+                </a:tc>
+                <a:tc>
+                  <a:txBody>
+                    <a:bodyPr/>
+                    <a:lstStyle/>
+                    <a:p>
+                      <a:r>
+                        <a:rPr lang="en-US" dirty="0" smtClean="0"/>
+                        <a:t>0.97</a:t>
+                      </a:r>
+                      <a:endParaRPr lang="en-AU" dirty="0"/>
+                    </a:p>
+                  </a:txBody>
+                  <a:tcPr>
+                    <a:solidFill>
+                      <a:schemeClr val="bg1">
+                        <a:lumMod val="65000"/>
+                        <a:lumOff val="35000"/>
+                      </a:schemeClr>
+                    </a:solidFill>
+                  </a:tcPr>
+                </a:tc>
+                <a:tc>
+                  <a:txBody>
+                    <a:bodyPr/>
+                    <a:lstStyle/>
+                    <a:p>
+                      <a:r>
+                        <a:rPr lang="en-US" dirty="0" smtClean="0"/>
+                        <a:t>0.29</a:t>
+                      </a:r>
+                      <a:endParaRPr lang="en-AU" dirty="0"/>
+                    </a:p>
+                  </a:txBody>
+                  <a:tcPr/>
+                </a:tc>
+                <a:tc>
+                  <a:txBody>
+                    <a:bodyPr/>
+                    <a:lstStyle/>
+                    <a:p>
+                      <a:r>
+                        <a:rPr lang="en-US" dirty="0" smtClean="0"/>
+                        <a:t>0.74</a:t>
+                      </a:r>
+                      <a:endParaRPr lang="en-AU" dirty="0"/>
+                    </a:p>
+                  </a:txBody>
+                  <a:tcPr>
+                    <a:solidFill>
+                      <a:schemeClr val="bg1">
+                        <a:lumMod val="65000"/>
+                        <a:lumOff val="35000"/>
+                      </a:schemeClr>
+                    </a:solidFill>
+                  </a:tcPr>
+                </a:tc>
+              </a:tr>
+              <a:tr h="370840">
+                <a:tc>
+                  <a:txBody>
+                    <a:bodyPr/>
+                    <a:lstStyle/>
+                    <a:p>
+                      <a:r>
+                        <a:rPr lang="en-US" dirty="0" smtClean="0"/>
+                        <a:t>C</a:t>
+                      </a:r>
+                      <a:endParaRPr lang="en-AU" dirty="0"/>
+                    </a:p>
+                  </a:txBody>
+                  <a:tcPr/>
+                </a:tc>
+                <a:tc>
+                  <a:txBody>
+                    <a:bodyPr/>
+                    <a:lstStyle/>
+                    <a:p>
+                      <a:r>
+                        <a:rPr lang="en-US" dirty="0" smtClean="0"/>
+                        <a:t>0.099</a:t>
+                      </a:r>
+                      <a:endParaRPr lang="en-AU" dirty="0"/>
+                    </a:p>
+                  </a:txBody>
+                  <a:tcPr/>
+                </a:tc>
+                <a:tc>
+                  <a:txBody>
+                    <a:bodyPr/>
+                    <a:lstStyle/>
+                    <a:p>
+                      <a:r>
+                        <a:rPr lang="en-US" dirty="0" smtClean="0"/>
+                        <a:t>0.01</a:t>
+                      </a:r>
+                      <a:endParaRPr lang="en-AU" dirty="0"/>
+                    </a:p>
+                  </a:txBody>
+                  <a:tcPr/>
+                </a:tc>
+                <a:tc>
+                  <a:txBody>
+                    <a:bodyPr/>
+                    <a:lstStyle/>
+                    <a:p>
+                      <a:r>
+                        <a:rPr lang="en-US" dirty="0" smtClean="0"/>
+                        <a:t>0.39</a:t>
+                      </a:r>
+                      <a:endParaRPr lang="en-AU" dirty="0"/>
+                    </a:p>
+                  </a:txBody>
+                  <a:tcPr/>
+                </a:tc>
+                <a:tc>
+                  <a:txBody>
+                    <a:bodyPr/>
+                    <a:lstStyle/>
+                    <a:p>
+                      <a:r>
+                        <a:rPr lang="en-US" dirty="0" smtClean="0"/>
+                        <a:t>0.24</a:t>
+                      </a:r>
+                      <a:endParaRPr lang="en-AU" dirty="0"/>
+                    </a:p>
+                  </a:txBody>
+                  <a:tcPr/>
+                </a:tc>
+              </a:tr>
+              <a:tr h="370840">
+                <a:tc>
+                  <a:txBody>
+                    <a:bodyPr/>
+                    <a:lstStyle/>
+                    <a:p>
+                      <a:r>
+                        <a:rPr lang="en-US" dirty="0" smtClean="0"/>
+                        <a:t>A</a:t>
+                      </a:r>
+                      <a:endParaRPr lang="en-AU" dirty="0"/>
+                    </a:p>
+                  </a:txBody>
+                  <a:tcPr/>
+                </a:tc>
+                <a:tc>
+                  <a:txBody>
+                    <a:bodyPr/>
+                    <a:lstStyle/>
+                    <a:p>
+                      <a:r>
+                        <a:rPr lang="en-US" dirty="0" smtClean="0"/>
+                        <a:t>0.010</a:t>
+                      </a:r>
+                      <a:endParaRPr lang="en-AU" dirty="0"/>
+                    </a:p>
+                  </a:txBody>
+                  <a:tcPr/>
+                </a:tc>
+                <a:tc>
+                  <a:txBody>
+                    <a:bodyPr/>
+                    <a:lstStyle/>
+                    <a:p>
+                      <a:r>
+                        <a:rPr lang="en-US" dirty="0" smtClean="0"/>
+                        <a:t>0.01</a:t>
+                      </a:r>
+                      <a:endParaRPr lang="en-AU" dirty="0"/>
+                    </a:p>
+                  </a:txBody>
+                  <a:tcPr/>
+                </a:tc>
+                <a:tc>
+                  <a:txBody>
+                    <a:bodyPr/>
+                    <a:lstStyle/>
+                    <a:p>
+                      <a:r>
+                        <a:rPr lang="en-US" dirty="0" smtClean="0"/>
+                        <a:t>0.49</a:t>
+                      </a:r>
+                      <a:endParaRPr lang="en-AU" dirty="0"/>
+                    </a:p>
+                  </a:txBody>
+                  <a:tcPr>
+                    <a:solidFill>
+                      <a:schemeClr val="bg1">
+                        <a:lumMod val="65000"/>
+                        <a:lumOff val="35000"/>
+                      </a:schemeClr>
+                    </a:solidFill>
+                  </a:tcPr>
+                </a:tc>
+                <a:tc>
+                  <a:txBody>
+                    <a:bodyPr/>
+                    <a:lstStyle/>
+                    <a:p>
+                      <a:r>
+                        <a:rPr lang="en-US" dirty="0" smtClean="0"/>
+                        <a:t>0.01</a:t>
+                      </a:r>
+                      <a:endParaRPr lang="en-AU" dirty="0"/>
+                    </a:p>
+                  </a:txBody>
+                  <a:tcPr/>
+                </a:tc>
+              </a:tr>
+              <a:tr h="370840">
+                <a:tc>
+                  <a:txBody>
+                    <a:bodyPr/>
+                    <a:lstStyle/>
+                    <a:p>
+                      <a:r>
+                        <a:rPr lang="en-US" dirty="0" smtClean="0"/>
+                        <a:t>U</a:t>
+                      </a:r>
+                      <a:endParaRPr lang="en-AU" dirty="0"/>
+                    </a:p>
+                  </a:txBody>
+                  <a:tcPr/>
+                </a:tc>
+                <a:tc>
+                  <a:txBody>
+                    <a:bodyPr/>
+                    <a:lstStyle/>
+                    <a:p>
+                      <a:r>
+                        <a:rPr lang="en-US" dirty="0" smtClean="0"/>
+                        <a:t>0.395</a:t>
+                      </a:r>
+                      <a:endParaRPr lang="en-AU" dirty="0"/>
+                    </a:p>
+                  </a:txBody>
+                  <a:tcPr/>
+                </a:tc>
+                <a:tc>
+                  <a:txBody>
+                    <a:bodyPr/>
+                    <a:lstStyle/>
+                    <a:p>
+                      <a:r>
+                        <a:rPr lang="en-US" dirty="0" smtClean="0"/>
+                        <a:t>0.01</a:t>
+                      </a:r>
+                      <a:endParaRPr lang="en-AU" dirty="0"/>
+                    </a:p>
+                  </a:txBody>
+                  <a:tcPr/>
+                </a:tc>
+                <a:tc>
+                  <a:txBody>
+                    <a:bodyPr/>
+                    <a:lstStyle/>
+                    <a:p>
+                      <a:r>
+                        <a:rPr lang="en-US" dirty="0" smtClean="0"/>
+                        <a:t>0.01</a:t>
+                      </a:r>
+                      <a:endParaRPr lang="en-AU" dirty="0"/>
+                    </a:p>
+                  </a:txBody>
+                  <a:tcPr/>
+                </a:tc>
+                <a:tc>
+                  <a:txBody>
+                    <a:bodyPr/>
+                    <a:lstStyle/>
+                    <a:p>
+                      <a:r>
+                        <a:rPr lang="en-US" dirty="0" smtClean="0"/>
+                        <a:t>0.01</a:t>
+                      </a:r>
+                      <a:endParaRPr lang="en-AU" dirty="0"/>
+                    </a:p>
+                  </a:txBody>
+                  <a:tcPr/>
+                </a:tc>
+              </a:tr>
+            </a:tbl>
+          </a:graphicData>
+        </a:graphic>
+      </p:graphicFrame>
+      <p:pic>
+        <p:nvPicPr>
+          <p:cNvPr id="6" name="Picture 5"/>
+          <p:cNvPicPr>
+            <a:picLocks noChangeAspect="1"/>
+          </p:cNvPicPr>
+          <p:nvPr/>
+        </p:nvPicPr>
+        <p:blipFill>
+          <a:blip r:embed="rId2"/>
+          <a:stretch>
+            <a:fillRect/>
+          </a:stretch>
+        </p:blipFill>
+        <p:spPr>
+          <a:xfrm>
+            <a:off x="1772083" y="3909494"/>
+            <a:ext cx="2089631" cy="2054214"/>
+          </a:xfrm>
+          <a:prstGeom prst="rect">
+            <a:avLst/>
+          </a:prstGeom>
+        </p:spPr>
+      </p:pic>
+      <p:pic>
+        <p:nvPicPr>
+          <p:cNvPr id="9" name="Picture 8"/>
+          <p:cNvPicPr>
+            <a:picLocks noChangeAspect="1"/>
+          </p:cNvPicPr>
+          <p:nvPr/>
+        </p:nvPicPr>
+        <p:blipFill>
+          <a:blip r:embed="rId3"/>
+          <a:stretch>
+            <a:fillRect/>
+          </a:stretch>
+        </p:blipFill>
+        <p:spPr>
+          <a:xfrm>
+            <a:off x="4953001" y="2442040"/>
+            <a:ext cx="6228538" cy="3357076"/>
+          </a:xfrm>
+          <a:prstGeom prst="rect">
+            <a:avLst/>
+          </a:prstGeom>
+        </p:spPr>
+      </p:pic>
+    </p:spTree>
+    <p:extLst>
+      <p:ext uri="{BB962C8B-B14F-4D97-AF65-F5344CB8AC3E}">
+        <p14:creationId xmlns:p14="http://schemas.microsoft.com/office/powerpoint/2010/main" val="2541292409"/>
+      </p:ext>
+    </p:extLst>
+  </p:cSld>
+  <p:clrMapOvr>
+    <a:masterClrMapping/>
+  </p:clrMapOvr>
+  <p:timing>
+    <p:tnLst>
+      <p:par>
+        <p:cTn id="1" dur="indefinite" restart="never" nodeType="tmRoot"/>
+      </p:par>
+    </p:tnLst>
+  </p:timing>
 </p:sld>
 </file>
 
@@ -5913,7 +6804,7 @@
         <p:spPr>
           <a:xfrm>
             <a:off x="692876" y="1959562"/>
-            <a:ext cx="6597610" cy="3754874"/>
+            <a:ext cx="6597610" cy="4001095"/>
           </a:xfrm>
           <a:prstGeom prst="rect">
             <a:avLst/>
@@ -5955,15 +6846,15 @@
               <a:t>Binding to target mRNA decreases protein function by RISC inhibition and degradation </a:t>
             </a:r>
             <a:r>
-              <a:rPr lang="en-US" sz="2000" dirty="0" smtClean="0"/>
+              <a:rPr lang="en-US" dirty="0" smtClean="0"/>
               <a:t>(Gregory </a:t>
             </a:r>
             <a:r>
-              <a:rPr lang="en-US" sz="2000" i="1" dirty="0" smtClean="0"/>
+              <a:rPr lang="en-US" i="1" dirty="0" smtClean="0"/>
               <a:t>et al. </a:t>
             </a:r>
             <a:r>
-              <a:rPr lang="en-US" sz="2000" dirty="0" smtClean="0"/>
+              <a:rPr lang="en-US" dirty="0" smtClean="0"/>
               <a:t>2005)</a:t>
             </a:r>
           </a:p>
@@ -5985,9 +6876,21 @@
             </a:r>
             <a:r>
               <a:rPr lang="en-US" sz="2800" dirty="0" smtClean="0"/>
-              <a:t>, miRNAs) regulates pathways in the recipient cells</a:t>
-            </a:r>
-            <a:endParaRPr lang="en-AU" sz="2800" dirty="0"/>
+              <a:t>, miRNAs) regulates pathways in the recipient cells </a:t>
+            </a:r>
+            <a:r>
+              <a:rPr lang="en-US" dirty="0" smtClean="0"/>
+              <a:t>(</a:t>
+            </a:r>
+            <a:r>
+              <a:rPr lang="en-US" dirty="0" err="1" smtClean="0"/>
+              <a:t>Hannafon</a:t>
+            </a:r>
+            <a:r>
+              <a:rPr lang="en-US" dirty="0" smtClean="0"/>
+              <a:t> &amp; Ding 2013)</a:t>
+            </a:r>
+            <a:endParaRPr lang="en-AU" dirty="0"/>
           </a:p>
         </p:txBody>
       </p:sp>
@@ -6066,7 +6969,7 @@
         </p:nvSpPr>
         <p:spPr>
           <a:xfrm>
-            <a:off x="838200" y="207963"/>
+            <a:off x="838200" y="164420"/>
             <a:ext cx="10515600" cy="1325563"/>
           </a:xfrm>
         </p:spPr>
@@ -6103,8 +7006,8 @@
         </p:nvSpPr>
         <p:spPr>
           <a:xfrm>
-            <a:off x="5571432" y="1820094"/>
-            <a:ext cx="6038850" cy="4351338"/>
+            <a:off x="4949372" y="2099833"/>
+            <a:ext cx="6631882" cy="4351338"/>
           </a:xfrm>
         </p:spPr>
         <p:txBody>
@@ -6139,8 +7042,29 @@
           <a:p>
             <a:r>
               <a:rPr lang="en-US" dirty="0" smtClean="0"/>
-              <a:t>Increased stability of contents compared to unbound secretion into extracellular serum</a:t>
-            </a:r>
+              <a:t>Increased stability of contents compared to unbound secretion into extracellular serum </a:t>
+            </a:r>
+            <a:r>
+              <a:rPr lang="en-US" sz="1800" dirty="0" smtClean="0"/>
+              <a:t>(</a:t>
+            </a:r>
+            <a:r>
+              <a:rPr lang="en-US" sz="1800" dirty="0" err="1" smtClean="0"/>
+              <a:t>Mulcahy</a:t>
+            </a:r>
+            <a:r>
+              <a:rPr lang="en-US" sz="1800" dirty="0" smtClean="0"/>
+              <a:t> </a:t>
+            </a:r>
+            <a:r>
+              <a:rPr lang="en-US" sz="1800" i="1" dirty="0" smtClean="0"/>
+              <a:t>et al</a:t>
+            </a:r>
+            <a:r>
+              <a:rPr lang="en-US" sz="1800" dirty="0" smtClean="0"/>
+              <a:t> 2014)</a:t>
+            </a:r>
+            <a:endParaRPr lang="en-US" dirty="0" smtClean="0"/>
           </a:p>
           <a:p>
             <a:pPr>
@@ -6159,22 +7083,21 @@
       </p:sp>
       <p:pic>
         <p:nvPicPr>
-          <p:cNvPr id="4" name="Picture 3"/>
+          <p:cNvPr id="5" name="Picture 4"/>
           <p:cNvPicPr>
             <a:picLocks noChangeAspect="1"/>
           </p:cNvPicPr>
           <p:nvPr/>
         </p:nvPicPr>
-        <p:blipFill>
+        <p:blipFill rotWithShape="1">
           <a:blip r:embed="rId3"/>
-          <a:stretch>
-            <a:fillRect/>
-          </a:stretch>
+          <a:srcRect l="2540" b="3668"/>
+          <a:stretch/>
         </p:blipFill>
         <p:spPr>
           <a:xfrm>
-            <a:off x="838200" y="1640543"/>
-            <a:ext cx="4123266" cy="4710440"/>
+            <a:off x="653142" y="1540354"/>
+            <a:ext cx="4038337" cy="4910817"/>
           </a:xfrm>
           <a:prstGeom prst="rect">
             <a:avLst/>
@@ -6292,18 +7215,6 @@
                 <a:spcPct val="100000"/>
               </a:lnSpc>
             </a:pPr>
-            <a:r>
-              <a:rPr lang="en-US" dirty="0" smtClean="0"/>
-              <a:t>miRNAs exported can change disproportionally to the cellular content</a:t>
-            </a:r>
-          </a:p>
-          <a:p>
-            <a:pPr marL="0" indent="0">
-              <a:lnSpc>
-                <a:spcPct val="100000"/>
-              </a:lnSpc>
-              <a:buNone/>
-            </a:pPr>
             <a:endParaRPr lang="en-AU" dirty="0" smtClean="0"/>
           </a:p>
           <a:p>
@@ -6313,32 +7224,32 @@
               </a:lnSpc>
             </a:pPr>
             <a:r>
-              <a:rPr lang="en-AU" dirty="0" err="1" smtClean="0"/>
-              <a:t>Sumoylated</a:t>
-            </a:r>
-            <a:r>
-              <a:rPr lang="en-AU" dirty="0" smtClean="0"/>
-              <a:t> </a:t>
-            </a:r>
-            <a:r>
-              <a:rPr lang="en-AU" dirty="0" err="1" smtClean="0"/>
-              <a:t>hnRNP</a:t>
-            </a:r>
-            <a:r>
-              <a:rPr lang="en-AU" dirty="0" smtClean="0"/>
-              <a:t> A2B1 involved in miRNA export via </a:t>
-            </a:r>
-            <a:r>
-              <a:rPr lang="en-AU" dirty="0" err="1" smtClean="0"/>
-              <a:t>exosomes</a:t>
-            </a:r>
-            <a:r>
-              <a:rPr lang="en-AU" dirty="0"/>
-              <a:t>. </a:t>
-            </a:r>
-            <a:r>
-              <a:rPr lang="en-AU" sz="1700" dirty="0"/>
+              <a:rPr lang="en-US" dirty="0" smtClean="0"/>
+              <a:t>miRNAs exported can change disproportionally to the cellular content </a:t>
+            </a:r>
+            <a:r>
+              <a:rPr lang="en-US" sz="1700" dirty="0" smtClean="0"/>
               <a:t>(</a:t>
+            </a:r>
+            <a:r>
+              <a:rPr lang="en-US" sz="1700" dirty="0" err="1"/>
+              <a:t>Collino</a:t>
+            </a:r>
+            <a:r>
+              <a:rPr lang="en-US" sz="1700" dirty="0"/>
+              <a:t> et al. 2010; </a:t>
+            </a:r>
+            <a:r>
+              <a:rPr lang="en-US" sz="1700" dirty="0" err="1"/>
+              <a:t>Inder</a:t>
+            </a:r>
+            <a:r>
+              <a:rPr lang="en-US" sz="1700" dirty="0"/>
+              <a:t> et al. </a:t>
+            </a:r>
+            <a:r>
+              <a:rPr lang="en-US" sz="1700" dirty="0" smtClean="0"/>
+              <a:t>2014; </a:t>
             </a:r>
             <a:r>
               <a:rPr lang="en-AU" sz="1700" dirty="0" err="1"/>
@@ -6354,9 +7265,25 @@
             </a:r>
             <a:r>
               <a:rPr lang="en-AU" sz="1700" dirty="0"/>
-              <a:t> 2013) </a:t>
-            </a:r>
-            <a:endParaRPr lang="en-US" dirty="0"/>
+              <a:t> </a:t>
+            </a:r>
+            <a:r>
+              <a:rPr lang="en-AU" sz="1700" dirty="0" smtClean="0"/>
+              <a:t>2013</a:t>
+            </a:r>
+            <a:r>
+              <a:rPr lang="en-US" sz="1700" dirty="0" smtClean="0"/>
+              <a:t>)</a:t>
+            </a:r>
+          </a:p>
+          <a:p>
+            <a:pPr marL="0" indent="0">
+              <a:lnSpc>
+                <a:spcPct val="100000"/>
+              </a:lnSpc>
+              <a:buNone/>
+            </a:pPr>
+            <a:endParaRPr lang="en-AU" dirty="0" smtClean="0"/>
           </a:p>
           <a:p>
             <a:pPr>
@@ -6366,7 +7293,7 @@
             </a:pPr>
             <a:r>
               <a:rPr lang="en-US" dirty="0" smtClean="0"/>
-              <a:t>Regulation of export still unknown</a:t>
+              <a:t>Mechanism of export still unknown</a:t>
             </a:r>
           </a:p>
           <a:p>
@@ -6383,9 +7310,55 @@
           </a:p>
         </p:txBody>
       </p:sp>
+      <p:sp>
+        <p:nvSpPr>
+          <p:cNvPr id="4" name="TextBox 3"/>
+          <p:cNvSpPr txBox="1"/>
+          <p:nvPr/>
+        </p:nvSpPr>
+        <p:spPr>
+          <a:xfrm>
+            <a:off x="8922967" y="5391249"/>
+            <a:ext cx="3023957" cy="369332"/>
+          </a:xfrm>
+          <a:prstGeom prst="rect">
+            <a:avLst/>
+          </a:prstGeom>
+          <a:noFill/>
+        </p:spPr>
+        <p:txBody>
+          <a:bodyPr wrap="square" rtlCol="0">
+            <a:spAutoFit/>
+          </a:bodyPr>
+          <a:lstStyle/>
+          <a:p>
+            <a:r>
+              <a:rPr lang="en-AU" dirty="0" smtClean="0"/>
+              <a:t>(</a:t>
+            </a:r>
+            <a:r>
+              <a:rPr lang="en-AU" dirty="0" err="1" smtClean="0"/>
+              <a:t>Villarroya-Beltri</a:t>
+            </a:r>
+            <a:r>
+              <a:rPr lang="en-AU" dirty="0" smtClean="0"/>
+              <a:t> </a:t>
+            </a:r>
+            <a:r>
+              <a:rPr lang="en-AU" i="1" dirty="0" smtClean="0"/>
+              <a:t>et al</a:t>
+            </a:r>
+            <a:r>
+              <a:rPr lang="en-AU" dirty="0" smtClean="0"/>
+              <a:t> 2013) </a:t>
+            </a:r>
+            <a:endParaRPr lang="en-AU" dirty="0"/>
+          </a:p>
+        </p:txBody>
+      </p:sp>
       <p:pic>
         <p:nvPicPr>
-          <p:cNvPr id="5" name="Picture 4"/>
+          <p:cNvPr id="6" name="Picture 5"/>
           <p:cNvPicPr>
             <a:picLocks noChangeAspect="1"/>
           </p:cNvPicPr>
@@ -6399,60 +7372,14 @@
         </p:blipFill>
         <p:spPr>
           <a:xfrm>
-            <a:off x="7514298" y="1973180"/>
-            <a:ext cx="4122714" cy="3333455"/>
+            <a:off x="7808785" y="2048136"/>
+            <a:ext cx="3743325" cy="3324225"/>
           </a:xfrm>
           <a:prstGeom prst="rect">
             <a:avLst/>
           </a:prstGeom>
         </p:spPr>
       </p:pic>
-      <p:sp>
-        <p:nvSpPr>
-          <p:cNvPr id="4" name="TextBox 3"/>
-          <p:cNvSpPr txBox="1"/>
-          <p:nvPr/>
-        </p:nvSpPr>
-        <p:spPr>
-          <a:xfrm>
-            <a:off x="8922967" y="5391249"/>
-            <a:ext cx="3023957" cy="369332"/>
-          </a:xfrm>
-          <a:prstGeom prst="rect">
-            <a:avLst/>
-          </a:prstGeom>
-          <a:noFill/>
-        </p:spPr>
-        <p:txBody>
-          <a:bodyPr wrap="square" rtlCol="0">
-            <a:spAutoFit/>
-          </a:bodyPr>
-          <a:lstStyle/>
-          <a:p>
-            <a:r>
-              <a:rPr lang="en-AU" dirty="0" smtClean="0"/>
-              <a:t>(</a:t>
-            </a:r>
-            <a:r>
-              <a:rPr lang="en-AU" dirty="0" err="1" smtClean="0"/>
-              <a:t>Villarroya-Beltri</a:t>
-            </a:r>
-            <a:r>
-              <a:rPr lang="en-AU" dirty="0" smtClean="0"/>
-              <a:t> </a:t>
-            </a:r>
-            <a:r>
-              <a:rPr lang="en-AU" i="1" dirty="0" smtClean="0"/>
-              <a:t>et al</a:t>
-            </a:r>
-            <a:r>
-              <a:rPr lang="en-AU" dirty="0" smtClean="0"/>
-              <a:t> 2013) </a:t>
-            </a:r>
-            <a:endParaRPr lang="en-AU" dirty="0"/>
-          </a:p>
-        </p:txBody>
-      </p:sp>
     </p:spTree>
     <p:extLst>
       <p:ext uri="{BB962C8B-B14F-4D97-AF65-F5344CB8AC3E}">
@@ -6516,7 +7443,23 @@
                   <a:schemeClr val="bg1"/>
                 </a:solidFill>
               </a:rPr>
-              <a:t>Lipid Rafts Affecting Cargo Sorting</a:t>
+              <a:t>Lipid Rafts </a:t>
+            </a:r>
+            <a:r>
+              <a:rPr lang="en-US" b="1" dirty="0">
+                <a:solidFill>
+                  <a:schemeClr val="bg1"/>
+                </a:solidFill>
+              </a:rPr>
+              <a:t>E</a:t>
+            </a:r>
+            <a:r>
+              <a:rPr lang="en-US" b="1" dirty="0" smtClean="0">
+                <a:solidFill>
+                  <a:schemeClr val="bg1"/>
+                </a:solidFill>
+              </a:rPr>
+              <a:t>ffecting Cargo Sorting</a:t>
             </a:r>
             <a:endParaRPr lang="en-AU" b="1" dirty="0">
               <a:solidFill>
@@ -6538,7 +7481,7 @@
         </p:nvSpPr>
         <p:spPr>
           <a:xfrm>
-            <a:off x="838200" y="1825625"/>
+            <a:off x="838200" y="2026793"/>
             <a:ext cx="10515600" cy="4351338"/>
           </a:xfrm>
         </p:spPr>
@@ -6549,20 +7492,6 @@
             <a:r>
               <a:rPr lang="en-US" dirty="0" smtClean="0"/>
               <a:t>Sorting may be impacted by lipid raft composition. </a:t>
-            </a:r>
-          </a:p>
-          <a:p>
-            <a:r>
-              <a:rPr lang="en-US" dirty="0" smtClean="0"/>
-              <a:t>Both types of EVs contain cholesterol, sphingolipid and ceramide enriched </a:t>
-            </a:r>
-            <a:r>
-              <a:rPr lang="en-US" dirty="0" err="1" smtClean="0"/>
-              <a:t>microdomains</a:t>
-            </a:r>
-            <a:r>
-              <a:rPr lang="en-US" dirty="0" smtClean="0"/>
-              <a:t>. </a:t>
             </a:r>
           </a:p>
           <a:p>
@@ -6588,8 +7517,8 @@
         </p:blipFill>
         <p:spPr>
           <a:xfrm>
-            <a:off x="838199" y="3377089"/>
-            <a:ext cx="4055127" cy="2799874"/>
+            <a:off x="691896" y="3000119"/>
+            <a:ext cx="4309746" cy="2975676"/>
           </a:xfrm>
           <a:prstGeom prst="rect">
             <a:avLst/>
@@ -6604,8 +7533,8 @@
         </p:nvSpPr>
         <p:spPr>
           <a:xfrm>
-            <a:off x="5129658" y="3792141"/>
-            <a:ext cx="6570134" cy="1969770"/>
+            <a:off x="5147946" y="3055840"/>
+            <a:ext cx="6570134" cy="3524042"/>
           </a:xfrm>
           <a:prstGeom prst="rect">
             <a:avLst/>
@@ -6617,6 +7546,55 @@
             <a:spAutoFit/>
           </a:bodyPr>
           <a:lstStyle/>
+          <a:p>
+            <a:pPr marL="342900" indent="-342900">
+              <a:buFont typeface="Arial" panose="020B0604020202020204" pitchFamily="34" charset="0"/>
+              <a:buChar char="•"/>
+            </a:pPr>
+            <a:r>
+              <a:rPr lang="en-US" sz="2800" dirty="0" smtClean="0"/>
+              <a:t>EVs </a:t>
+            </a:r>
+            <a:r>
+              <a:rPr lang="en-US" sz="2800" dirty="0"/>
+              <a:t>contain cholesterol, sphingolipid and ceramide enriched </a:t>
+            </a:r>
+            <a:r>
+              <a:rPr lang="en-US" sz="2800" dirty="0" err="1"/>
+              <a:t>microdomains</a:t>
+            </a:r>
+            <a:r>
+              <a:rPr lang="en-US" sz="2800" dirty="0"/>
+              <a:t>. </a:t>
+            </a:r>
+            <a:r>
+              <a:rPr lang="en-US" sz="1700" dirty="0"/>
+              <a:t>(</a:t>
+            </a:r>
+            <a:r>
+              <a:rPr lang="en-AU" sz="1700" dirty="0" err="1"/>
+              <a:t>Cocucci</a:t>
+            </a:r>
+            <a:r>
+              <a:rPr lang="en-AU" sz="1700" i="1" dirty="0"/>
+              <a:t> et al.</a:t>
+            </a:r>
+            <a:r>
+              <a:rPr lang="en-AU" sz="1700" dirty="0"/>
+              <a:t> 2015</a:t>
+            </a:r>
+            <a:r>
+              <a:rPr lang="en-US" sz="1700" dirty="0"/>
+              <a:t>)</a:t>
+            </a:r>
+          </a:p>
+          <a:p>
+            <a:pPr marL="342900" indent="-342900">
+              <a:buFont typeface="Arial" panose="020B0604020202020204" pitchFamily="34" charset="0"/>
+              <a:buChar char="•"/>
+            </a:pPr>
+            <a:endParaRPr lang="en-US" sz="2800" dirty="0" smtClean="0"/>
+          </a:p>
           <a:p>
             <a:pPr marL="342900" indent="-342900">
               <a:buFont typeface="Arial" panose="020B0604020202020204" pitchFamily="34" charset="0"/>
@@ -6706,6 +7684,13 @@
   <p:clrMapOvr>
     <a:masterClrMapping/>
   </p:clrMapOvr>
+  <p:timing>
+    <p:tnLst>
+      <p:par>
+        <p:cTn id="1" dur="indefinite" restart="never" nodeType="tmRoot"/>
+      </p:par>
+    </p:tnLst>
+  </p:timing>
 </p:sld>
 </file>
 
@@ -6726,6 +7711,93 @@
           <a:chExt cx="0" cy="0"/>
         </a:xfrm>
       </p:grpSpPr>
+      <p:pic>
+        <p:nvPicPr>
+          <p:cNvPr id="13" name="Picture 12"/>
+          <p:cNvPicPr>
+            <a:picLocks noChangeAspect="1"/>
+          </p:cNvPicPr>
+          <p:nvPr/>
+        </p:nvPicPr>
+        <p:blipFill>
+          <a:blip r:embed="rId3">
+            <a:lum bright="70000" contrast="-70000"/>
+          </a:blip>
+          <a:stretch>
+            <a:fillRect/>
+          </a:stretch>
+        </p:blipFill>
+        <p:spPr>
+          <a:xfrm>
+            <a:off x="8166210" y="3105198"/>
+            <a:ext cx="3432345" cy="3036071"/>
+          </a:xfrm>
+          <a:prstGeom prst="rect">
+            <a:avLst/>
+          </a:prstGeom>
+        </p:spPr>
+      </p:pic>
+      <p:pic>
+        <p:nvPicPr>
+          <p:cNvPr id="12" name="Picture 11"/>
+          <p:cNvPicPr>
+            <a:picLocks noChangeAspect="1"/>
+          </p:cNvPicPr>
+          <p:nvPr/>
+        </p:nvPicPr>
+        <p:blipFill>
+          <a:blip r:embed="rId4">
+            <a:lum bright="70000" contrast="-70000"/>
+          </a:blip>
+          <a:stretch>
+            <a:fillRect/>
+          </a:stretch>
+        </p:blipFill>
+        <p:spPr>
+          <a:xfrm>
+            <a:off x="4139010" y="3718152"/>
+            <a:ext cx="3828620" cy="2121592"/>
+          </a:xfrm>
+          <a:prstGeom prst="rect">
+            <a:avLst/>
+          </a:prstGeom>
+        </p:spPr>
+      </p:pic>
+      <p:pic>
+        <p:nvPicPr>
+          <p:cNvPr id="11" name="Picture 10"/>
+          <p:cNvPicPr>
+            <a:picLocks noChangeAspect="1"/>
+          </p:cNvPicPr>
+          <p:nvPr/>
+        </p:nvPicPr>
+        <p:blipFill>
+          <a:blip r:embed="rId5">
+            <a:lum bright="70000" contrast="-70000"/>
+          </a:blip>
+          <a:stretch>
+            <a:fillRect/>
+          </a:stretch>
+        </p:blipFill>
+        <p:spPr>
+          <a:xfrm>
+            <a:off x="354685" y="3557549"/>
+            <a:ext cx="3548180" cy="2438611"/>
+          </a:xfrm>
+          <a:prstGeom prst="rect">
+            <a:avLst/>
+          </a:prstGeom>
+          <a:blipFill dpi="0" rotWithShape="1">
+            <a:blip r:embed="rId6">
+              <a:alphaModFix amt="13000"/>
+            </a:blip>
+            <a:srcRect/>
+            <a:stretch>
+              <a:fillRect/>
+            </a:stretch>
+          </a:blipFill>
+        </p:spPr>
+      </p:pic>
       <p:sp>
         <p:nvSpPr>
           <p:cNvPr id="2" name="Title 1"/>
@@ -6736,13 +7808,18 @@
             <p:ph type="title"/>
           </p:nvPr>
         </p:nvSpPr>
-        <p:spPr/>
+        <p:spPr>
+          <a:xfrm>
+            <a:off x="838200" y="315541"/>
+            <a:ext cx="10515600" cy="1325563"/>
+          </a:xfrm>
+        </p:spPr>
         <p:txBody>
           <a:bodyPr/>
           <a:lstStyle/>
           <a:p>
             <a:r>
-              <a:rPr lang="en-US" b="1" dirty="0" smtClean="0">
+              <a:rPr lang="en-US" b="1" dirty="0">
                 <a:solidFill>
                   <a:schemeClr val="bg1"/>
                 </a:solidFill>
@@ -6769,8 +7846,8 @@
         </p:nvSpPr>
         <p:spPr>
           <a:xfrm>
-            <a:off x="838200" y="1900155"/>
-            <a:ext cx="6643977" cy="4619625"/>
+            <a:off x="838200" y="1726605"/>
+            <a:ext cx="10515600" cy="4582275"/>
           </a:xfrm>
         </p:spPr>
         <p:txBody>
@@ -6780,67 +7857,171 @@
           <a:lstStyle/>
           <a:p>
             <a:r>
-              <a:rPr lang="en-AU" dirty="0" smtClean="0"/>
-              <a:t>Increased Caveolin-1 expression without </a:t>
-            </a:r>
-            <a:r>
-              <a:rPr lang="en-AU" dirty="0" smtClean="0"/>
-              <a:t>Cavins in PC3.</a:t>
-            </a:r>
-            <a:endParaRPr lang="en-AU" dirty="0" smtClean="0"/>
-          </a:p>
-          <a:p>
-            <a:endParaRPr lang="en-AU" dirty="0"/>
-          </a:p>
-          <a:p>
-            <a:r>
-              <a:rPr lang="en-AU" dirty="0" smtClean="0"/>
-              <a:t>Caveolin-1 </a:t>
-            </a:r>
-            <a:r>
-              <a:rPr lang="en-AU" dirty="0"/>
-              <a:t>is a cholesterol transporter</a:t>
-            </a:r>
+              <a:rPr lang="en-AU" sz="2400" dirty="0"/>
+              <a:t>PC3 cells: </a:t>
+            </a:r>
+            <a:r>
+              <a:rPr lang="en-AU" sz="2400" dirty="0" smtClean="0"/>
+              <a:t>Aggressive prostate cancer cell line</a:t>
+            </a:r>
+            <a:endParaRPr lang="en-AU" sz="2400" dirty="0"/>
+          </a:p>
+          <a:p>
+            <a:r>
+              <a:rPr lang="en-AU" sz="2400" dirty="0" smtClean="0"/>
+              <a:t>Introduction </a:t>
+            </a:r>
+            <a:r>
+              <a:rPr lang="en-AU" sz="2400" dirty="0"/>
+              <a:t>of Cavin-1 results in </a:t>
+            </a:r>
+            <a:r>
+              <a:rPr lang="en-AU" sz="2400" dirty="0" smtClean="0"/>
+              <a:t>reduced oncogenic behaviour, modulated cholesterol </a:t>
+            </a:r>
+            <a:r>
+              <a:rPr lang="en-AU" sz="2400" dirty="0"/>
+              <a:t>re-distribution, </a:t>
+            </a:r>
+            <a:r>
+              <a:rPr lang="en-AU" sz="2400" dirty="0" smtClean="0"/>
+              <a:t>protein </a:t>
+            </a:r>
+            <a:r>
+              <a:rPr lang="en-AU" sz="2400" dirty="0"/>
+              <a:t>content and </a:t>
+            </a:r>
+            <a:r>
+              <a:rPr lang="en-AU" sz="2400" dirty="0" smtClean="0"/>
+              <a:t>EV </a:t>
+            </a:r>
+            <a:r>
+              <a:rPr lang="en-AU" sz="2400" dirty="0" err="1" smtClean="0"/>
+              <a:t>miRNA</a:t>
+            </a:r>
+            <a:r>
+              <a:rPr lang="en-AU" sz="2400" dirty="0" smtClean="0"/>
+              <a:t> content</a:t>
+            </a:r>
+            <a:r>
+              <a:rPr lang="en-AU" sz="2400" dirty="0"/>
+              <a:t>. </a:t>
+            </a:r>
+            <a:endParaRPr lang="en-AU" sz="2400" dirty="0" smtClean="0"/>
           </a:p>
           <a:p>
             <a:pPr marL="0" indent="0">
               <a:buNone/>
             </a:pPr>
-            <a:endParaRPr lang="en-AU" dirty="0" smtClean="0"/>
-          </a:p>
-          <a:p>
-            <a:r>
-              <a:rPr lang="en-AU" dirty="0" smtClean="0"/>
-              <a:t>When </a:t>
-            </a:r>
-            <a:r>
-              <a:rPr lang="en-AU" dirty="0"/>
-              <a:t>accompanied by </a:t>
-            </a:r>
-            <a:r>
-              <a:rPr lang="en-AU" dirty="0" smtClean="0"/>
-              <a:t>Cavin-1 </a:t>
-            </a:r>
-            <a:r>
-              <a:rPr lang="en-AU" dirty="0"/>
-              <a:t>it will form caveolae, utilised in Endocytosis. </a:t>
-            </a:r>
-            <a:endParaRPr lang="en-AU" dirty="0" smtClean="0"/>
+            <a:endParaRPr lang="en-US" sz="2400" dirty="0" smtClean="0"/>
           </a:p>
           <a:p>
             <a:pPr marL="0" indent="0">
               <a:buNone/>
             </a:pPr>
-            <a:endParaRPr lang="en-AU" dirty="0" smtClean="0"/>
-          </a:p>
-          <a:p>
-            <a:r>
-              <a:rPr lang="en-AU" dirty="0" smtClean="0"/>
-              <a:t>Enrichment of Caveolin-1 on EVs</a:t>
-            </a:r>
-          </a:p>
-          <a:p>
-            <a:endParaRPr lang="en-AU" sz="2400" dirty="0" smtClean="0"/>
+            <a:endParaRPr lang="en-US" sz="2200" dirty="0" smtClean="0"/>
+          </a:p>
+          <a:p>
+            <a:pPr marL="0" indent="0">
+              <a:buNone/>
+            </a:pPr>
+            <a:endParaRPr lang="en-US" sz="2200" dirty="0" smtClean="0"/>
+          </a:p>
+          <a:p>
+            <a:pPr marL="0" indent="0">
+              <a:buNone/>
+            </a:pPr>
+            <a:endParaRPr lang="en-US" sz="2200" dirty="0" smtClean="0"/>
+          </a:p>
+          <a:p>
+            <a:pPr marL="0" indent="0">
+              <a:buNone/>
+            </a:pPr>
+            <a:endParaRPr lang="en-US" sz="2200" dirty="0" smtClean="0"/>
+          </a:p>
+          <a:p>
+            <a:pPr marL="0" indent="0">
+              <a:buNone/>
+            </a:pPr>
+            <a:endParaRPr lang="en-US" sz="2200" dirty="0"/>
+          </a:p>
+          <a:p>
+            <a:pPr>
+              <a:lnSpc>
+                <a:spcPct val="150000"/>
+              </a:lnSpc>
+            </a:pPr>
+            <a:endParaRPr lang="en-US" sz="2200" dirty="0" smtClean="0"/>
+          </a:p>
+          <a:p>
+            <a:pPr>
+              <a:lnSpc>
+                <a:spcPct val="150000"/>
+              </a:lnSpc>
+            </a:pPr>
+            <a:endParaRPr lang="en-US" dirty="0" smtClean="0"/>
+          </a:p>
+        </p:txBody>
+      </p:sp>
+      <p:sp>
+        <p:nvSpPr>
+          <p:cNvPr id="5" name="TextBox 4"/>
+          <p:cNvSpPr txBox="1"/>
+          <p:nvPr/>
+        </p:nvSpPr>
+        <p:spPr>
+          <a:xfrm>
+            <a:off x="8513290" y="6423424"/>
+            <a:ext cx="3084394" cy="338554"/>
+          </a:xfrm>
+          <a:prstGeom prst="rect">
+            <a:avLst/>
+          </a:prstGeom>
+          <a:noFill/>
+        </p:spPr>
+        <p:txBody>
+          <a:bodyPr wrap="square" rtlCol="0">
+            <a:spAutoFit/>
+          </a:bodyPr>
+          <a:lstStyle/>
+          <a:p>
+            <a:r>
+              <a:rPr lang="en-AU" sz="1600" dirty="0" smtClean="0"/>
+              <a:t>(</a:t>
+            </a:r>
+            <a:r>
+              <a:rPr lang="en-AU" sz="1600" dirty="0" err="1" smtClean="0"/>
+              <a:t>Inder</a:t>
+            </a:r>
+            <a:r>
+              <a:rPr lang="en-AU" sz="1600" dirty="0" smtClean="0"/>
+              <a:t> </a:t>
+            </a:r>
+            <a:r>
+              <a:rPr lang="en-AU" sz="1600" i="1" dirty="0" smtClean="0"/>
+              <a:t>et al </a:t>
+            </a:r>
+            <a:r>
+              <a:rPr lang="en-AU" sz="1600" dirty="0" smtClean="0"/>
+              <a:t>2012; </a:t>
+            </a:r>
+            <a:r>
+              <a:rPr lang="en-AU" sz="1600" dirty="0" err="1" smtClean="0"/>
+              <a:t>Inder</a:t>
+            </a:r>
+            <a:r>
+              <a:rPr lang="en-AU" sz="1600" dirty="0" smtClean="0"/>
+              <a:t> </a:t>
+            </a:r>
+            <a:r>
+              <a:rPr lang="en-AU" sz="1600" i="1" dirty="0" smtClean="0"/>
+              <a:t>et al </a:t>
+            </a:r>
+            <a:r>
+              <a:rPr lang="en-AU" sz="1600" dirty="0" smtClean="0"/>
+              <a:t>2014)</a:t>
+            </a:r>
+            <a:endParaRPr lang="en-AU" sz="1600" dirty="0"/>
           </a:p>
         </p:txBody>
       </p:sp>
@@ -6853,15 +8034,81 @@
           <p:nvPr/>
         </p:nvPicPr>
         <p:blipFill>
-          <a:blip r:embed="rId3"/>
+          <a:blip r:embed="rId6">
+            <a:extLst>
+              <a:ext uri="{28A0092B-C50C-407E-A947-70E740481C1C}">
+                <a14:useLocalDpi xmlns:a14="http://schemas.microsoft.com/office/drawing/2010/main" val="0"/>
+              </a:ext>
+            </a:extLst>
+          </a:blip>
           <a:stretch>
             <a:fillRect/>
           </a:stretch>
         </p:blipFill>
         <p:spPr>
           <a:xfrm>
-            <a:off x="7633874" y="1670057"/>
-            <a:ext cx="3719926" cy="4589520"/>
+            <a:off x="344565" y="3557549"/>
+            <a:ext cx="3549690" cy="2434438"/>
+          </a:xfrm>
+          <a:prstGeom prst="rect">
+            <a:avLst/>
+          </a:prstGeom>
+        </p:spPr>
+      </p:pic>
+      <p:pic>
+        <p:nvPicPr>
+          <p:cNvPr id="6" name="Picture 5"/>
+          <p:cNvPicPr>
+            <a:picLocks noChangeAspect="1"/>
+          </p:cNvPicPr>
+          <p:nvPr/>
+        </p:nvPicPr>
+        <p:blipFill>
+          <a:blip r:embed="rId7">
+            <a:extLst>
+              <a:ext uri="{28A0092B-C50C-407E-A947-70E740481C1C}">
+                <a14:useLocalDpi xmlns:a14="http://schemas.microsoft.com/office/drawing/2010/main" val="0"/>
+              </a:ext>
+            </a:extLst>
+          </a:blip>
+          <a:stretch>
+            <a:fillRect/>
+          </a:stretch>
+        </p:blipFill>
+        <p:spPr>
+          <a:xfrm>
+            <a:off x="8174820" y="3103757"/>
+            <a:ext cx="3430602" cy="3037512"/>
+          </a:xfrm>
+          <a:prstGeom prst="rect">
+            <a:avLst/>
+          </a:prstGeom>
+        </p:spPr>
+      </p:pic>
+      <p:pic>
+        <p:nvPicPr>
+          <p:cNvPr id="9" name="Picture 8"/>
+          <p:cNvPicPr>
+            <a:picLocks noChangeAspect="1"/>
+          </p:cNvPicPr>
+          <p:nvPr/>
+        </p:nvPicPr>
+        <p:blipFill>
+          <a:blip r:embed="rId8">
+            <a:extLst>
+              <a:ext uri="{28A0092B-C50C-407E-A947-70E740481C1C}">
+                <a14:useLocalDpi xmlns:a14="http://schemas.microsoft.com/office/drawing/2010/main" val="0"/>
+              </a:ext>
+            </a:extLst>
+          </a:blip>
+          <a:stretch>
+            <a:fillRect/>
+          </a:stretch>
+        </p:blipFill>
+        <p:spPr>
+          <a:xfrm>
+            <a:off x="4140764" y="3718152"/>
+            <a:ext cx="3825113" cy="2121579"/>
           </a:xfrm>
           <a:prstGeom prst="rect">
             <a:avLst/>
@@ -6871,7 +8118,7 @@
     </p:spTree>
     <p:extLst>
       <p:ext uri="{BB962C8B-B14F-4D97-AF65-F5344CB8AC3E}">
-        <p14:creationId xmlns:p14="http://schemas.microsoft.com/office/powerpoint/2010/main" val="254767137"/>
+        <p14:creationId xmlns:p14="http://schemas.microsoft.com/office/powerpoint/2010/main" val="122657898"/>
       </p:ext>
     </p:extLst>
   </p:cSld>
@@ -6881,7 +8128,189 @@
   <p:timing>
     <p:tnLst>
       <p:par>
-        <p:cTn id="1" dur="indefinite" restart="never" nodeType="tmRoot"/>
+        <p:cTn id="1" dur="indefinite" restart="never" nodeType="tmRoot">
+          <p:childTnLst>
+            <p:seq concurrent="1" nextAc="seek">
+              <p:cTn id="2" dur="indefinite" nodeType="mainSeq">
+                <p:childTnLst>
+                  <p:par>
+                    <p:cTn id="3" fill="hold">
+                      <p:stCondLst>
+                        <p:cond delay="indefinite"/>
+                      </p:stCondLst>
+                      <p:childTnLst>
+                        <p:par>
+                          <p:cTn id="4" fill="hold">
+                            <p:stCondLst>
+                              <p:cond delay="0"/>
+                            </p:stCondLst>
+                            <p:childTnLst>
+                              <p:par>
+                                <p:cTn id="5" presetID="10" presetClass="entr" presetSubtype="0" fill="hold" nodeType="clickEffect">
+                                  <p:stCondLst>
+                                    <p:cond delay="0"/>
+                                  </p:stCondLst>
+                                  <p:childTnLst>
+                                    <p:set>
+                                      <p:cBhvr>
+                                        <p:cTn id="6" dur="1" fill="hold">
+                                          <p:stCondLst>
+                                            <p:cond delay="0"/>
+                                          </p:stCondLst>
+                                        </p:cTn>
+                                        <p:tgtEl>
+                                          <p:spTgt spid="4"/>
+                                        </p:tgtEl>
+                                        <p:attrNameLst>
+                                          <p:attrName>style.visibility</p:attrName>
+                                        </p:attrNameLst>
+                                      </p:cBhvr>
+                                      <p:to>
+                                        <p:strVal val="visible"/>
+                                      </p:to>
+                                    </p:set>
+                                    <p:animEffect transition="in" filter="fade">
+                                      <p:cBhvr>
+                                        <p:cTn id="7" dur="500"/>
+                                        <p:tgtEl>
+                                          <p:spTgt spid="4"/>
+                                        </p:tgtEl>
+                                      </p:cBhvr>
+                                    </p:animEffect>
+                                  </p:childTnLst>
+                                </p:cTn>
+                              </p:par>
+                            </p:childTnLst>
+                          </p:cTn>
+                        </p:par>
+                      </p:childTnLst>
+                    </p:cTn>
+                  </p:par>
+                  <p:par>
+                    <p:cTn id="8" fill="hold">
+                      <p:stCondLst>
+                        <p:cond delay="indefinite"/>
+                      </p:stCondLst>
+                      <p:childTnLst>
+                        <p:par>
+                          <p:cTn id="9" fill="hold">
+                            <p:stCondLst>
+                              <p:cond delay="0"/>
+                            </p:stCondLst>
+                            <p:childTnLst>
+                              <p:par>
+                                <p:cTn id="10" presetID="10" presetClass="entr" presetSubtype="0" fill="hold" nodeType="clickEffect">
+                                  <p:stCondLst>
+                                    <p:cond delay="0"/>
+                                  </p:stCondLst>
+                                  <p:childTnLst>
+                                    <p:set>
+                                      <p:cBhvr>
+                                        <p:cTn id="11" dur="1" fill="hold">
+                                          <p:stCondLst>
+                                            <p:cond delay="0"/>
+                                          </p:stCondLst>
+                                        </p:cTn>
+                                        <p:tgtEl>
+                                          <p:spTgt spid="9"/>
+                                        </p:tgtEl>
+                                        <p:attrNameLst>
+                                          <p:attrName>style.visibility</p:attrName>
+                                        </p:attrNameLst>
+                                      </p:cBhvr>
+                                      <p:to>
+                                        <p:strVal val="visible"/>
+                                      </p:to>
+                                    </p:set>
+                                    <p:animEffect transition="in" filter="fade">
+                                      <p:cBhvr>
+                                        <p:cTn id="12" dur="500"/>
+                                        <p:tgtEl>
+                                          <p:spTgt spid="9"/>
+                                        </p:tgtEl>
+                                      </p:cBhvr>
+                                    </p:animEffect>
+                                  </p:childTnLst>
+                                </p:cTn>
+                              </p:par>
+                            </p:childTnLst>
+                          </p:cTn>
+                        </p:par>
+                      </p:childTnLst>
+                    </p:cTn>
+                  </p:par>
+                  <p:par>
+                    <p:cTn id="13" fill="hold">
+                      <p:stCondLst>
+                        <p:cond delay="indefinite"/>
+                      </p:stCondLst>
+                      <p:childTnLst>
+                        <p:par>
+                          <p:cTn id="14" fill="hold">
+                            <p:stCondLst>
+                              <p:cond delay="0"/>
+                            </p:stCondLst>
+                            <p:childTnLst>
+                              <p:par>
+                                <p:cTn id="15" presetID="10" presetClass="entr" presetSubtype="0" fill="hold" nodeType="clickEffect">
+                                  <p:stCondLst>
+                                    <p:cond delay="0"/>
+                                  </p:stCondLst>
+                                  <p:childTnLst>
+                                    <p:set>
+                                      <p:cBhvr>
+                                        <p:cTn id="16" dur="1" fill="hold">
+                                          <p:stCondLst>
+                                            <p:cond delay="0"/>
+                                          </p:stCondLst>
+                                        </p:cTn>
+                                        <p:tgtEl>
+                                          <p:spTgt spid="6"/>
+                                        </p:tgtEl>
+                                        <p:attrNameLst>
+                                          <p:attrName>style.visibility</p:attrName>
+                                        </p:attrNameLst>
+                                      </p:cBhvr>
+                                      <p:to>
+                                        <p:strVal val="visible"/>
+                                      </p:to>
+                                    </p:set>
+                                    <p:animEffect transition="in" filter="fade">
+                                      <p:cBhvr>
+                                        <p:cTn id="17" dur="500"/>
+                                        <p:tgtEl>
+                                          <p:spTgt spid="6"/>
+                                        </p:tgtEl>
+                                      </p:cBhvr>
+                                    </p:animEffect>
+                                  </p:childTnLst>
+                                </p:cTn>
+                              </p:par>
+                            </p:childTnLst>
+                          </p:cTn>
+                        </p:par>
+                      </p:childTnLst>
+                    </p:cTn>
+                  </p:par>
+                </p:childTnLst>
+              </p:cTn>
+              <p:prevCondLst>
+                <p:cond evt="onPrev" delay="0">
+                  <p:tgtEl>
+                    <p:sldTgt/>
+                  </p:tgtEl>
+                </p:cond>
+              </p:prevCondLst>
+              <p:nextCondLst>
+                <p:cond evt="onNext" delay="0">
+                  <p:tgtEl>
+                    <p:sldTgt/>
+                  </p:tgtEl>
+                </p:cond>
+              </p:nextCondLst>
+            </p:seq>
+          </p:childTnLst>
+        </p:cTn>
       </p:par>
     </p:tnLst>
   </p:timing>
@@ -6915,12 +8344,7 @@
             <p:ph type="title"/>
           </p:nvPr>
         </p:nvSpPr>
-        <p:spPr>
-          <a:xfrm>
-            <a:off x="838200" y="315541"/>
-            <a:ext cx="10515600" cy="1325563"/>
-          </a:xfrm>
-        </p:spPr>
+        <p:spPr/>
         <p:txBody>
           <a:bodyPr/>
           <a:lstStyle/>
@@ -6931,15 +8355,7 @@
                   <a:schemeClr val="bg1"/>
                 </a:solidFill>
               </a:rPr>
-              <a:t>Cavins and </a:t>
-            </a:r>
-            <a:r>
-              <a:rPr lang="en-US" b="1" dirty="0" smtClean="0">
-                <a:solidFill>
-                  <a:schemeClr val="bg1"/>
-                </a:solidFill>
-              </a:rPr>
-              <a:t>Export</a:t>
+              <a:t>Hypotheses and Aims:</a:t>
             </a:r>
             <a:endParaRPr lang="en-AU" b="1" dirty="0">
               <a:solidFill>
@@ -6961,198 +8377,103 @@
         </p:nvSpPr>
         <p:spPr>
           <a:xfrm>
-            <a:off x="838200" y="1759638"/>
-            <a:ext cx="10515600" cy="4582275"/>
+            <a:off x="838200" y="1939870"/>
+            <a:ext cx="10515600" cy="3981281"/>
           </a:xfrm>
         </p:spPr>
         <p:txBody>
           <a:bodyPr>
-            <a:normAutofit fontScale="85000" lnSpcReduction="20000"/>
+            <a:normAutofit/>
           </a:bodyPr>
           <a:lstStyle/>
           <a:p>
-            <a:r>
-              <a:rPr lang="en-AU" sz="3300" dirty="0" smtClean="0"/>
-              <a:t>Introduction </a:t>
-            </a:r>
-            <a:r>
-              <a:rPr lang="en-AU" sz="3300" dirty="0"/>
-              <a:t>of Cavin-1 results in modulated </a:t>
-            </a:r>
-            <a:r>
-              <a:rPr lang="en-AU" sz="3300" dirty="0" smtClean="0"/>
-              <a:t>cholesterol </a:t>
-            </a:r>
-            <a:r>
-              <a:rPr lang="en-AU" sz="3300" dirty="0"/>
-              <a:t>re-distribution, EV protein content and </a:t>
-            </a:r>
-            <a:r>
-              <a:rPr lang="en-AU" sz="3300" dirty="0" err="1"/>
-              <a:t>miR</a:t>
-            </a:r>
-            <a:r>
-              <a:rPr lang="en-AU" sz="3300" dirty="0"/>
-              <a:t> content. </a:t>
-            </a:r>
-            <a:endParaRPr lang="en-AU" sz="3300" dirty="0" smtClean="0"/>
-          </a:p>
-          <a:p>
             <a:pPr marL="0" indent="0">
               <a:buNone/>
             </a:pPr>
-            <a:endParaRPr lang="en-US" sz="2200" dirty="0" smtClean="0"/>
+            <a:r>
+              <a:rPr lang="en-AU" sz="2400" b="1" dirty="0" smtClean="0"/>
+              <a:t>Hypothesis</a:t>
+            </a:r>
+            <a:r>
+              <a:rPr lang="en-AU" sz="2400" dirty="0" smtClean="0"/>
+              <a:t>: </a:t>
+            </a:r>
           </a:p>
           <a:p>
             <a:pPr marL="0" indent="0">
               <a:buNone/>
             </a:pPr>
-            <a:endParaRPr lang="en-US" sz="2200" dirty="0" smtClean="0"/>
+            <a:r>
+              <a:rPr lang="en-AU" sz="2400" dirty="0" smtClean="0"/>
+              <a:t>Extracellular vesicle miRNA content is mediated by RNA-binding proteins modulated by lipid raft composition. </a:t>
+            </a:r>
           </a:p>
           <a:p>
             <a:pPr marL="0" indent="0">
               <a:buNone/>
             </a:pPr>
-            <a:endParaRPr lang="en-US" sz="2200" dirty="0" smtClean="0"/>
+            <a:endParaRPr lang="en-AU" sz="2400" dirty="0" smtClean="0"/>
           </a:p>
           <a:p>
             <a:pPr marL="0" indent="0">
               <a:buNone/>
             </a:pPr>
-            <a:endParaRPr lang="en-US" sz="2200" dirty="0" smtClean="0"/>
-          </a:p>
-          <a:p>
-            <a:pPr marL="0" indent="0">
-              <a:buNone/>
-            </a:pPr>
-            <a:endParaRPr lang="en-US" sz="2200" dirty="0" smtClean="0"/>
-          </a:p>
-          <a:p>
-            <a:pPr marL="0" indent="0">
-              <a:buNone/>
-            </a:pPr>
-            <a:endParaRPr lang="en-US" sz="2200" dirty="0"/>
-          </a:p>
-          <a:p>
-            <a:pPr>
-              <a:lnSpc>
-                <a:spcPct val="150000"/>
-              </a:lnSpc>
-            </a:pPr>
-            <a:endParaRPr lang="en-US" sz="2200" dirty="0" smtClean="0"/>
-          </a:p>
-          <a:p>
-            <a:pPr>
-              <a:lnSpc>
-                <a:spcPct val="150000"/>
-              </a:lnSpc>
-            </a:pPr>
-            <a:endParaRPr lang="en-US" dirty="0" smtClean="0"/>
-          </a:p>
-          <a:p>
-            <a:pPr>
-              <a:lnSpc>
-                <a:spcPct val="150000"/>
-              </a:lnSpc>
-            </a:pPr>
-            <a:r>
-              <a:rPr lang="en-US" sz="2900" dirty="0" smtClean="0"/>
-              <a:t>Hereby,  modulation of miRNA export is dependent of lipid raft composition. </a:t>
-            </a:r>
-            <a:endParaRPr lang="en-AU" sz="2900" dirty="0"/>
-          </a:p>
-        </p:txBody>
-      </p:sp>
-      <p:sp>
-        <p:nvSpPr>
-          <p:cNvPr id="5" name="TextBox 4"/>
-          <p:cNvSpPr txBox="1"/>
-          <p:nvPr/>
-        </p:nvSpPr>
-        <p:spPr>
-          <a:xfrm>
-            <a:off x="8547796" y="5179733"/>
-            <a:ext cx="3084394" cy="338554"/>
-          </a:xfrm>
-          <a:prstGeom prst="rect">
-            <a:avLst/>
-          </a:prstGeom>
-          <a:noFill/>
-        </p:spPr>
-        <p:txBody>
-          <a:bodyPr wrap="square" rtlCol="0">
-            <a:spAutoFit/>
-          </a:bodyPr>
-          <a:lstStyle/>
-          <a:p>
-            <a:r>
-              <a:rPr lang="en-AU" sz="1600" dirty="0" smtClean="0"/>
-              <a:t>(</a:t>
-            </a:r>
-            <a:r>
-              <a:rPr lang="en-AU" sz="1600" dirty="0" err="1" smtClean="0"/>
-              <a:t>Inder</a:t>
-            </a:r>
-            <a:r>
-              <a:rPr lang="en-AU" sz="1600" dirty="0" smtClean="0"/>
+            <a:r>
+              <a:rPr lang="en-AU" sz="2400" b="1" dirty="0" smtClean="0"/>
+              <a:t>Aims:</a:t>
+            </a:r>
+          </a:p>
+          <a:p>
+            <a:pPr marL="542925" indent="-276225"/>
+            <a:r>
+              <a:rPr lang="en-AU" sz="2400" dirty="0" smtClean="0"/>
+              <a:t>Identify the </a:t>
+            </a:r>
+            <a:r>
+              <a:rPr lang="en-AU" sz="2400" dirty="0"/>
+              <a:t>selectively </a:t>
+            </a:r>
+            <a:r>
+              <a:rPr lang="en-AU" sz="2400" dirty="0" smtClean="0"/>
+              <a:t>exported </a:t>
+            </a:r>
+            <a:r>
+              <a:rPr lang="en-AU" sz="2400" dirty="0" err="1" smtClean="0"/>
+              <a:t>miRNAs</a:t>
+            </a:r>
+            <a:r>
+              <a:rPr lang="en-AU" sz="2400" dirty="0" smtClean="0"/>
               <a:t> </a:t>
             </a:r>
-            <a:r>
-              <a:rPr lang="en-AU" sz="1600" i="1" dirty="0" smtClean="0"/>
-              <a:t>et al </a:t>
-            </a:r>
-            <a:r>
-              <a:rPr lang="en-AU" sz="1600" dirty="0" smtClean="0"/>
-              <a:t>2012; </a:t>
-            </a:r>
-            <a:r>
-              <a:rPr lang="en-AU" sz="1600" dirty="0" err="1" smtClean="0"/>
-              <a:t>Inder</a:t>
-            </a:r>
-            <a:r>
-              <a:rPr lang="en-AU" sz="1600" dirty="0" smtClean="0"/>
-              <a:t> </a:t>
-            </a:r>
-            <a:r>
-              <a:rPr lang="en-AU" sz="1600" i="1" dirty="0" smtClean="0"/>
-              <a:t>et al </a:t>
-            </a:r>
-            <a:r>
-              <a:rPr lang="en-AU" sz="1600" dirty="0" smtClean="0"/>
-              <a:t>2014)</a:t>
-            </a:r>
-            <a:endParaRPr lang="en-AU" sz="1600" dirty="0"/>
-          </a:p>
-        </p:txBody>
-      </p:sp>
-      <p:pic>
-        <p:nvPicPr>
-          <p:cNvPr id="7" name="Picture 6"/>
-          <p:cNvPicPr>
-            <a:picLocks noChangeAspect="1"/>
-          </p:cNvPicPr>
-          <p:nvPr/>
-        </p:nvPicPr>
-        <p:blipFill>
-          <a:blip r:embed="rId2"/>
-          <a:stretch>
-            <a:fillRect/>
-          </a:stretch>
-        </p:blipFill>
-        <p:spPr>
-          <a:xfrm>
-            <a:off x="623168" y="2878667"/>
-            <a:ext cx="11009022" cy="2301066"/>
-          </a:xfrm>
-          <a:prstGeom prst="rect">
-            <a:avLst/>
-          </a:prstGeom>
-        </p:spPr>
-      </p:pic>
+          </a:p>
+          <a:p>
+            <a:pPr marL="542925" indent="-276225"/>
+            <a:r>
+              <a:rPr lang="en-AU" sz="2400" dirty="0" smtClean="0"/>
+              <a:t>Identify RNA-binding proteins correlated to the miRNA export</a:t>
+            </a:r>
+          </a:p>
+          <a:p>
+            <a:pPr marL="542925" indent="-276225"/>
+            <a:r>
+              <a:rPr lang="en-AU" sz="2400" dirty="0" smtClean="0"/>
+              <a:t>Verify candidate miRNA escort proteins ability to bind to miRNAs and transport to </a:t>
+            </a:r>
+            <a:r>
+              <a:rPr lang="en-AU" sz="2400" dirty="0"/>
+              <a:t>e</a:t>
+            </a:r>
+            <a:r>
+              <a:rPr lang="en-AU" sz="2400" dirty="0" smtClean="0"/>
+              <a:t>xtracellular vesicles.</a:t>
+            </a:r>
+          </a:p>
+        </p:txBody>
+      </p:sp>
     </p:spTree>
     <p:extLst>
       <p:ext uri="{BB962C8B-B14F-4D97-AF65-F5344CB8AC3E}">
-        <p14:creationId xmlns:p14="http://schemas.microsoft.com/office/powerpoint/2010/main" val="122657898"/>
+        <p14:creationId xmlns:p14="http://schemas.microsoft.com/office/powerpoint/2010/main" val="2339122931"/>
       </p:ext>
     </p:extLst>
   </p:cSld>
@@ -7207,7 +8528,7 @@
                   <a:schemeClr val="bg1"/>
                 </a:solidFill>
               </a:rPr>
-              <a:t>Hypotheses and Aims:</a:t>
+              <a:t>Aim 1: Analysis of miRNA Export</a:t>
             </a:r>
             <a:endParaRPr lang="en-AU" b="1" dirty="0">
               <a:solidFill>
@@ -7229,8 +8550,8 @@
         </p:nvSpPr>
         <p:spPr>
           <a:xfrm>
-            <a:off x="838200" y="1939870"/>
-            <a:ext cx="10515600" cy="3981281"/>
+            <a:off x="680740" y="1554692"/>
+            <a:ext cx="10830515" cy="4351338"/>
           </a:xfrm>
         </p:spPr>
         <p:txBody>
@@ -7244,80 +8565,153 @@
             </a:pPr>
             <a:r>
               <a:rPr lang="en-AU" sz="2400" b="1" dirty="0" smtClean="0"/>
-              <a:t>Hypothesis</a:t>
-            </a:r>
-            <a:r>
-              <a:rPr lang="en-AU" sz="2400" dirty="0" smtClean="0"/>
-              <a:t>: </a:t>
-            </a:r>
-          </a:p>
-          <a:p>
-            <a:pPr marL="0" indent="0">
-              <a:buNone/>
+              <a:t>Method 1: Bioinformatics</a:t>
+            </a:r>
+          </a:p>
+          <a:p>
+            <a:pPr>
+              <a:lnSpc>
+                <a:spcPct val="100000"/>
+              </a:lnSpc>
             </a:pPr>
             <a:r>
-              <a:rPr lang="en-AU" sz="2400" dirty="0" smtClean="0"/>
-              <a:t>EV miRNA content is mediated by RNA-binding proteins modulated by lipid raft composition. </a:t>
-            </a:r>
-          </a:p>
-          <a:p>
-            <a:pPr marL="0" indent="0">
-              <a:buNone/>
-            </a:pPr>
-            <a:endParaRPr lang="en-AU" sz="2400" dirty="0" smtClean="0"/>
-          </a:p>
-          <a:p>
-            <a:pPr marL="0" indent="0">
-              <a:buNone/>
-            </a:pPr>
-            <a:r>
-              <a:rPr lang="en-AU" sz="2400" b="1" dirty="0" smtClean="0"/>
-              <a:t>Aims:</a:t>
-            </a:r>
-          </a:p>
-          <a:p>
-            <a:pPr marL="542925" indent="-276225"/>
-            <a:r>
-              <a:rPr lang="en-AU" sz="2400" dirty="0" smtClean="0"/>
-              <a:t>Identify the </a:t>
-            </a:r>
-            <a:r>
-              <a:rPr lang="en-AU" sz="2400" dirty="0"/>
-              <a:t>selectively </a:t>
-            </a:r>
-            <a:r>
-              <a:rPr lang="en-AU" sz="2400" dirty="0" smtClean="0"/>
-              <a:t>exported </a:t>
-            </a:r>
-            <a:r>
               <a:rPr lang="en-AU" sz="2400" dirty="0" err="1" smtClean="0"/>
-              <a:t>miRNAs</a:t>
+              <a:t>miRNA-seq</a:t>
             </a:r>
             <a:r>
               <a:rPr lang="en-AU" sz="2400" dirty="0" smtClean="0"/>
               <a:t> </a:t>
             </a:r>
-          </a:p>
-          <a:p>
-            <a:pPr marL="542925" indent="-276225"/>
             <a:r>
               <a:rPr lang="en-AU" sz="2400" dirty="0" smtClean="0"/>
-              <a:t>Identify RNA-binding proteins correlated to the miRNA export</a:t>
-            </a:r>
-          </a:p>
-          <a:p>
-            <a:pPr marL="542925" indent="-276225"/>
+              <a:t>data compiled: </a:t>
+            </a:r>
+            <a:r>
+              <a:rPr lang="en-AU" sz="2400" dirty="0"/>
+              <a:t>EVs and cell </a:t>
+            </a:r>
             <a:r>
               <a:rPr lang="en-AU" sz="2400" dirty="0" smtClean="0"/>
-              <a:t>Verify candidate miRNA escort proteins ability to bind to miRNAs and transport to EVs.</a:t>
-            </a:r>
-          </a:p>
-        </p:txBody>
-      </p:sp>
+              <a:t>from </a:t>
+            </a:r>
+            <a:r>
+              <a:rPr lang="en-AU" sz="2400" b="1" dirty="0" smtClean="0"/>
+              <a:t>P</a:t>
+            </a:r>
+            <a:r>
+              <a:rPr lang="en-AU" sz="2400" b="1" dirty="0" smtClean="0"/>
+              <a:t>C3-GFP</a:t>
+            </a:r>
+            <a:r>
+              <a:rPr lang="en-AU" sz="2400" dirty="0" smtClean="0"/>
+              <a:t> </a:t>
+            </a:r>
+            <a:r>
+              <a:rPr lang="en-AU" sz="2400" dirty="0" smtClean="0"/>
+              <a:t>and </a:t>
+            </a:r>
+            <a:r>
+              <a:rPr lang="en-AU" sz="2400" b="1" dirty="0" smtClean="0"/>
+              <a:t>PC3</a:t>
+            </a:r>
+            <a:r>
+              <a:rPr lang="en-AU" sz="2400" dirty="0"/>
+              <a:t>-</a:t>
+            </a:r>
+            <a:r>
+              <a:rPr lang="en-AU" sz="2400" b="1" dirty="0" smtClean="0"/>
+              <a:t>GFP::Cavin1 </a:t>
+            </a:r>
+            <a:r>
+              <a:rPr lang="en-AU" sz="2400" dirty="0" smtClean="0"/>
+              <a:t>cells</a:t>
+            </a:r>
+            <a:r>
+              <a:rPr lang="en-AU" sz="2400" dirty="0"/>
+              <a:t>.</a:t>
+            </a:r>
+            <a:endParaRPr lang="en-AU" sz="2400" dirty="0" smtClean="0"/>
+          </a:p>
+          <a:p>
+            <a:pPr>
+              <a:lnSpc>
+                <a:spcPct val="100000"/>
+              </a:lnSpc>
+            </a:pPr>
+            <a:r>
+              <a:rPr lang="en-AU" sz="2400" dirty="0" smtClean="0"/>
+              <a:t>DEseq2 and </a:t>
+            </a:r>
+            <a:r>
+              <a:rPr lang="en-AU" sz="2400" dirty="0" err="1" smtClean="0"/>
+              <a:t>egdeR</a:t>
+            </a:r>
+            <a:r>
+              <a:rPr lang="en-AU" sz="2400" dirty="0" smtClean="0"/>
+              <a:t> find differences in miRNA levels between cell lines</a:t>
+            </a:r>
+            <a:endParaRPr lang="en-AU" sz="2400" dirty="0"/>
+          </a:p>
+          <a:p>
+            <a:pPr>
+              <a:lnSpc>
+                <a:spcPct val="100000"/>
+              </a:lnSpc>
+            </a:pPr>
+            <a:r>
+              <a:rPr lang="en-AU" sz="2400" dirty="0" smtClean="0"/>
+              <a:t>Compare between cell and EV to find selectively exported miRNAs. </a:t>
+            </a:r>
+          </a:p>
+          <a:p>
+            <a:endParaRPr lang="en-US" sz="2400" dirty="0" smtClean="0"/>
+          </a:p>
+          <a:p>
+            <a:pPr marL="0" indent="0">
+              <a:buNone/>
+            </a:pPr>
+            <a:r>
+              <a:rPr lang="en-US" sz="2400" b="1" dirty="0" smtClean="0"/>
+              <a:t>Method 2: RT-qPCR</a:t>
+            </a:r>
+            <a:endParaRPr lang="en-AU" sz="2400" b="1" dirty="0"/>
+          </a:p>
+        </p:txBody>
+      </p:sp>
+      <p:pic>
+        <p:nvPicPr>
+          <p:cNvPr id="5" name="Picture 4"/>
+          <p:cNvPicPr>
+            <a:picLocks noChangeAspect="1"/>
+          </p:cNvPicPr>
+          <p:nvPr/>
+        </p:nvPicPr>
+        <p:blipFill>
+          <a:blip r:embed="rId3">
+            <a:extLst>
+              <a:ext uri="{28A0092B-C50C-407E-A947-70E740481C1C}">
+                <a14:useLocalDpi xmlns:a14="http://schemas.microsoft.com/office/drawing/2010/main" val="0"/>
+              </a:ext>
+            </a:extLst>
+          </a:blip>
+          <a:stretch>
+            <a:fillRect/>
+          </a:stretch>
+        </p:blipFill>
+        <p:spPr>
+          <a:xfrm>
+            <a:off x="1342406" y="4592941"/>
+            <a:ext cx="9507185" cy="1543051"/>
+          </a:xfrm>
+          <a:prstGeom prst="rect">
+            <a:avLst/>
+          </a:prstGeom>
+        </p:spPr>
+      </p:pic>
     </p:spTree>
     <p:extLst>
       <p:ext uri="{BB962C8B-B14F-4D97-AF65-F5344CB8AC3E}">
-        <p14:creationId xmlns:p14="http://schemas.microsoft.com/office/powerpoint/2010/main" val="2339122931"/>
+        <p14:creationId xmlns:p14="http://schemas.microsoft.com/office/powerpoint/2010/main" val="3986726622"/>
       </p:ext>
     </p:extLst>
   </p:cSld>
@@ -7363,26 +8757,52 @@
         </p:nvSpPr>
         <p:spPr/>
         <p:txBody>
-          <a:bodyPr/>
-          <a:lstStyle/>
-          <a:p>
-            <a:r>
-              <a:rPr lang="en-US" b="1" dirty="0" smtClean="0">
+          <a:bodyPr>
+            <a:normAutofit/>
+          </a:bodyPr>
+          <a:lstStyle/>
+          <a:p>
+            <a:r>
+              <a:rPr lang="en-AU" sz="4000" b="1" dirty="0" smtClean="0">
                 <a:solidFill>
                   <a:schemeClr val="bg1"/>
                 </a:solidFill>
               </a:rPr>
-              <a:t>Aim 1: Analysis of miRNA </a:t>
-            </a:r>
-            <a:r>
-              <a:rPr lang="en-US" b="1" dirty="0" smtClean="0">
+              <a:t>Aim 2: Identify Candidate </a:t>
+            </a:r>
+            <a:r>
+              <a:rPr lang="en-AU" sz="4000" b="1" dirty="0" err="1" smtClean="0">
                 <a:solidFill>
                   <a:schemeClr val="bg1"/>
                 </a:solidFill>
               </a:rPr>
-              <a:t>Export</a:t>
-            </a:r>
-            <a:endParaRPr lang="en-AU" b="1" dirty="0">
+              <a:t>miR</a:t>
+            </a:r>
+            <a:r>
+              <a:rPr lang="en-AU" sz="4000" b="1" dirty="0" smtClean="0">
+                <a:solidFill>
+                  <a:schemeClr val="bg1"/>
+                </a:solidFill>
+              </a:rPr>
+              <a:t> Binding </a:t>
+            </a:r>
+            <a:r>
+              <a:rPr lang="en-AU" sz="4000" b="1" dirty="0">
+                <a:solidFill>
+                  <a:schemeClr val="bg1"/>
+                </a:solidFill>
+              </a:rPr>
+              <a:t>P</a:t>
+            </a:r>
+            <a:r>
+              <a:rPr lang="en-AU" sz="4000" b="1" dirty="0" smtClean="0">
+                <a:solidFill>
+                  <a:schemeClr val="bg1"/>
+                </a:solidFill>
+              </a:rPr>
+              <a:t>roteins.</a:t>
+            </a:r>
+            <a:endParaRPr lang="en-AU" sz="4000" b="1" dirty="0">
               <a:solidFill>
                 <a:schemeClr val="bg1"/>
               </a:solidFill>
@@ -7402,13 +8822,13 @@
         </p:nvSpPr>
         <p:spPr>
           <a:xfrm>
-            <a:off x="680740" y="1554692"/>
-            <a:ext cx="10830515" cy="4351338"/>
+            <a:off x="838200" y="1583140"/>
+            <a:ext cx="5729216" cy="4593823"/>
           </a:xfrm>
         </p:spPr>
         <p:txBody>
           <a:bodyPr>
-            <a:normAutofit/>
+            <a:normAutofit fontScale="92500"/>
           </a:bodyPr>
           <a:lstStyle/>
           <a:p>
@@ -7416,57 +8836,82 @@
               <a:buNone/>
             </a:pPr>
             <a:r>
-              <a:rPr lang="en-AU" sz="2400" b="1" dirty="0" smtClean="0"/>
-              <a:t>Method 1: Bioinformatics</a:t>
-            </a:r>
-          </a:p>
-          <a:p>
-            <a:r>
-              <a:rPr lang="en-AU" sz="2400" dirty="0" smtClean="0"/>
-              <a:t>miRNA-</a:t>
-            </a:r>
-            <a:r>
-              <a:rPr lang="en-AU" sz="2400" dirty="0" err="1" smtClean="0"/>
-              <a:t>seq</a:t>
-            </a:r>
-            <a:r>
-              <a:rPr lang="en-AU" sz="2400" dirty="0" smtClean="0"/>
-              <a:t> data compiled: GFP-PC3 and GFP:Cavin1-PC3 cells, EVs and cell pellet</a:t>
-            </a:r>
-          </a:p>
-          <a:p>
-            <a:r>
-              <a:rPr lang="en-AU" sz="2400" dirty="0" smtClean="0"/>
-              <a:t>DEseq2 and </a:t>
-            </a:r>
-            <a:r>
-              <a:rPr lang="en-AU" sz="2400" dirty="0" err="1" smtClean="0"/>
-              <a:t>egdeR</a:t>
-            </a:r>
-            <a:r>
-              <a:rPr lang="en-AU" sz="2400" dirty="0" smtClean="0"/>
-              <a:t> find differences in miRNA levels between cell lines</a:t>
-            </a:r>
-            <a:endParaRPr lang="en-AU" sz="2400" dirty="0"/>
-          </a:p>
-          <a:p>
-            <a:r>
-              <a:rPr lang="en-AU" sz="2400" dirty="0" smtClean="0"/>
-              <a:t>Compare between cell and EV to find selectively exported miRNAs. </a:t>
-            </a:r>
-          </a:p>
-          <a:p>
-            <a:endParaRPr lang="en-US" sz="2400" dirty="0" smtClean="0"/>
+              <a:rPr lang="en-AU" b="1" dirty="0" smtClean="0"/>
+              <a:t>Method 1: Computational analysis. </a:t>
+            </a:r>
           </a:p>
           <a:p>
             <a:pPr marL="0" indent="0">
               <a:buNone/>
             </a:pPr>
-            <a:r>
-              <a:rPr lang="en-US" sz="2400" b="1" dirty="0" smtClean="0"/>
-              <a:t>Method 2: RT-qPCR</a:t>
-            </a:r>
-            <a:endParaRPr lang="en-AU" sz="2400" b="1" dirty="0"/>
+            <a:endParaRPr lang="en-AU" sz="2200" dirty="0" smtClean="0"/>
+          </a:p>
+          <a:p>
+            <a:pPr>
+              <a:lnSpc>
+                <a:spcPct val="100000"/>
+              </a:lnSpc>
+            </a:pPr>
+            <a:r>
+              <a:rPr lang="en-AU" sz="2600" dirty="0" smtClean="0"/>
+              <a:t>Proteomics collected for the lipid </a:t>
+            </a:r>
+            <a:r>
+              <a:rPr lang="en-AU" sz="2600" dirty="0" smtClean="0"/>
+              <a:t>raft and </a:t>
+            </a:r>
+            <a:r>
+              <a:rPr lang="en-AU" sz="2600" dirty="0" smtClean="0"/>
+              <a:t>EVs for PC3 GFP and PC3 cavin-1 cells. </a:t>
+            </a:r>
+          </a:p>
+          <a:p>
+            <a:pPr marL="0" indent="0">
+              <a:lnSpc>
+                <a:spcPct val="100000"/>
+              </a:lnSpc>
+              <a:buNone/>
+            </a:pPr>
+            <a:endParaRPr lang="en-AU" sz="2600" dirty="0" smtClean="0"/>
+          </a:p>
+          <a:p>
+            <a:pPr>
+              <a:lnSpc>
+                <a:spcPct val="100000"/>
+              </a:lnSpc>
+            </a:pPr>
+            <a:r>
+              <a:rPr lang="en-US" sz="2600" dirty="0" smtClean="0"/>
+              <a:t>Identify proteins modified in EV </a:t>
+            </a:r>
+            <a:r>
+              <a:rPr lang="en-US" sz="2600" b="1" dirty="0" smtClean="0"/>
+              <a:t>and</a:t>
+            </a:r>
+            <a:r>
+              <a:rPr lang="en-US" sz="2600" dirty="0" smtClean="0"/>
+              <a:t> lipid raft fraction between cell lines</a:t>
+            </a:r>
+          </a:p>
+          <a:p>
+            <a:pPr>
+              <a:lnSpc>
+                <a:spcPct val="100000"/>
+              </a:lnSpc>
+            </a:pPr>
+            <a:endParaRPr lang="en-US" sz="2600" dirty="0" smtClean="0"/>
+          </a:p>
+          <a:p>
+            <a:pPr>
+              <a:lnSpc>
+                <a:spcPct val="100000"/>
+              </a:lnSpc>
+            </a:pPr>
+            <a:r>
+              <a:rPr lang="en-US" sz="2600" dirty="0" smtClean="0"/>
+              <a:t>Gene Ontology analysis determines RNA-binding ability. </a:t>
+            </a:r>
+            <a:endParaRPr lang="en-AU" sz="3500" dirty="0"/>
           </a:p>
         </p:txBody>
       </p:sp>
@@ -7479,21 +8924,15 @@
           <p:nvPr/>
         </p:nvPicPr>
         <p:blipFill>
-          <a:blip r:embed="rId2">
-            <a:extLst>
-              <a:ext uri="{28A0092B-C50C-407E-A947-70E740481C1C}">
-                <a14:useLocalDpi xmlns:a14="http://schemas.microsoft.com/office/drawing/2010/main" val="0"/>
-              </a:ext>
-            </a:extLst>
-          </a:blip>
+          <a:blip r:embed="rId3"/>
           <a:stretch>
             <a:fillRect/>
           </a:stretch>
         </p:blipFill>
         <p:spPr>
           <a:xfrm>
-            <a:off x="1342406" y="4592941"/>
-            <a:ext cx="9507185" cy="1543051"/>
+            <a:off x="6889522" y="1633538"/>
+            <a:ext cx="4886325" cy="4600575"/>
           </a:xfrm>
           <a:prstGeom prst="rect">
             <a:avLst/>
@@ -7503,7 +8942,7 @@
     </p:spTree>
     <p:extLst>
       <p:ext uri="{BB962C8B-B14F-4D97-AF65-F5344CB8AC3E}">
-        <p14:creationId xmlns:p14="http://schemas.microsoft.com/office/powerpoint/2010/main" val="3986726622"/>
+        <p14:creationId xmlns:p14="http://schemas.microsoft.com/office/powerpoint/2010/main" val="347616013"/>
       </p:ext>
     </p:extLst>
   </p:cSld>
